--- a/객체이론정리_1.pptx
+++ b/객체이론정리_1.pptx
@@ -11,24 +11,25 @@
     <p:sldId id="258" r:id="rId5"/>
     <p:sldId id="259" r:id="rId6"/>
     <p:sldId id="262" r:id="rId7"/>
-    <p:sldId id="261" r:id="rId8"/>
-    <p:sldId id="265" r:id="rId9"/>
-    <p:sldId id="269" r:id="rId10"/>
-    <p:sldId id="266" r:id="rId11"/>
-    <p:sldId id="267" r:id="rId12"/>
-    <p:sldId id="268" r:id="rId13"/>
-    <p:sldId id="270" r:id="rId14"/>
-    <p:sldId id="271" r:id="rId15"/>
-    <p:sldId id="272" r:id="rId16"/>
-    <p:sldId id="273" r:id="rId17"/>
-    <p:sldId id="264" r:id="rId18"/>
-    <p:sldId id="275" r:id="rId19"/>
-    <p:sldId id="274" r:id="rId20"/>
-    <p:sldId id="260" r:id="rId21"/>
-    <p:sldId id="277" r:id="rId22"/>
-    <p:sldId id="276" r:id="rId23"/>
-    <p:sldId id="278" r:id="rId24"/>
-    <p:sldId id="279" r:id="rId25"/>
+    <p:sldId id="280" r:id="rId8"/>
+    <p:sldId id="261" r:id="rId9"/>
+    <p:sldId id="265" r:id="rId10"/>
+    <p:sldId id="269" r:id="rId11"/>
+    <p:sldId id="266" r:id="rId12"/>
+    <p:sldId id="267" r:id="rId13"/>
+    <p:sldId id="268" r:id="rId14"/>
+    <p:sldId id="270" r:id="rId15"/>
+    <p:sldId id="271" r:id="rId16"/>
+    <p:sldId id="272" r:id="rId17"/>
+    <p:sldId id="273" r:id="rId18"/>
+    <p:sldId id="264" r:id="rId19"/>
+    <p:sldId id="275" r:id="rId20"/>
+    <p:sldId id="274" r:id="rId21"/>
+    <p:sldId id="260" r:id="rId22"/>
+    <p:sldId id="277" r:id="rId23"/>
+    <p:sldId id="276" r:id="rId24"/>
+    <p:sldId id="278" r:id="rId25"/>
+    <p:sldId id="279" r:id="rId26"/>
   </p:sldIdLst>
   <p:sldSz cx="12192000" cy="6858000"/>
   <p:notesSz cx="6858000" cy="9144000"/>
@@ -3077,8 +3078,8 @@
         </p:nvSpPr>
         <p:spPr>
           <a:xfrm>
-            <a:off x="1153885" y="4376058"/>
-            <a:ext cx="9818915" cy="523220"/>
+            <a:off x="744819" y="2264229"/>
+            <a:ext cx="10900741" cy="2246769"/>
           </a:xfrm>
           <a:prstGeom prst="rect">
             <a:avLst/>
@@ -3086,138 +3087,191 @@
           <a:noFill/>
         </p:spPr>
         <p:txBody>
-          <a:bodyPr wrap="square" rtlCol="0">
+          <a:bodyPr wrap="none" rtlCol="0">
             <a:spAutoFit/>
           </a:bodyPr>
           <a:lstStyle/>
           <a:p>
             <a:pPr algn="ctr"/>
             <a:r>
+              <a:rPr lang="ko-KR" altLang="en-US" sz="2800" dirty="0" smtClean="0">
+                <a:solidFill>
+                  <a:srgbClr val="FFC000"/>
+                </a:solidFill>
+              </a:rPr>
+              <a:t>초기화 되지 않은 인스턴스는 사용할 수 없다</a:t>
+            </a:r>
+            <a:r>
+              <a:rPr lang="en-US" altLang="ko-KR" sz="2800" dirty="0" smtClean="0">
+                <a:solidFill>
+                  <a:srgbClr val="FFC000"/>
+                </a:solidFill>
+              </a:rPr>
+              <a:t>!</a:t>
+            </a:r>
+          </a:p>
+          <a:p>
+            <a:pPr algn="ctr"/>
+            <a:endParaRPr lang="en-US" altLang="ko-KR" sz="2800" dirty="0"/>
+          </a:p>
+          <a:p>
+            <a:pPr algn="ctr"/>
+            <a:r>
+              <a:rPr lang="ko-KR" altLang="en-US" sz="2800" dirty="0" smtClean="0"/>
+              <a:t>사용하려고 할 경우 </a:t>
+            </a:r>
+            <a:r>
+              <a:rPr lang="en-US" altLang="ko-KR" sz="2800" dirty="0" smtClean="0"/>
+              <a:t>Null Pointer</a:t>
+            </a:r>
+            <a:r>
+              <a:rPr lang="ko-KR" altLang="en-US" sz="2800" dirty="0" smtClean="0"/>
+              <a:t>에러가 뜸</a:t>
+            </a:r>
+            <a:endParaRPr lang="en-US" altLang="ko-KR" sz="2800" dirty="0" smtClean="0"/>
+          </a:p>
+          <a:p>
+            <a:pPr algn="ctr"/>
+            <a:endParaRPr lang="en-US" altLang="ko-KR" sz="2800" b="1" dirty="0"/>
+          </a:p>
+          <a:p>
+            <a:pPr algn="ctr"/>
+            <a:r>
               <a:rPr lang="ko-KR" altLang="en-US" sz="2800" b="1" dirty="0" err="1" smtClean="0">
                 <a:solidFill>
-                  <a:srgbClr val="FFC000"/>
-                </a:solidFill>
-              </a:rPr>
-              <a:t>클래스이름</a:t>
+                  <a:srgbClr val="FF5050"/>
+                </a:solidFill>
+              </a:rPr>
+              <a:t>생성자로</a:t>
+            </a:r>
+            <a:r>
+              <a:rPr lang="ko-KR" altLang="en-US" sz="2800" b="1" dirty="0" smtClean="0">
+                <a:solidFill>
+                  <a:srgbClr val="FF5050"/>
+                </a:solidFill>
+              </a:rPr>
+              <a:t> 초기화를 해주거나</a:t>
             </a:r>
             <a:r>
               <a:rPr lang="en-US" altLang="ko-KR" sz="2800" b="1" dirty="0" smtClean="0">
                 <a:solidFill>
-                  <a:srgbClr val="FFC000"/>
-                </a:solidFill>
-              </a:rPr>
-              <a:t> </a:t>
+                  <a:srgbClr val="FF5050"/>
+                </a:solidFill>
+              </a:rPr>
+              <a:t>, </a:t>
+            </a:r>
+            <a:r>
+              <a:rPr lang="ko-KR" altLang="en-US" sz="2800" b="1" dirty="0" err="1" smtClean="0">
+                <a:solidFill>
+                  <a:srgbClr val="FF5050"/>
+                </a:solidFill>
+              </a:rPr>
+              <a:t>메인메소드에서의</a:t>
             </a:r>
             <a:r>
               <a:rPr lang="ko-KR" altLang="en-US" sz="2800" b="1" dirty="0" smtClean="0">
                 <a:solidFill>
-                  <a:srgbClr val="FFC000"/>
-                </a:solidFill>
-              </a:rPr>
-              <a:t>인스턴스변수이름</a:t>
+                  <a:srgbClr val="FF5050"/>
+                </a:solidFill>
+              </a:rPr>
+              <a:t> 초기화가 필수</a:t>
             </a:r>
             <a:r>
               <a:rPr lang="en-US" altLang="ko-KR" sz="2800" b="1" dirty="0" smtClean="0">
                 <a:solidFill>
-                  <a:srgbClr val="FFC000"/>
-                </a:solidFill>
-              </a:rPr>
-              <a:t> = new </a:t>
-            </a:r>
-            <a:r>
-              <a:rPr lang="ko-KR" altLang="en-US" sz="2800" b="1" dirty="0" err="1" smtClean="0">
-                <a:solidFill>
-                  <a:srgbClr val="FFC000"/>
-                </a:solidFill>
-              </a:rPr>
-              <a:t>생성자이름</a:t>
-            </a:r>
-            <a:r>
-              <a:rPr lang="en-US" altLang="ko-KR" sz="2800" b="1" dirty="0" smtClean="0">
-                <a:solidFill>
-                  <a:srgbClr val="FFC000"/>
-                </a:solidFill>
-              </a:rPr>
-              <a:t>();</a:t>
+                  <a:srgbClr val="FF5050"/>
+                </a:solidFill>
+              </a:rPr>
+              <a:t>!</a:t>
             </a:r>
             <a:endParaRPr lang="ko-KR" altLang="en-US" sz="2800" b="1" dirty="0">
+              <a:solidFill>
+                <a:srgbClr val="FF5050"/>
+              </a:solidFill>
+            </a:endParaRPr>
+          </a:p>
+        </p:txBody>
+      </p:sp>
+      <p:sp>
+        <p:nvSpPr>
+          <p:cNvPr id="3" name="TextBox 2"/>
+          <p:cNvSpPr txBox="1"/>
+          <p:nvPr/>
+        </p:nvSpPr>
+        <p:spPr>
+          <a:xfrm>
+            <a:off x="8041689" y="5900057"/>
+            <a:ext cx="3653564" cy="523220"/>
+          </a:xfrm>
+          <a:prstGeom prst="rect">
+            <a:avLst/>
+          </a:prstGeom>
+          <a:noFill/>
+        </p:spPr>
+        <p:txBody>
+          <a:bodyPr wrap="none" rtlCol="0">
+            <a:spAutoFit/>
+          </a:bodyPr>
+          <a:lstStyle/>
+          <a:p>
+            <a:pPr algn="ctr"/>
+            <a:r>
+              <a:rPr lang="ko-KR" altLang="en-US" sz="1400" b="1" dirty="0" smtClean="0">
+                <a:solidFill>
+                  <a:srgbClr val="FFC000"/>
+                </a:solidFill>
+              </a:rPr>
+              <a:t>이거 실수 진짜 많이 하니까 꼭 인지하기</a:t>
+            </a:r>
+            <a:endParaRPr lang="en-US" altLang="ko-KR" sz="1400" b="1" dirty="0" smtClean="0">
               <a:solidFill>
                 <a:srgbClr val="FFC000"/>
               </a:solidFill>
             </a:endParaRPr>
           </a:p>
-        </p:txBody>
-      </p:sp>
-      <p:sp>
-        <p:nvSpPr>
-          <p:cNvPr id="3" name="TextBox 2"/>
-          <p:cNvSpPr txBox="1"/>
-          <p:nvPr/>
-        </p:nvSpPr>
-        <p:spPr>
-          <a:xfrm>
-            <a:off x="4921041" y="3141115"/>
-            <a:ext cx="2284600" cy="646331"/>
-          </a:xfrm>
-          <a:prstGeom prst="rect">
-            <a:avLst/>
-          </a:prstGeom>
-          <a:noFill/>
-        </p:spPr>
-        <p:txBody>
-          <a:bodyPr wrap="none" rtlCol="0">
-            <a:spAutoFit/>
-          </a:bodyPr>
-          <a:lstStyle/>
           <a:p>
             <a:pPr algn="ctr"/>
             <a:r>
-              <a:rPr lang="ko-KR" altLang="en-US" b="1" dirty="0" smtClean="0"/>
-              <a:t>무조건 외우기</a:t>
-            </a:r>
-            <a:endParaRPr lang="en-US" altLang="ko-KR" b="1" dirty="0" smtClean="0"/>
-          </a:p>
-          <a:p>
-            <a:pPr algn="ctr"/>
-            <a:r>
-              <a:rPr lang="ko-KR" altLang="en-US" b="1" dirty="0" smtClean="0"/>
-              <a:t>자바의 존재 이유임</a:t>
-            </a:r>
-            <a:endParaRPr lang="ko-KR" altLang="en-US" b="1" dirty="0"/>
-          </a:p>
-        </p:txBody>
-      </p:sp>
-      <p:sp>
-        <p:nvSpPr>
-          <p:cNvPr id="4" name="TextBox 3"/>
-          <p:cNvSpPr txBox="1"/>
-          <p:nvPr/>
-        </p:nvSpPr>
-        <p:spPr>
-          <a:xfrm>
-            <a:off x="3402998" y="1573571"/>
-            <a:ext cx="5320687" cy="769441"/>
-          </a:xfrm>
-          <a:prstGeom prst="rect">
-            <a:avLst/>
-          </a:prstGeom>
-          <a:noFill/>
-        </p:spPr>
-        <p:txBody>
-          <a:bodyPr wrap="none" rtlCol="0">
-            <a:spAutoFit/>
-          </a:bodyPr>
-          <a:lstStyle/>
-          <a:p>
-            <a:r>
-              <a:rPr lang="ko-KR" altLang="en-US" sz="4400" b="1" dirty="0" smtClean="0">
-                <a:solidFill>
-                  <a:srgbClr val="FFC000"/>
-                </a:solidFill>
-              </a:rPr>
-              <a:t>인스턴스 선언 방법</a:t>
-            </a:r>
-            <a:endParaRPr lang="ko-KR" altLang="en-US" sz="4400" b="1" dirty="0">
+              <a:rPr lang="ko-KR" altLang="en-US" sz="1400" b="1" dirty="0" smtClean="0">
+                <a:solidFill>
+                  <a:srgbClr val="FFC000"/>
+                </a:solidFill>
+              </a:rPr>
+              <a:t>객체에서 </a:t>
+            </a:r>
+            <a:r>
+              <a:rPr lang="ko-KR" altLang="en-US" sz="1400" b="1" dirty="0" err="1" smtClean="0">
+                <a:solidFill>
+                  <a:srgbClr val="FFC000"/>
+                </a:solidFill>
+              </a:rPr>
+              <a:t>에러나면</a:t>
+            </a:r>
+            <a:r>
+              <a:rPr lang="ko-KR" altLang="en-US" sz="1400" b="1" dirty="0" smtClean="0">
+                <a:solidFill>
+                  <a:srgbClr val="FFC000"/>
+                </a:solidFill>
+              </a:rPr>
+              <a:t> </a:t>
+            </a:r>
+            <a:r>
+              <a:rPr lang="en-US" altLang="ko-KR" sz="1400" b="1" dirty="0" smtClean="0">
+                <a:solidFill>
+                  <a:srgbClr val="FFC000"/>
+                </a:solidFill>
+              </a:rPr>
+              <a:t>80%</a:t>
+            </a:r>
+            <a:r>
+              <a:rPr lang="ko-KR" altLang="en-US" sz="1400" b="1" dirty="0" smtClean="0">
+                <a:solidFill>
+                  <a:srgbClr val="FFC000"/>
+                </a:solidFill>
+              </a:rPr>
+              <a:t>는 이 이유</a:t>
+            </a:r>
+            <a:endParaRPr lang="ko-KR" altLang="en-US" sz="1400" b="1" dirty="0">
               <a:solidFill>
                 <a:srgbClr val="FFC000"/>
               </a:solidFill>
@@ -3225,61 +3279,10 @@
           </a:p>
         </p:txBody>
       </p:sp>
-      <p:sp>
-        <p:nvSpPr>
-          <p:cNvPr id="5" name="TextBox 4"/>
-          <p:cNvSpPr txBox="1"/>
-          <p:nvPr/>
-        </p:nvSpPr>
-        <p:spPr>
-          <a:xfrm>
-            <a:off x="2839837" y="5487890"/>
-            <a:ext cx="6447008" cy="369332"/>
-          </a:xfrm>
-          <a:prstGeom prst="rect">
-            <a:avLst/>
-          </a:prstGeom>
-          <a:noFill/>
-        </p:spPr>
-        <p:txBody>
-          <a:bodyPr wrap="square" rtlCol="0">
-            <a:spAutoFit/>
-          </a:bodyPr>
-          <a:lstStyle/>
-          <a:p>
-            <a:pPr algn="ctr"/>
-            <a:r>
-              <a:rPr lang="ko-KR" altLang="en-US" b="1" dirty="0" smtClean="0"/>
-              <a:t>인스턴스변수</a:t>
-            </a:r>
-            <a:r>
-              <a:rPr lang="en-US" altLang="ko-KR" b="1" dirty="0" smtClean="0"/>
-              <a:t>.</a:t>
-            </a:r>
-            <a:r>
-              <a:rPr lang="ko-KR" altLang="en-US" b="1" dirty="0" err="1" smtClean="0"/>
-              <a:t>클래스변수</a:t>
-            </a:r>
-            <a:r>
-              <a:rPr lang="ko-KR" altLang="en-US" b="1" dirty="0" smtClean="0"/>
-              <a:t> </a:t>
-            </a:r>
-            <a:r>
-              <a:rPr lang="en-US" altLang="ko-KR" b="1" dirty="0" smtClean="0"/>
-              <a:t>= </a:t>
-            </a:r>
-            <a:r>
-              <a:rPr lang="ko-KR" altLang="en-US" b="1" dirty="0" err="1" smtClean="0"/>
-              <a:t>초기화값</a:t>
-            </a:r>
-            <a:endParaRPr lang="ko-KR" altLang="en-US" b="1" dirty="0"/>
-          </a:p>
-        </p:txBody>
-      </p:sp>
     </p:spTree>
     <p:extLst>
       <p:ext uri="{BB962C8B-B14F-4D97-AF65-F5344CB8AC3E}">
-        <p14:creationId xmlns:p14="http://schemas.microsoft.com/office/powerpoint/2010/main" val="3774297612"/>
+        <p14:creationId xmlns:p14="http://schemas.microsoft.com/office/powerpoint/2010/main" val="3061512155"/>
       </p:ext>
     </p:extLst>
   </p:cSld>
@@ -3314,8 +3317,8 @@
         </p:nvSpPr>
         <p:spPr>
           <a:xfrm>
-            <a:off x="1833922" y="801430"/>
-            <a:ext cx="8318303" cy="646331"/>
+            <a:off x="1153885" y="4376058"/>
+            <a:ext cx="9818915" cy="523220"/>
           </a:xfrm>
           <a:prstGeom prst="rect">
             <a:avLst/>
@@ -3323,29 +3326,22 @@
           <a:noFill/>
         </p:spPr>
         <p:txBody>
-          <a:bodyPr wrap="none" rtlCol="0">
+          <a:bodyPr wrap="square" rtlCol="0">
             <a:spAutoFit/>
           </a:bodyPr>
           <a:lstStyle/>
           <a:p>
-            <a:r>
-              <a:rPr lang="ko-KR" altLang="en-US" sz="3600" b="1" dirty="0" smtClean="0">
-                <a:solidFill>
-                  <a:srgbClr val="FFC000"/>
-                </a:solidFill>
-              </a:rPr>
-              <a:t>기본 </a:t>
-            </a:r>
-            <a:r>
-              <a:rPr lang="ko-KR" altLang="en-US" sz="3600" b="1" dirty="0" err="1" smtClean="0">
-                <a:solidFill>
-                  <a:srgbClr val="FFC000"/>
-                </a:solidFill>
-              </a:rPr>
-              <a:t>생성자</a:t>
-            </a:r>
-            <a:r>
-              <a:rPr lang="ko-KR" altLang="en-US" sz="3600" b="1" dirty="0" smtClean="0">
+            <a:pPr algn="ctr"/>
+            <a:r>
+              <a:rPr lang="ko-KR" altLang="en-US" sz="2800" b="1" dirty="0" err="1" smtClean="0">
+                <a:solidFill>
+                  <a:srgbClr val="FFC000"/>
+                </a:solidFill>
+              </a:rPr>
+              <a:t>클래스이름</a:t>
+            </a:r>
+            <a:r>
+              <a:rPr lang="en-US" altLang="ko-KR" sz="2800" b="1" dirty="0" smtClean="0">
                 <a:solidFill>
                   <a:srgbClr val="FFC000"/>
                 </a:solidFill>
@@ -3353,14 +3349,38 @@
               <a:t> </a:t>
             </a:r>
             <a:r>
-              <a:rPr lang="en-US" altLang="ko-KR" sz="3600" b="1" dirty="0" smtClean="0">
-                <a:solidFill>
-                  <a:srgbClr val="FFC000"/>
-                </a:solidFill>
-              </a:rPr>
-              <a:t>(Default Constructor)</a:t>
-            </a:r>
-            <a:endParaRPr lang="ko-KR" altLang="en-US" sz="3600" b="1" dirty="0">
+              <a:rPr lang="ko-KR" altLang="en-US" sz="2800" b="1" dirty="0" smtClean="0">
+                <a:solidFill>
+                  <a:srgbClr val="FFC000"/>
+                </a:solidFill>
+              </a:rPr>
+              <a:t>인스턴스변수이름</a:t>
+            </a:r>
+            <a:r>
+              <a:rPr lang="en-US" altLang="ko-KR" sz="2800" b="1" dirty="0" smtClean="0">
+                <a:solidFill>
+                  <a:srgbClr val="FFC000"/>
+                </a:solidFill>
+              </a:rPr>
+              <a:t> = new </a:t>
+            </a:r>
+            <a:r>
+              <a:rPr lang="ko-KR" altLang="en-US" sz="2800" b="1" dirty="0" err="1" smtClean="0">
+                <a:solidFill>
+                  <a:srgbClr val="FFC000"/>
+                </a:solidFill>
+              </a:rPr>
+              <a:t>생성자이름</a:t>
+            </a:r>
+            <a:r>
+              <a:rPr lang="en-US" altLang="ko-KR" sz="2800" b="1" dirty="0" smtClean="0">
+                <a:solidFill>
+                  <a:srgbClr val="FFC000"/>
+                </a:solidFill>
+              </a:rPr>
+              <a:t>();</a:t>
+            </a:r>
+            <a:endParaRPr lang="ko-KR" altLang="en-US" sz="2800" b="1" dirty="0">
               <a:solidFill>
                 <a:srgbClr val="FFC000"/>
               </a:solidFill>
@@ -3370,14 +3390,14 @@
       </p:sp>
       <p:sp>
         <p:nvSpPr>
-          <p:cNvPr id="4" name="TextBox 3"/>
+          <p:cNvPr id="3" name="TextBox 2"/>
           <p:cNvSpPr txBox="1"/>
           <p:nvPr/>
         </p:nvSpPr>
         <p:spPr>
           <a:xfrm>
-            <a:off x="2970450" y="2429398"/>
-            <a:ext cx="6045245" cy="400110"/>
+            <a:off x="4921041" y="3141115"/>
+            <a:ext cx="2284600" cy="646331"/>
           </a:xfrm>
           <a:prstGeom prst="rect">
             <a:avLst/>
@@ -3392,34 +3412,52 @@
           <a:p>
             <a:pPr algn="ctr"/>
             <a:r>
-              <a:rPr lang="ko-KR" altLang="en-US" sz="2000" dirty="0" smtClean="0"/>
-              <a:t>받아들이는 </a:t>
-            </a:r>
-            <a:r>
-              <a:rPr lang="ko-KR" altLang="en-US" sz="2000" dirty="0"/>
-              <a:t>변수가 없고</a:t>
-            </a:r>
-            <a:r>
-              <a:rPr lang="en-US" altLang="ko-KR" sz="2000" dirty="0"/>
-              <a:t>, </a:t>
-            </a:r>
-            <a:r>
-              <a:rPr lang="ko-KR" altLang="en-US" sz="2000" dirty="0">
-                <a:solidFill>
-                  <a:srgbClr val="FFC000"/>
-                </a:solidFill>
-              </a:rPr>
-              <a:t>빈 괄호만 있는 </a:t>
-            </a:r>
-            <a:r>
-              <a:rPr lang="ko-KR" altLang="en-US" sz="2000" dirty="0" err="1" smtClean="0">
-                <a:solidFill>
-                  <a:srgbClr val="FFC000"/>
-                </a:solidFill>
-              </a:rPr>
-              <a:t>생성자</a:t>
-            </a:r>
-            <a:endParaRPr lang="ko-KR" altLang="en-US" sz="2000" dirty="0">
+              <a:rPr lang="ko-KR" altLang="en-US" b="1" dirty="0" smtClean="0"/>
+              <a:t>무조건 외우기</a:t>
+            </a:r>
+            <a:endParaRPr lang="en-US" altLang="ko-KR" b="1" dirty="0" smtClean="0"/>
+          </a:p>
+          <a:p>
+            <a:pPr algn="ctr"/>
+            <a:r>
+              <a:rPr lang="ko-KR" altLang="en-US" b="1" dirty="0" smtClean="0"/>
+              <a:t>자바의 존재 이유임</a:t>
+            </a:r>
+            <a:endParaRPr lang="ko-KR" altLang="en-US" b="1" dirty="0"/>
+          </a:p>
+        </p:txBody>
+      </p:sp>
+      <p:sp>
+        <p:nvSpPr>
+          <p:cNvPr id="4" name="TextBox 3"/>
+          <p:cNvSpPr txBox="1"/>
+          <p:nvPr/>
+        </p:nvSpPr>
+        <p:spPr>
+          <a:xfrm>
+            <a:off x="3402998" y="1573571"/>
+            <a:ext cx="5320687" cy="769441"/>
+          </a:xfrm>
+          <a:prstGeom prst="rect">
+            <a:avLst/>
+          </a:prstGeom>
+          <a:noFill/>
+        </p:spPr>
+        <p:txBody>
+          <a:bodyPr wrap="none" rtlCol="0">
+            <a:spAutoFit/>
+          </a:bodyPr>
+          <a:lstStyle/>
+          <a:p>
+            <a:r>
+              <a:rPr lang="ko-KR" altLang="en-US" sz="4400" b="1" dirty="0" smtClean="0">
+                <a:solidFill>
+                  <a:srgbClr val="FFC000"/>
+                </a:solidFill>
+              </a:rPr>
+              <a:t>인스턴스 선언 방법</a:t>
+            </a:r>
+            <a:endParaRPr lang="ko-KR" altLang="en-US" sz="4400" b="1" dirty="0">
               <a:solidFill>
                 <a:srgbClr val="FFC000"/>
               </a:solidFill>
@@ -3435,67 +3473,8 @@
         </p:nvSpPr>
         <p:spPr>
           <a:xfrm>
-            <a:off x="1476452" y="3698519"/>
-            <a:ext cx="9033242" cy="400110"/>
-          </a:xfrm>
-          <a:prstGeom prst="rect">
-            <a:avLst/>
-          </a:prstGeom>
-          <a:noFill/>
-        </p:spPr>
-        <p:txBody>
-          <a:bodyPr wrap="none" rtlCol="0">
-            <a:spAutoFit/>
-          </a:bodyPr>
-          <a:lstStyle/>
-          <a:p>
-            <a:pPr algn="ctr"/>
-            <a:r>
-              <a:rPr lang="ko-KR" altLang="en-US" sz="2000" dirty="0"/>
-              <a:t>아무 </a:t>
-            </a:r>
-            <a:r>
-              <a:rPr lang="ko-KR" altLang="en-US" sz="2000" dirty="0" err="1"/>
-              <a:t>생성자를</a:t>
-            </a:r>
-            <a:r>
-              <a:rPr lang="ko-KR" altLang="en-US" sz="2000" dirty="0"/>
-              <a:t> 만들지 않으면</a:t>
-            </a:r>
-            <a:r>
-              <a:rPr lang="en-US" altLang="ko-KR" sz="2000" dirty="0"/>
-              <a:t>, </a:t>
-            </a:r>
-            <a:r>
-              <a:rPr lang="ko-KR" altLang="en-US" sz="2000" dirty="0"/>
-              <a:t>기본 </a:t>
-            </a:r>
-            <a:r>
-              <a:rPr lang="ko-KR" altLang="en-US" sz="2000" dirty="0" err="1"/>
-              <a:t>생성자를</a:t>
-            </a:r>
-            <a:r>
-              <a:rPr lang="ko-KR" altLang="en-US" sz="2000" dirty="0"/>
-              <a:t> 선언하지 않아도 사용 </a:t>
-            </a:r>
-            <a:r>
-              <a:rPr lang="ko-KR" altLang="en-US" sz="2000" dirty="0" smtClean="0"/>
-              <a:t>가능</a:t>
-            </a:r>
-            <a:endParaRPr lang="ko-KR" altLang="en-US" sz="2000" dirty="0"/>
-          </a:p>
-        </p:txBody>
-      </p:sp>
-      <p:sp>
-        <p:nvSpPr>
-          <p:cNvPr id="6" name="TextBox 5"/>
-          <p:cNvSpPr txBox="1"/>
-          <p:nvPr/>
-        </p:nvSpPr>
-        <p:spPr>
-          <a:xfrm>
-            <a:off x="1353563" y="4967640"/>
-            <a:ext cx="9993960" cy="400110"/>
+            <a:off x="2839837" y="5487890"/>
+            <a:ext cx="6447008" cy="369332"/>
           </a:xfrm>
           <a:prstGeom prst="rect">
             <a:avLst/>
@@ -3510,57 +3489,37 @@
           <a:p>
             <a:pPr algn="ctr"/>
             <a:r>
-              <a:rPr lang="ko-KR" altLang="en-US" sz="2000" dirty="0" smtClean="0"/>
-              <a:t>이 경우에 </a:t>
-            </a:r>
-            <a:r>
-              <a:rPr lang="ko-KR" altLang="en-US" sz="2000" dirty="0" smtClean="0">
-                <a:solidFill>
-                  <a:srgbClr val="FFC000"/>
-                </a:solidFill>
-              </a:rPr>
-              <a:t>메인 </a:t>
-            </a:r>
-            <a:r>
-              <a:rPr lang="ko-KR" altLang="en-US" sz="2000" dirty="0" err="1" smtClean="0">
-                <a:solidFill>
-                  <a:srgbClr val="FFC000"/>
-                </a:solidFill>
-              </a:rPr>
-              <a:t>메소드에서</a:t>
-            </a:r>
-            <a:r>
-              <a:rPr lang="ko-KR" altLang="en-US" sz="2000" dirty="0" smtClean="0">
-                <a:solidFill>
-                  <a:srgbClr val="FFC000"/>
-                </a:solidFill>
-              </a:rPr>
-              <a:t> 조기화를 무조건 </a:t>
-            </a:r>
-            <a:r>
-              <a:rPr lang="ko-KR" altLang="en-US" sz="2000" dirty="0" smtClean="0"/>
-              <a:t>해주지 않으면</a:t>
-            </a:r>
-            <a:r>
-              <a:rPr lang="en-US" altLang="ko-KR" sz="2000" dirty="0"/>
+              <a:rPr lang="ko-KR" altLang="en-US" b="1" dirty="0" smtClean="0"/>
+              <a:t>인스턴스변수</a:t>
+            </a:r>
+            <a:r>
+              <a:rPr lang="en-US" altLang="ko-KR" b="1" dirty="0" smtClean="0"/>
+              <a:t>.</a:t>
+            </a:r>
+            <a:r>
+              <a:rPr lang="ko-KR" altLang="en-US" b="1" dirty="0" err="1" smtClean="0"/>
+              <a:t>클래스변수</a:t>
+            </a:r>
+            <a:r>
+              <a:rPr lang="ko-KR" altLang="en-US" b="1" dirty="0" smtClean="0"/>
               <a:t> </a:t>
             </a:r>
             <a:r>
-              <a:rPr lang="ko-KR" altLang="en-US" sz="2000" dirty="0" err="1" smtClean="0"/>
-              <a:t>에러나는</a:t>
-            </a:r>
-            <a:r>
-              <a:rPr lang="ko-KR" altLang="en-US" sz="2000" dirty="0" smtClean="0"/>
-              <a:t> 것에 주의</a:t>
-            </a:r>
-            <a:endParaRPr lang="ko-KR" altLang="en-US" sz="2000" dirty="0"/>
+              <a:rPr lang="en-US" altLang="ko-KR" b="1" dirty="0" smtClean="0"/>
+              <a:t>= </a:t>
+            </a:r>
+            <a:r>
+              <a:rPr lang="ko-KR" altLang="en-US" b="1" dirty="0" err="1" smtClean="0"/>
+              <a:t>초기화값</a:t>
+            </a:r>
+            <a:endParaRPr lang="ko-KR" altLang="en-US" b="1" dirty="0"/>
           </a:p>
         </p:txBody>
       </p:sp>
     </p:spTree>
     <p:extLst>
       <p:ext uri="{BB962C8B-B14F-4D97-AF65-F5344CB8AC3E}">
-        <p14:creationId xmlns:p14="http://schemas.microsoft.com/office/powerpoint/2010/main" val="2103901080"/>
+        <p14:creationId xmlns:p14="http://schemas.microsoft.com/office/powerpoint/2010/main" val="3774297612"/>
       </p:ext>
     </p:extLst>
   </p:cSld>
@@ -3595,8 +3554,8 @@
         </p:nvSpPr>
         <p:spPr>
           <a:xfrm>
-            <a:off x="1234735" y="414638"/>
-            <a:ext cx="9985426" cy="646331"/>
+            <a:off x="1833922" y="801430"/>
+            <a:ext cx="8318303" cy="646331"/>
           </a:xfrm>
           <a:prstGeom prst="rect">
             <a:avLst/>
@@ -3609,54 +3568,37 @@
           </a:bodyPr>
           <a:lstStyle/>
           <a:p>
-            <a:pPr algn="ctr"/>
+            <a:r>
+              <a:rPr lang="ko-KR" altLang="en-US" sz="3600" b="1" dirty="0" smtClean="0">
+                <a:solidFill>
+                  <a:srgbClr val="FFC000"/>
+                </a:solidFill>
+              </a:rPr>
+              <a:t>기본 </a:t>
+            </a:r>
+            <a:r>
+              <a:rPr lang="ko-KR" altLang="en-US" sz="3600" b="1" dirty="0" err="1" smtClean="0">
+                <a:solidFill>
+                  <a:srgbClr val="FFC000"/>
+                </a:solidFill>
+              </a:rPr>
+              <a:t>생성자</a:t>
+            </a:r>
+            <a:r>
+              <a:rPr lang="ko-KR" altLang="en-US" sz="3600" b="1" dirty="0" smtClean="0">
+                <a:solidFill>
+                  <a:srgbClr val="FFC000"/>
+                </a:solidFill>
+              </a:rPr>
+              <a:t> </a:t>
+            </a:r>
             <a:r>
               <a:rPr lang="en-US" altLang="ko-KR" sz="3600" b="1" dirty="0" smtClean="0">
                 <a:solidFill>
                   <a:srgbClr val="FFC000"/>
                 </a:solidFill>
               </a:rPr>
-              <a:t>1. </a:t>
-            </a:r>
-            <a:r>
-              <a:rPr lang="ko-KR" altLang="en-US" sz="3600" b="1" dirty="0" smtClean="0">
-                <a:solidFill>
-                  <a:srgbClr val="FFC000"/>
-                </a:solidFill>
-              </a:rPr>
-              <a:t>기본 </a:t>
-            </a:r>
-            <a:r>
-              <a:rPr lang="ko-KR" altLang="en-US" sz="3600" b="1" dirty="0" err="1" smtClean="0">
-                <a:solidFill>
-                  <a:srgbClr val="FFC000"/>
-                </a:solidFill>
-              </a:rPr>
-              <a:t>생성자로</a:t>
-            </a:r>
-            <a:r>
-              <a:rPr lang="ko-KR" altLang="en-US" sz="3600" b="1" dirty="0" smtClean="0">
-                <a:solidFill>
-                  <a:srgbClr val="FFC000"/>
-                </a:solidFill>
-              </a:rPr>
-              <a:t> 선언 </a:t>
-            </a:r>
-            <a:r>
-              <a:rPr lang="en-US" altLang="ko-KR" sz="3600" b="1" dirty="0" smtClean="0">
-                <a:solidFill>
-                  <a:srgbClr val="FFC000"/>
-                </a:solidFill>
-              </a:rPr>
-              <a:t>+ main()</a:t>
-            </a:r>
-            <a:r>
-              <a:rPr lang="ko-KR" altLang="en-US" sz="3600" b="1" dirty="0" smtClean="0">
-                <a:solidFill>
-                  <a:srgbClr val="FFC000"/>
-                </a:solidFill>
-              </a:rPr>
-              <a:t>에서 초기화</a:t>
+              <a:t>(Default Constructor)</a:t>
             </a:r>
             <a:endParaRPr lang="ko-KR" altLang="en-US" sz="3600" b="1" dirty="0">
               <a:solidFill>
@@ -3666,40 +3608,16 @@
           </a:p>
         </p:txBody>
       </p:sp>
-      <p:pic>
-        <p:nvPicPr>
-          <p:cNvPr id="3" name="그림 2"/>
-          <p:cNvPicPr>
-            <a:picLocks noChangeAspect="1"/>
-          </p:cNvPicPr>
-          <p:nvPr/>
-        </p:nvPicPr>
-        <p:blipFill>
-          <a:blip r:embed="rId2"/>
-          <a:stretch>
-            <a:fillRect/>
-          </a:stretch>
-        </p:blipFill>
-        <p:spPr>
-          <a:xfrm>
-            <a:off x="1866054" y="1312739"/>
-            <a:ext cx="6124004" cy="5319977"/>
-          </a:xfrm>
-          <a:prstGeom prst="rect">
-            <a:avLst/>
-          </a:prstGeom>
-        </p:spPr>
-      </p:pic>
-      <p:sp>
-        <p:nvSpPr>
-          <p:cNvPr id="11" name="TextBox 10"/>
+      <p:sp>
+        <p:nvSpPr>
+          <p:cNvPr id="4" name="TextBox 3"/>
           <p:cNvSpPr txBox="1"/>
           <p:nvPr/>
         </p:nvSpPr>
         <p:spPr>
           <a:xfrm>
-            <a:off x="6477000" y="5411571"/>
-            <a:ext cx="2137124" cy="307777"/>
+            <a:off x="2970450" y="2429398"/>
+            <a:ext cx="6045245" cy="400110"/>
           </a:xfrm>
           <a:prstGeom prst="rect">
             <a:avLst/>
@@ -3712,40 +3630,53 @@
           </a:bodyPr>
           <a:lstStyle/>
           <a:p>
-            <a:r>
-              <a:rPr lang="en-US" altLang="ko-KR" sz="1400" dirty="0" smtClean="0"/>
-              <a:t>// S1</a:t>
-            </a:r>
-            <a:r>
-              <a:rPr lang="ko-KR" altLang="en-US" sz="1400" dirty="0" smtClean="0"/>
-              <a:t>의 이름은 </a:t>
-            </a:r>
-            <a:r>
-              <a:rPr lang="ko-KR" altLang="en-US" sz="1400" dirty="0" smtClean="0">
-                <a:solidFill>
-                  <a:srgbClr val="FFC000"/>
-                </a:solidFill>
-              </a:rPr>
-              <a:t>철수</a:t>
-            </a:r>
-            <a:r>
-              <a:rPr lang="ko-KR" altLang="en-US" sz="1400" dirty="0" smtClean="0"/>
-              <a:t>야</a:t>
-            </a:r>
-            <a:endParaRPr lang="ko-KR" altLang="en-US" sz="1400" dirty="0"/>
-          </a:p>
-        </p:txBody>
-      </p:sp>
-      <p:sp>
-        <p:nvSpPr>
-          <p:cNvPr id="12" name="TextBox 11"/>
+            <a:pPr algn="ctr"/>
+            <a:r>
+              <a:rPr lang="ko-KR" altLang="en-US" sz="2000" dirty="0" smtClean="0"/>
+              <a:t>받아들이는 </a:t>
+            </a:r>
+            <a:r>
+              <a:rPr lang="ko-KR" altLang="en-US" sz="2000" dirty="0"/>
+              <a:t>변수가 없고</a:t>
+            </a:r>
+            <a:r>
+              <a:rPr lang="en-US" altLang="ko-KR" sz="2000" dirty="0"/>
+              <a:t>, </a:t>
+            </a:r>
+            <a:r>
+              <a:rPr lang="ko-KR" altLang="en-US" sz="2000" dirty="0">
+                <a:solidFill>
+                  <a:srgbClr val="FFC000"/>
+                </a:solidFill>
+              </a:rPr>
+              <a:t>빈 괄호만 있는 </a:t>
+            </a:r>
+            <a:r>
+              <a:rPr lang="ko-KR" altLang="en-US" sz="2000" dirty="0" err="1" smtClean="0">
+                <a:solidFill>
+                  <a:srgbClr val="FFC000"/>
+                </a:solidFill>
+              </a:rPr>
+              <a:t>생성자</a:t>
+            </a:r>
+            <a:endParaRPr lang="ko-KR" altLang="en-US" sz="2000" dirty="0">
+              <a:solidFill>
+                <a:srgbClr val="FFC000"/>
+              </a:solidFill>
+            </a:endParaRPr>
+          </a:p>
+        </p:txBody>
+      </p:sp>
+      <p:sp>
+        <p:nvSpPr>
+          <p:cNvPr id="5" name="TextBox 4"/>
           <p:cNvSpPr txBox="1"/>
           <p:nvPr/>
         </p:nvSpPr>
         <p:spPr>
           <a:xfrm>
-            <a:off x="6477000" y="5719348"/>
-            <a:ext cx="3390672" cy="307777"/>
+            <a:off x="1476452" y="3698519"/>
+            <a:ext cx="9033242" cy="400110"/>
           </a:xfrm>
           <a:prstGeom prst="rect">
             <a:avLst/>
@@ -3758,34 +3689,118 @@
           </a:bodyPr>
           <a:lstStyle/>
           <a:p>
-            <a:r>
-              <a:rPr lang="en-US" altLang="ko-KR" sz="1400" dirty="0" smtClean="0"/>
-              <a:t>// S1</a:t>
-            </a:r>
-            <a:r>
-              <a:rPr lang="ko-KR" altLang="en-US" sz="1400" dirty="0" smtClean="0"/>
-              <a:t>의 핸드폰 번호는 </a:t>
-            </a:r>
-            <a:r>
-              <a:rPr lang="en-US" altLang="ko-KR" sz="1400" dirty="0" smtClean="0">
-                <a:solidFill>
-                  <a:srgbClr val="FFC000"/>
-                </a:solidFill>
-              </a:rPr>
-              <a:t>12345678</a:t>
-            </a:r>
-            <a:r>
-              <a:rPr lang="ko-KR" altLang="en-US" sz="1400" dirty="0" smtClean="0"/>
-              <a:t>이야</a:t>
-            </a:r>
-            <a:endParaRPr lang="ko-KR" altLang="en-US" sz="1400" dirty="0"/>
+            <a:pPr algn="ctr"/>
+            <a:r>
+              <a:rPr lang="ko-KR" altLang="en-US" sz="2000" dirty="0"/>
+              <a:t>아무 </a:t>
+            </a:r>
+            <a:r>
+              <a:rPr lang="ko-KR" altLang="en-US" sz="2000" dirty="0" err="1"/>
+              <a:t>생성자를</a:t>
+            </a:r>
+            <a:r>
+              <a:rPr lang="ko-KR" altLang="en-US" sz="2000" dirty="0"/>
+              <a:t> 만들지 않으면</a:t>
+            </a:r>
+            <a:r>
+              <a:rPr lang="en-US" altLang="ko-KR" sz="2000" dirty="0"/>
+              <a:t>, </a:t>
+            </a:r>
+            <a:r>
+              <a:rPr lang="ko-KR" altLang="en-US" sz="2000" dirty="0"/>
+              <a:t>기본 </a:t>
+            </a:r>
+            <a:r>
+              <a:rPr lang="ko-KR" altLang="en-US" sz="2000" dirty="0" err="1"/>
+              <a:t>생성자를</a:t>
+            </a:r>
+            <a:r>
+              <a:rPr lang="ko-KR" altLang="en-US" sz="2000" dirty="0"/>
+              <a:t> 선언하지 않아도 사용 </a:t>
+            </a:r>
+            <a:r>
+              <a:rPr lang="ko-KR" altLang="en-US" sz="2000" dirty="0" smtClean="0"/>
+              <a:t>가능</a:t>
+            </a:r>
+            <a:endParaRPr lang="ko-KR" altLang="en-US" sz="2000" dirty="0"/>
+          </a:p>
+        </p:txBody>
+      </p:sp>
+      <p:sp>
+        <p:nvSpPr>
+          <p:cNvPr id="6" name="TextBox 5"/>
+          <p:cNvSpPr txBox="1"/>
+          <p:nvPr/>
+        </p:nvSpPr>
+        <p:spPr>
+          <a:xfrm>
+            <a:off x="1353563" y="4967640"/>
+            <a:ext cx="9993960" cy="400110"/>
+          </a:xfrm>
+          <a:prstGeom prst="rect">
+            <a:avLst/>
+          </a:prstGeom>
+          <a:noFill/>
+        </p:spPr>
+        <p:txBody>
+          <a:bodyPr wrap="square" rtlCol="0">
+            <a:spAutoFit/>
+          </a:bodyPr>
+          <a:lstStyle/>
+          <a:p>
+            <a:pPr algn="ctr"/>
+            <a:r>
+              <a:rPr lang="ko-KR" altLang="en-US" sz="2000" dirty="0" smtClean="0"/>
+              <a:t>이 경우에 </a:t>
+            </a:r>
+            <a:r>
+              <a:rPr lang="ko-KR" altLang="en-US" sz="2000" dirty="0" smtClean="0">
+                <a:solidFill>
+                  <a:srgbClr val="FFC000"/>
+                </a:solidFill>
+              </a:rPr>
+              <a:t>메인 </a:t>
+            </a:r>
+            <a:r>
+              <a:rPr lang="ko-KR" altLang="en-US" sz="2000" dirty="0" err="1" smtClean="0">
+                <a:solidFill>
+                  <a:srgbClr val="FFC000"/>
+                </a:solidFill>
+              </a:rPr>
+              <a:t>메소드에서</a:t>
+            </a:r>
+            <a:r>
+              <a:rPr lang="ko-KR" altLang="en-US" sz="2000" dirty="0" smtClean="0">
+                <a:solidFill>
+                  <a:srgbClr val="FFC000"/>
+                </a:solidFill>
+              </a:rPr>
+              <a:t> 조기화를 무조건 </a:t>
+            </a:r>
+            <a:r>
+              <a:rPr lang="ko-KR" altLang="en-US" sz="2000" dirty="0" smtClean="0"/>
+              <a:t>해주지 않으면</a:t>
+            </a:r>
+            <a:r>
+              <a:rPr lang="en-US" altLang="ko-KR" sz="2000" dirty="0"/>
+              <a:t> </a:t>
+            </a:r>
+            <a:r>
+              <a:rPr lang="ko-KR" altLang="en-US" sz="2000" dirty="0" err="1" smtClean="0"/>
+              <a:t>에러나는</a:t>
+            </a:r>
+            <a:r>
+              <a:rPr lang="ko-KR" altLang="en-US" sz="2000" dirty="0" smtClean="0"/>
+              <a:t> 것에 주의</a:t>
+            </a:r>
+            <a:endParaRPr lang="ko-KR" altLang="en-US" sz="2000" dirty="0"/>
           </a:p>
         </p:txBody>
       </p:sp>
     </p:spTree>
     <p:extLst>
       <p:ext uri="{BB962C8B-B14F-4D97-AF65-F5344CB8AC3E}">
-        <p14:creationId xmlns:p14="http://schemas.microsoft.com/office/powerpoint/2010/main" val="2911121716"/>
+        <p14:creationId xmlns:p14="http://schemas.microsoft.com/office/powerpoint/2010/main" val="2103901080"/>
       </p:ext>
     </p:extLst>
   </p:cSld>
@@ -3820,8 +3835,8 @@
         </p:nvSpPr>
         <p:spPr>
           <a:xfrm>
-            <a:off x="3958239" y="414638"/>
-            <a:ext cx="4538423" cy="769441"/>
+            <a:off x="1234735" y="414638"/>
+            <a:ext cx="9985426" cy="646331"/>
           </a:xfrm>
           <a:prstGeom prst="rect">
             <a:avLst/>
@@ -3836,34 +3851,54 @@
           <a:p>
             <a:pPr algn="ctr"/>
             <a:r>
-              <a:rPr lang="en-US" altLang="ko-KR" sz="4400" b="1" dirty="0" smtClean="0">
-                <a:solidFill>
-                  <a:srgbClr val="FFC000"/>
-                </a:solidFill>
-              </a:rPr>
-              <a:t>this. </a:t>
-            </a:r>
-            <a:r>
-              <a:rPr lang="en-US" altLang="ko-KR" sz="4400" b="1" dirty="0" smtClean="0"/>
-              <a:t>&amp;</a:t>
-            </a:r>
-            <a:r>
-              <a:rPr lang="ko-KR" altLang="en-US" sz="4400" b="1" dirty="0" smtClean="0">
-                <a:solidFill>
-                  <a:srgbClr val="FFC000"/>
-                </a:solidFill>
-              </a:rPr>
-              <a:t> </a:t>
-            </a:r>
-            <a:r>
-              <a:rPr lang="en-US" altLang="ko-KR" sz="4400" b="1" dirty="0" smtClean="0">
-                <a:solidFill>
-                  <a:srgbClr val="FFC000"/>
-                </a:solidFill>
-              </a:rPr>
-              <a:t>this()</a:t>
-            </a:r>
-            <a:endParaRPr lang="ko-KR" altLang="en-US" sz="4400" b="1" dirty="0">
+              <a:rPr lang="en-US" altLang="ko-KR" sz="3600" b="1" dirty="0" smtClean="0">
+                <a:solidFill>
+                  <a:srgbClr val="FFC000"/>
+                </a:solidFill>
+              </a:rPr>
+              <a:t>1. </a:t>
+            </a:r>
+            <a:r>
+              <a:rPr lang="ko-KR" altLang="en-US" sz="3600" b="1" dirty="0" smtClean="0">
+                <a:solidFill>
+                  <a:srgbClr val="FFC000"/>
+                </a:solidFill>
+              </a:rPr>
+              <a:t>기본 </a:t>
+            </a:r>
+            <a:r>
+              <a:rPr lang="ko-KR" altLang="en-US" sz="3600" b="1" dirty="0" err="1" smtClean="0">
+                <a:solidFill>
+                  <a:srgbClr val="FFC000"/>
+                </a:solidFill>
+              </a:rPr>
+              <a:t>생성자로</a:t>
+            </a:r>
+            <a:r>
+              <a:rPr lang="ko-KR" altLang="en-US" sz="3600" b="1" dirty="0" smtClean="0">
+                <a:solidFill>
+                  <a:srgbClr val="FFC000"/>
+                </a:solidFill>
+              </a:rPr>
+              <a:t> 선언 </a:t>
+            </a:r>
+            <a:r>
+              <a:rPr lang="en-US" altLang="ko-KR" sz="3600" b="1" dirty="0" smtClean="0">
+                <a:solidFill>
+                  <a:srgbClr val="FFC000"/>
+                </a:solidFill>
+              </a:rPr>
+              <a:t>+ main()</a:t>
+            </a:r>
+            <a:r>
+              <a:rPr lang="ko-KR" altLang="en-US" sz="3600" b="1" dirty="0" smtClean="0">
+                <a:solidFill>
+                  <a:srgbClr val="FFC000"/>
+                </a:solidFill>
+              </a:rPr>
+              <a:t>에서 초기화</a:t>
+            </a:r>
+            <a:endParaRPr lang="ko-KR" altLang="en-US" sz="3600" b="1" dirty="0">
               <a:solidFill>
                 <a:srgbClr val="FFC000"/>
               </a:solidFill>
@@ -3871,70 +3906,9 @@
           </a:p>
         </p:txBody>
       </p:sp>
-      <p:sp>
-        <p:nvSpPr>
-          <p:cNvPr id="3" name="TextBox 2"/>
-          <p:cNvSpPr txBox="1"/>
-          <p:nvPr/>
-        </p:nvSpPr>
-        <p:spPr>
-          <a:xfrm>
-            <a:off x="3958239" y="2001079"/>
-            <a:ext cx="4028661" cy="646331"/>
-          </a:xfrm>
-          <a:prstGeom prst="rect">
-            <a:avLst/>
-          </a:prstGeom>
-          <a:noFill/>
-        </p:spPr>
-        <p:txBody>
-          <a:bodyPr wrap="square" rtlCol="0">
-            <a:spAutoFit/>
-          </a:bodyPr>
-          <a:lstStyle/>
-          <a:p>
-            <a:pPr algn="ctr"/>
-            <a:r>
-              <a:rPr lang="en-US" altLang="ko-KR" dirty="0" smtClean="0"/>
-              <a:t>‘</a:t>
-            </a:r>
-            <a:r>
-              <a:rPr lang="ko-KR" altLang="en-US" b="1" dirty="0" smtClean="0">
-                <a:solidFill>
-                  <a:srgbClr val="FFC000"/>
-                </a:solidFill>
-              </a:rPr>
-              <a:t>이 객체</a:t>
-            </a:r>
-            <a:r>
-              <a:rPr lang="en-US" altLang="ko-KR" dirty="0" smtClean="0"/>
-              <a:t>’</a:t>
-            </a:r>
-            <a:r>
-              <a:rPr lang="ko-KR" altLang="en-US" dirty="0" smtClean="0"/>
-              <a:t>라는 의미</a:t>
-            </a:r>
-            <a:r>
-              <a:rPr lang="en-US" altLang="ko-KR" dirty="0" smtClean="0"/>
-              <a:t>.</a:t>
-            </a:r>
-          </a:p>
-          <a:p>
-            <a:pPr algn="ctr"/>
-            <a:r>
-              <a:rPr lang="ko-KR" altLang="en-US" dirty="0" smtClean="0"/>
-              <a:t>그게 전부임</a:t>
-            </a:r>
-            <a:r>
-              <a:rPr lang="en-US" altLang="ko-KR" dirty="0" smtClean="0"/>
-              <a:t>.</a:t>
-            </a:r>
-          </a:p>
-        </p:txBody>
-      </p:sp>
       <p:pic>
         <p:nvPicPr>
-          <p:cNvPr id="4" name="그림 3"/>
+          <p:cNvPr id="3" name="그림 2"/>
           <p:cNvPicPr>
             <a:picLocks noChangeAspect="1"/>
           </p:cNvPicPr>
@@ -3948,8 +3922,8 @@
         </p:blipFill>
         <p:spPr>
           <a:xfrm>
-            <a:off x="2455884" y="3223717"/>
-            <a:ext cx="7650976" cy="1904873"/>
+            <a:off x="1866054" y="1312739"/>
+            <a:ext cx="6124004" cy="5319977"/>
           </a:xfrm>
           <a:prstGeom prst="rect">
             <a:avLst/>
@@ -3958,14 +3932,14 @@
       </p:pic>
       <p:sp>
         <p:nvSpPr>
-          <p:cNvPr id="5" name="TextBox 4"/>
+          <p:cNvPr id="11" name="TextBox 10"/>
           <p:cNvSpPr txBox="1"/>
           <p:nvPr/>
         </p:nvSpPr>
         <p:spPr>
           <a:xfrm>
-            <a:off x="1517667" y="5798526"/>
-            <a:ext cx="9419566" cy="369332"/>
+            <a:off x="6477000" y="5411571"/>
+            <a:ext cx="2137124" cy="307777"/>
           </a:xfrm>
           <a:prstGeom prst="rect">
             <a:avLst/>
@@ -3979,147 +3953,79 @@
           <a:lstStyle/>
           <a:p>
             <a:r>
-              <a:rPr lang="ko-KR" altLang="en-US" b="1" dirty="0" smtClean="0">
-                <a:solidFill>
-                  <a:srgbClr val="FFC000"/>
-                </a:solidFill>
-              </a:rPr>
-              <a:t>이 객체</a:t>
-            </a:r>
-            <a:r>
-              <a:rPr lang="en-US" altLang="ko-KR" b="1" dirty="0" smtClean="0">
-                <a:solidFill>
-                  <a:srgbClr val="FFC000"/>
-                </a:solidFill>
-              </a:rPr>
-              <a:t>(this)</a:t>
-            </a:r>
-            <a:r>
-              <a:rPr lang="ko-KR" altLang="en-US" dirty="0" smtClean="0"/>
-              <a:t>의 </a:t>
-            </a:r>
-            <a:r>
-              <a:rPr lang="ko-KR" altLang="en-US" b="1" dirty="0" smtClean="0">
-                <a:solidFill>
-                  <a:srgbClr val="00B0F0"/>
-                </a:solidFill>
-              </a:rPr>
-              <a:t>클래스 변수인 </a:t>
-            </a:r>
-            <a:r>
-              <a:rPr lang="en-US" altLang="ko-KR" b="1" dirty="0" err="1" smtClean="0">
-                <a:solidFill>
-                  <a:srgbClr val="00B0F0"/>
-                </a:solidFill>
-              </a:rPr>
-              <a:t>phoneNum</a:t>
-            </a:r>
-            <a:r>
-              <a:rPr lang="ko-KR" altLang="en-US" dirty="0" smtClean="0"/>
-              <a:t>의 값은 </a:t>
-            </a:r>
-            <a:r>
-              <a:rPr lang="ko-KR" altLang="en-US" b="1" dirty="0" smtClean="0">
-                <a:solidFill>
-                  <a:schemeClr val="accent5">
-                    <a:lumMod val="60000"/>
-                    <a:lumOff val="40000"/>
-                  </a:schemeClr>
-                </a:solidFill>
-              </a:rPr>
-              <a:t>사용자 </a:t>
-            </a:r>
-            <a:r>
-              <a:rPr lang="ko-KR" altLang="en-US" b="1" dirty="0" err="1" smtClean="0">
-                <a:solidFill>
-                  <a:schemeClr val="accent5">
-                    <a:lumMod val="60000"/>
-                    <a:lumOff val="40000"/>
-                  </a:schemeClr>
-                </a:solidFill>
-              </a:rPr>
-              <a:t>지정값인</a:t>
-            </a:r>
-            <a:r>
-              <a:rPr lang="ko-KR" altLang="en-US" b="1" dirty="0" smtClean="0">
-                <a:solidFill>
-                  <a:schemeClr val="accent5">
-                    <a:lumMod val="60000"/>
-                    <a:lumOff val="40000"/>
-                  </a:schemeClr>
-                </a:solidFill>
-              </a:rPr>
-              <a:t> </a:t>
-            </a:r>
-            <a:r>
-              <a:rPr lang="en-US" altLang="ko-KR" b="1" dirty="0" err="1">
-                <a:solidFill>
-                  <a:schemeClr val="accent5">
-                    <a:lumMod val="60000"/>
-                    <a:lumOff val="40000"/>
-                  </a:schemeClr>
-                </a:solidFill>
-              </a:rPr>
-              <a:t>phoneNum</a:t>
-            </a:r>
-            <a:r>
-              <a:rPr lang="ko-KR" altLang="en-US" dirty="0" smtClean="0"/>
-              <a:t>로 할래</a:t>
-            </a:r>
-            <a:endParaRPr lang="ko-KR" altLang="en-US" dirty="0"/>
-          </a:p>
-        </p:txBody>
-      </p:sp>
-      <p:sp>
-        <p:nvSpPr>
-          <p:cNvPr id="7" name="아래쪽 화살표 6"/>
-          <p:cNvSpPr/>
-          <p:nvPr/>
-        </p:nvSpPr>
-        <p:spPr>
-          <a:xfrm>
-            <a:off x="5635647" y="4986480"/>
-            <a:ext cx="1183605" cy="477078"/>
-          </a:xfrm>
-          <a:prstGeom prst="downArrow">
+              <a:rPr lang="en-US" altLang="ko-KR" sz="1400" dirty="0" smtClean="0"/>
+              <a:t>// S1</a:t>
+            </a:r>
+            <a:r>
+              <a:rPr lang="ko-KR" altLang="en-US" sz="1400" dirty="0" smtClean="0"/>
+              <a:t>의 이름은 </a:t>
+            </a:r>
+            <a:r>
+              <a:rPr lang="ko-KR" altLang="en-US" sz="1400" dirty="0" smtClean="0">
+                <a:solidFill>
+                  <a:srgbClr val="FFC000"/>
+                </a:solidFill>
+              </a:rPr>
+              <a:t>철수</a:t>
+            </a:r>
+            <a:r>
+              <a:rPr lang="ko-KR" altLang="en-US" sz="1400" dirty="0" smtClean="0"/>
+              <a:t>야</a:t>
+            </a:r>
+            <a:endParaRPr lang="ko-KR" altLang="en-US" sz="1400" dirty="0"/>
+          </a:p>
+        </p:txBody>
+      </p:sp>
+      <p:sp>
+        <p:nvSpPr>
+          <p:cNvPr id="12" name="TextBox 11"/>
+          <p:cNvSpPr txBox="1"/>
+          <p:nvPr/>
+        </p:nvSpPr>
+        <p:spPr>
+          <a:xfrm>
+            <a:off x="6477000" y="5719348"/>
+            <a:ext cx="3390672" cy="307777"/>
+          </a:xfrm>
+          <a:prstGeom prst="rect">
             <a:avLst/>
           </a:prstGeom>
           <a:noFill/>
-          <a:ln w="57150">
-            <a:solidFill>
-              <a:srgbClr val="FFC000"/>
-            </a:solidFill>
-          </a:ln>
-        </p:spPr>
-        <p:style>
-          <a:lnRef idx="2">
-            <a:schemeClr val="accent1">
-              <a:shade val="50000"/>
-            </a:schemeClr>
-          </a:lnRef>
-          <a:fillRef idx="1">
-            <a:schemeClr val="accent1"/>
-          </a:fillRef>
-          <a:effectRef idx="0">
-            <a:schemeClr val="accent1"/>
-          </a:effectRef>
-          <a:fontRef idx="minor">
-            <a:schemeClr val="lt1"/>
-          </a:fontRef>
-        </p:style>
-        <p:txBody>
-          <a:bodyPr rtlCol="0" anchor="ctr"/>
-          <a:lstStyle/>
-          <a:p>
-            <a:pPr algn="ctr"/>
-            <a:endParaRPr lang="ko-KR" altLang="en-US"/>
+        </p:spPr>
+        <p:txBody>
+          <a:bodyPr wrap="none" rtlCol="0">
+            <a:spAutoFit/>
+          </a:bodyPr>
+          <a:lstStyle/>
+          <a:p>
+            <a:r>
+              <a:rPr lang="en-US" altLang="ko-KR" sz="1400" dirty="0" smtClean="0"/>
+              <a:t>// S1</a:t>
+            </a:r>
+            <a:r>
+              <a:rPr lang="ko-KR" altLang="en-US" sz="1400" dirty="0" smtClean="0"/>
+              <a:t>의 핸드폰 번호는 </a:t>
+            </a:r>
+            <a:r>
+              <a:rPr lang="en-US" altLang="ko-KR" sz="1400" dirty="0" smtClean="0">
+                <a:solidFill>
+                  <a:srgbClr val="FFC000"/>
+                </a:solidFill>
+              </a:rPr>
+              <a:t>12345678</a:t>
+            </a:r>
+            <a:r>
+              <a:rPr lang="ko-KR" altLang="en-US" sz="1400" dirty="0" smtClean="0"/>
+              <a:t>이야</a:t>
+            </a:r>
+            <a:endParaRPr lang="ko-KR" altLang="en-US" sz="1400" dirty="0"/>
           </a:p>
         </p:txBody>
       </p:sp>
     </p:spTree>
     <p:extLst>
       <p:ext uri="{BB962C8B-B14F-4D97-AF65-F5344CB8AC3E}">
-        <p14:creationId xmlns:p14="http://schemas.microsoft.com/office/powerpoint/2010/main" val="1693073363"/>
+        <p14:creationId xmlns:p14="http://schemas.microsoft.com/office/powerpoint/2010/main" val="2911121716"/>
       </p:ext>
     </p:extLst>
   </p:cSld>
@@ -4154,8 +4060,8 @@
         </p:nvSpPr>
         <p:spPr>
           <a:xfrm>
-            <a:off x="2836129" y="414638"/>
-            <a:ext cx="6782627" cy="646331"/>
+            <a:off x="3958239" y="414638"/>
+            <a:ext cx="4538423" cy="769441"/>
           </a:xfrm>
           <a:prstGeom prst="rect">
             <a:avLst/>
@@ -4170,50 +4076,99 @@
           <a:p>
             <a:pPr algn="ctr"/>
             <a:r>
-              <a:rPr lang="en-US" altLang="ko-KR" sz="3600" b="1" dirty="0">
-                <a:solidFill>
-                  <a:srgbClr val="FFC000"/>
-                </a:solidFill>
-              </a:rPr>
-              <a:t>2</a:t>
-            </a:r>
-            <a:r>
-              <a:rPr lang="en-US" altLang="ko-KR" sz="3600" b="1" dirty="0" smtClean="0">
-                <a:solidFill>
-                  <a:srgbClr val="FFC000"/>
-                </a:solidFill>
-              </a:rPr>
-              <a:t>. </a:t>
-            </a:r>
-            <a:r>
-              <a:rPr lang="ko-KR" altLang="en-US" sz="3600" b="1" dirty="0" smtClean="0">
-                <a:solidFill>
-                  <a:srgbClr val="FFC000"/>
-                </a:solidFill>
-              </a:rPr>
-              <a:t>임의 </a:t>
-            </a:r>
-            <a:r>
-              <a:rPr lang="ko-KR" altLang="en-US" sz="3600" b="1" dirty="0" err="1" smtClean="0">
-                <a:solidFill>
-                  <a:srgbClr val="FFC000"/>
-                </a:solidFill>
-              </a:rPr>
-              <a:t>생성자로</a:t>
-            </a:r>
-            <a:r>
-              <a:rPr lang="ko-KR" altLang="en-US" sz="3600" b="1" dirty="0" smtClean="0">
-                <a:solidFill>
-                  <a:srgbClr val="FFC000"/>
-                </a:solidFill>
-              </a:rPr>
-              <a:t> 전부 초기화</a:t>
-            </a:r>
-            <a:endParaRPr lang="ko-KR" altLang="en-US" sz="3600" b="1" dirty="0">
+              <a:rPr lang="en-US" altLang="ko-KR" sz="4400" b="1" dirty="0" smtClean="0">
+                <a:solidFill>
+                  <a:srgbClr val="FFC000"/>
+                </a:solidFill>
+              </a:rPr>
+              <a:t>this. </a:t>
+            </a:r>
+            <a:r>
+              <a:rPr lang="en-US" altLang="ko-KR" sz="4400" b="1" dirty="0" smtClean="0"/>
+              <a:t>&amp;</a:t>
+            </a:r>
+            <a:r>
+              <a:rPr lang="ko-KR" altLang="en-US" sz="4400" b="1" dirty="0" smtClean="0">
+                <a:solidFill>
+                  <a:srgbClr val="FFC000"/>
+                </a:solidFill>
+              </a:rPr>
+              <a:t> </a:t>
+            </a:r>
+            <a:r>
+              <a:rPr lang="en-US" altLang="ko-KR" sz="4400" b="1" dirty="0" smtClean="0">
+                <a:solidFill>
+                  <a:srgbClr val="FFC000"/>
+                </a:solidFill>
+              </a:rPr>
+              <a:t>this()</a:t>
+            </a:r>
+            <a:endParaRPr lang="ko-KR" altLang="en-US" sz="4400" b="1" dirty="0">
               <a:solidFill>
                 <a:srgbClr val="FFC000"/>
               </a:solidFill>
             </a:endParaRPr>
+          </a:p>
+        </p:txBody>
+      </p:sp>
+      <p:sp>
+        <p:nvSpPr>
+          <p:cNvPr id="3" name="TextBox 2"/>
+          <p:cNvSpPr txBox="1"/>
+          <p:nvPr/>
+        </p:nvSpPr>
+        <p:spPr>
+          <a:xfrm>
+            <a:off x="3958239" y="2001079"/>
+            <a:ext cx="4028661" cy="646331"/>
+          </a:xfrm>
+          <a:prstGeom prst="rect">
+            <a:avLst/>
+          </a:prstGeom>
+          <a:noFill/>
+        </p:spPr>
+        <p:txBody>
+          <a:bodyPr wrap="square" rtlCol="0">
+            <a:spAutoFit/>
+          </a:bodyPr>
+          <a:lstStyle/>
+          <a:p>
+            <a:pPr algn="ctr"/>
+            <a:r>
+              <a:rPr lang="en-US" altLang="ko-KR" dirty="0" smtClean="0"/>
+              <a:t>‘</a:t>
+            </a:r>
+            <a:r>
+              <a:rPr lang="ko-KR" altLang="en-US" b="1" dirty="0" smtClean="0">
+                <a:solidFill>
+                  <a:srgbClr val="FFC000"/>
+                </a:solidFill>
+              </a:rPr>
+              <a:t>이 객체</a:t>
+            </a:r>
+            <a:r>
+              <a:rPr lang="en-US" altLang="ko-KR" dirty="0" smtClean="0"/>
+              <a:t>’</a:t>
+            </a:r>
+            <a:r>
+              <a:rPr lang="ko-KR" altLang="en-US" dirty="0" smtClean="0"/>
+              <a:t>라는 의미</a:t>
+            </a:r>
+            <a:r>
+              <a:rPr lang="en-US" altLang="ko-KR" dirty="0" smtClean="0"/>
+              <a:t>.</a:t>
+            </a:r>
+          </a:p>
+          <a:p>
+            <a:pPr algn="ctr"/>
+            <a:r>
+              <a:rPr lang="ko-KR" altLang="en-US" dirty="0" smtClean="0"/>
+              <a:t>그게 전부임</a:t>
+            </a:r>
+            <a:r>
+              <a:rPr lang="en-US" altLang="ko-KR" dirty="0" smtClean="0"/>
+              <a:t>.</a:t>
+            </a:r>
           </a:p>
         </p:txBody>
       </p:sp>
@@ -4233,18 +4188,178 @@
         </p:blipFill>
         <p:spPr>
           <a:xfrm>
-            <a:off x="1871691" y="1423075"/>
-            <a:ext cx="8711501" cy="5086582"/>
+            <a:off x="2455884" y="3223717"/>
+            <a:ext cx="7650976" cy="1904873"/>
           </a:xfrm>
           <a:prstGeom prst="rect">
             <a:avLst/>
           </a:prstGeom>
         </p:spPr>
       </p:pic>
+      <p:sp>
+        <p:nvSpPr>
+          <p:cNvPr id="5" name="TextBox 4"/>
+          <p:cNvSpPr txBox="1"/>
+          <p:nvPr/>
+        </p:nvSpPr>
+        <p:spPr>
+          <a:xfrm>
+            <a:off x="1517667" y="5798526"/>
+            <a:ext cx="9419566" cy="369332"/>
+          </a:xfrm>
+          <a:prstGeom prst="rect">
+            <a:avLst/>
+          </a:prstGeom>
+          <a:noFill/>
+        </p:spPr>
+        <p:txBody>
+          <a:bodyPr wrap="none" rtlCol="0">
+            <a:spAutoFit/>
+          </a:bodyPr>
+          <a:lstStyle/>
+          <a:p>
+            <a:r>
+              <a:rPr lang="ko-KR" altLang="en-US" b="1" dirty="0" smtClean="0">
+                <a:solidFill>
+                  <a:srgbClr val="FFC000"/>
+                </a:solidFill>
+              </a:rPr>
+              <a:t>이 객체</a:t>
+            </a:r>
+            <a:r>
+              <a:rPr lang="en-US" altLang="ko-KR" b="1" dirty="0" smtClean="0">
+                <a:solidFill>
+                  <a:srgbClr val="FFC000"/>
+                </a:solidFill>
+              </a:rPr>
+              <a:t>(this)</a:t>
+            </a:r>
+            <a:r>
+              <a:rPr lang="ko-KR" altLang="en-US" dirty="0" smtClean="0"/>
+              <a:t>의 </a:t>
+            </a:r>
+            <a:r>
+              <a:rPr lang="ko-KR" altLang="en-US" b="1" dirty="0" smtClean="0">
+                <a:solidFill>
+                  <a:srgbClr val="00B0F0"/>
+                </a:solidFill>
+              </a:rPr>
+              <a:t>클래스 변수인 </a:t>
+            </a:r>
+            <a:r>
+              <a:rPr lang="en-US" altLang="ko-KR" b="1" dirty="0" err="1" smtClean="0">
+                <a:solidFill>
+                  <a:srgbClr val="00B0F0"/>
+                </a:solidFill>
+              </a:rPr>
+              <a:t>phoneNum</a:t>
+            </a:r>
+            <a:r>
+              <a:rPr lang="ko-KR" altLang="en-US" dirty="0" smtClean="0"/>
+              <a:t>의 값은 </a:t>
+            </a:r>
+            <a:r>
+              <a:rPr lang="ko-KR" altLang="en-US" b="1" dirty="0" smtClean="0">
+                <a:solidFill>
+                  <a:schemeClr val="accent5">
+                    <a:lumMod val="60000"/>
+                    <a:lumOff val="40000"/>
+                  </a:schemeClr>
+                </a:solidFill>
+              </a:rPr>
+              <a:t>사용자 </a:t>
+            </a:r>
+            <a:r>
+              <a:rPr lang="ko-KR" altLang="en-US" b="1" dirty="0" err="1" smtClean="0">
+                <a:solidFill>
+                  <a:schemeClr val="accent5">
+                    <a:lumMod val="60000"/>
+                    <a:lumOff val="40000"/>
+                  </a:schemeClr>
+                </a:solidFill>
+              </a:rPr>
+              <a:t>지정값인</a:t>
+            </a:r>
+            <a:r>
+              <a:rPr lang="ko-KR" altLang="en-US" b="1" dirty="0" smtClean="0">
+                <a:solidFill>
+                  <a:schemeClr val="accent5">
+                    <a:lumMod val="60000"/>
+                    <a:lumOff val="40000"/>
+                  </a:schemeClr>
+                </a:solidFill>
+              </a:rPr>
+              <a:t> </a:t>
+            </a:r>
+            <a:r>
+              <a:rPr lang="en-US" altLang="ko-KR" b="1" dirty="0" err="1">
+                <a:solidFill>
+                  <a:schemeClr val="accent5">
+                    <a:lumMod val="60000"/>
+                    <a:lumOff val="40000"/>
+                  </a:schemeClr>
+                </a:solidFill>
+              </a:rPr>
+              <a:t>phoneNum</a:t>
+            </a:r>
+            <a:r>
+              <a:rPr lang="ko-KR" altLang="en-US" dirty="0" smtClean="0"/>
+              <a:t>로 할래</a:t>
+            </a:r>
+            <a:endParaRPr lang="ko-KR" altLang="en-US" dirty="0"/>
+          </a:p>
+        </p:txBody>
+      </p:sp>
+      <p:sp>
+        <p:nvSpPr>
+          <p:cNvPr id="7" name="아래쪽 화살표 6"/>
+          <p:cNvSpPr/>
+          <p:nvPr/>
+        </p:nvSpPr>
+        <p:spPr>
+          <a:xfrm>
+            <a:off x="5635647" y="4986480"/>
+            <a:ext cx="1183605" cy="477078"/>
+          </a:xfrm>
+          <a:prstGeom prst="downArrow">
+            <a:avLst/>
+          </a:prstGeom>
+          <a:noFill/>
+          <a:ln w="57150">
+            <a:solidFill>
+              <a:srgbClr val="FFC000"/>
+            </a:solidFill>
+          </a:ln>
+        </p:spPr>
+        <p:style>
+          <a:lnRef idx="2">
+            <a:schemeClr val="accent1">
+              <a:shade val="50000"/>
+            </a:schemeClr>
+          </a:lnRef>
+          <a:fillRef idx="1">
+            <a:schemeClr val="accent1"/>
+          </a:fillRef>
+          <a:effectRef idx="0">
+            <a:schemeClr val="accent1"/>
+          </a:effectRef>
+          <a:fontRef idx="minor">
+            <a:schemeClr val="lt1"/>
+          </a:fontRef>
+        </p:style>
+        <p:txBody>
+          <a:bodyPr rtlCol="0" anchor="ctr"/>
+          <a:lstStyle/>
+          <a:p>
+            <a:pPr algn="ctr"/>
+            <a:endParaRPr lang="ko-KR" altLang="en-US"/>
+          </a:p>
+        </p:txBody>
+      </p:sp>
     </p:spTree>
     <p:extLst>
       <p:ext uri="{BB962C8B-B14F-4D97-AF65-F5344CB8AC3E}">
-        <p14:creationId xmlns:p14="http://schemas.microsoft.com/office/powerpoint/2010/main" val="3067717978"/>
+        <p14:creationId xmlns:p14="http://schemas.microsoft.com/office/powerpoint/2010/main" val="1693073363"/>
       </p:ext>
     </p:extLst>
   </p:cSld>
@@ -4279,8 +4394,8 @@
         </p:nvSpPr>
         <p:spPr>
           <a:xfrm>
-            <a:off x="603562" y="697667"/>
-            <a:ext cx="11117146" cy="646331"/>
+            <a:off x="2836129" y="414638"/>
+            <a:ext cx="6782627" cy="646331"/>
           </a:xfrm>
           <a:prstGeom prst="rect">
             <a:avLst/>
@@ -4295,12 +4410,20 @@
           <a:p>
             <a:pPr algn="ctr"/>
             <a:r>
+              <a:rPr lang="en-US" altLang="ko-KR" sz="3600" b="1" dirty="0">
+                <a:solidFill>
+                  <a:srgbClr val="FFC000"/>
+                </a:solidFill>
+              </a:rPr>
+              <a:t>2</a:t>
+            </a:r>
+            <a:r>
               <a:rPr lang="en-US" altLang="ko-KR" sz="3600" b="1" dirty="0" smtClean="0">
                 <a:solidFill>
                   <a:srgbClr val="FFC000"/>
                 </a:solidFill>
               </a:rPr>
-              <a:t>3. </a:t>
+              <a:t>. </a:t>
             </a:r>
             <a:r>
               <a:rPr lang="ko-KR" altLang="en-US" sz="3600" b="1" dirty="0" smtClean="0">
@@ -4308,7 +4431,7 @@
                   <a:srgbClr val="FFC000"/>
                 </a:solidFill>
               </a:rPr>
-              <a:t>일부는 </a:t>
+              <a:t>임의 </a:t>
             </a:r>
             <a:r>
               <a:rPr lang="ko-KR" altLang="en-US" sz="3600" b="1" dirty="0" err="1" smtClean="0">
@@ -4319,36 +4442,12 @@
               <a:t>생성자로</a:t>
             </a:r>
             <a:r>
-              <a:rPr lang="en-US" altLang="ko-KR" sz="3600" b="1" dirty="0" smtClean="0">
-                <a:solidFill>
-                  <a:srgbClr val="FFC000"/>
-                </a:solidFill>
-              </a:rPr>
-              <a:t>, </a:t>
-            </a:r>
-            <a:r>
               <a:rPr lang="ko-KR" altLang="en-US" sz="3600" b="1" dirty="0" smtClean="0">
                 <a:solidFill>
                   <a:srgbClr val="FFC000"/>
                 </a:solidFill>
               </a:rPr>
-              <a:t>나머지는 </a:t>
-            </a:r>
-            <a:r>
-              <a:rPr lang="en-US" altLang="ko-KR" sz="3600" b="1" dirty="0" smtClean="0">
-                <a:solidFill>
-                  <a:srgbClr val="FFC000"/>
-                </a:solidFill>
-              </a:rPr>
-              <a:t>main()</a:t>
-            </a:r>
-            <a:r>
-              <a:rPr lang="ko-KR" altLang="en-US" sz="3600" b="1" dirty="0" smtClean="0">
-                <a:solidFill>
-                  <a:srgbClr val="FFC000"/>
-                </a:solidFill>
-              </a:rPr>
-              <a:t>에서 초기화</a:t>
+              <a:t> 전부 초기화</a:t>
             </a:r>
             <a:endParaRPr lang="ko-KR" altLang="en-US" sz="3600" b="1" dirty="0">
               <a:solidFill>
@@ -4360,7 +4459,7 @@
       </p:sp>
       <p:pic>
         <p:nvPicPr>
-          <p:cNvPr id="3" name="그림 2"/>
+          <p:cNvPr id="4" name="그림 3"/>
           <p:cNvPicPr>
             <a:picLocks noChangeAspect="1"/>
           </p:cNvPicPr>
@@ -4374,32 +4473,8 @@
         </p:blipFill>
         <p:spPr>
           <a:xfrm>
-            <a:off x="908362" y="1929908"/>
-            <a:ext cx="4963218" cy="3781953"/>
-          </a:xfrm>
-          <a:prstGeom prst="rect">
-            <a:avLst/>
-          </a:prstGeom>
-        </p:spPr>
-      </p:pic>
-      <p:pic>
-        <p:nvPicPr>
-          <p:cNvPr id="5" name="그림 4"/>
-          <p:cNvPicPr>
-            <a:picLocks noChangeAspect="1"/>
-          </p:cNvPicPr>
-          <p:nvPr/>
-        </p:nvPicPr>
-        <p:blipFill>
-          <a:blip r:embed="rId3"/>
-          <a:stretch>
-            <a:fillRect/>
-          </a:stretch>
-        </p:blipFill>
-        <p:spPr>
-          <a:xfrm>
-            <a:off x="6682139" y="1929908"/>
-            <a:ext cx="4706007" cy="3829584"/>
+            <a:off x="1871691" y="1423075"/>
+            <a:ext cx="8711501" cy="5086582"/>
           </a:xfrm>
           <a:prstGeom prst="rect">
             <a:avLst/>
@@ -4409,7 +4484,7 @@
     </p:spTree>
     <p:extLst>
       <p:ext uri="{BB962C8B-B14F-4D97-AF65-F5344CB8AC3E}">
-        <p14:creationId xmlns:p14="http://schemas.microsoft.com/office/powerpoint/2010/main" val="2353506265"/>
+        <p14:creationId xmlns:p14="http://schemas.microsoft.com/office/powerpoint/2010/main" val="3067717978"/>
       </p:ext>
     </p:extLst>
   </p:cSld>
@@ -4444,8 +4519,8 @@
         </p:nvSpPr>
         <p:spPr>
           <a:xfrm>
-            <a:off x="2740371" y="697667"/>
-            <a:ext cx="6843541" cy="646331"/>
+            <a:off x="603562" y="697667"/>
+            <a:ext cx="11117146" cy="646331"/>
           </a:xfrm>
           <a:prstGeom prst="rect">
             <a:avLst/>
@@ -4460,12 +4535,28 @@
           <a:p>
             <a:pPr algn="ctr"/>
             <a:r>
+              <a:rPr lang="en-US" altLang="ko-KR" sz="3600" b="1" dirty="0" smtClean="0">
+                <a:solidFill>
+                  <a:srgbClr val="FFC000"/>
+                </a:solidFill>
+              </a:rPr>
+              <a:t>3. </a:t>
+            </a:r>
+            <a:r>
               <a:rPr lang="ko-KR" altLang="en-US" sz="3600" b="1" dirty="0" smtClean="0">
                 <a:solidFill>
                   <a:srgbClr val="FFC000"/>
                 </a:solidFill>
               </a:rPr>
-              <a:t>지역 변수 </a:t>
+              <a:t>일부는 </a:t>
+            </a:r>
+            <a:r>
+              <a:rPr lang="ko-KR" altLang="en-US" sz="3600" b="1" dirty="0" err="1" smtClean="0">
+                <a:solidFill>
+                  <a:srgbClr val="FFC000"/>
+                </a:solidFill>
+              </a:rPr>
+              <a:t>생성자로</a:t>
             </a:r>
             <a:r>
               <a:rPr lang="en-US" altLang="ko-KR" sz="3600" b="1" dirty="0" smtClean="0">
@@ -4473,7 +4564,31 @@
                   <a:srgbClr val="FFC000"/>
                 </a:solidFill>
               </a:rPr>
-              <a:t>(Local Variables)</a:t>
+              <a:t>, </a:t>
+            </a:r>
+            <a:r>
+              <a:rPr lang="ko-KR" altLang="en-US" sz="3600" b="1" dirty="0" smtClean="0">
+                <a:solidFill>
+                  <a:srgbClr val="FFC000"/>
+                </a:solidFill>
+              </a:rPr>
+              <a:t>나머지는 </a:t>
+            </a:r>
+            <a:r>
+              <a:rPr lang="en-US" altLang="ko-KR" sz="3600" b="1" dirty="0" smtClean="0">
+                <a:solidFill>
+                  <a:srgbClr val="FFC000"/>
+                </a:solidFill>
+              </a:rPr>
+              <a:t>main()</a:t>
+            </a:r>
+            <a:r>
+              <a:rPr lang="ko-KR" altLang="en-US" sz="3600" b="1" dirty="0" smtClean="0">
+                <a:solidFill>
+                  <a:srgbClr val="FFC000"/>
+                </a:solidFill>
+              </a:rPr>
+              <a:t>에서 초기화</a:t>
             </a:r>
             <a:endParaRPr lang="ko-KR" altLang="en-US" sz="3600" b="1" dirty="0">
               <a:solidFill>
@@ -4483,283 +4598,58 @@
           </a:p>
         </p:txBody>
       </p:sp>
-      <p:sp>
-        <p:nvSpPr>
-          <p:cNvPr id="3" name="TextBox 2"/>
-          <p:cNvSpPr txBox="1"/>
-          <p:nvPr/>
-        </p:nvSpPr>
-        <p:spPr>
-          <a:xfrm>
-            <a:off x="4431536" y="1600591"/>
-            <a:ext cx="3461204" cy="369332"/>
-          </a:xfrm>
-          <a:prstGeom prst="rect">
-            <a:avLst/>
-          </a:prstGeom>
-          <a:noFill/>
-        </p:spPr>
-        <p:txBody>
-          <a:bodyPr wrap="none" rtlCol="0">
-            <a:spAutoFit/>
-          </a:bodyPr>
-          <a:lstStyle/>
-          <a:p>
-            <a:pPr algn="ctr"/>
-            <a:r>
-              <a:rPr lang="ko-KR" altLang="en-US" dirty="0" smtClean="0"/>
-              <a:t>메인 </a:t>
-            </a:r>
-            <a:r>
-              <a:rPr lang="ko-KR" altLang="en-US" dirty="0" err="1" smtClean="0"/>
-              <a:t>메소드</a:t>
-            </a:r>
-            <a:r>
-              <a:rPr lang="ko-KR" altLang="en-US" dirty="0" smtClean="0"/>
-              <a:t> 안에 선언된 변수</a:t>
-            </a:r>
-            <a:endParaRPr lang="ko-KR" altLang="en-US" dirty="0"/>
-          </a:p>
-        </p:txBody>
-      </p:sp>
-      <p:sp>
-        <p:nvSpPr>
-          <p:cNvPr id="4" name="TextBox 3"/>
-          <p:cNvSpPr txBox="1"/>
-          <p:nvPr/>
-        </p:nvSpPr>
-        <p:spPr>
-          <a:xfrm>
-            <a:off x="1983073" y="2226516"/>
-            <a:ext cx="8860971" cy="369332"/>
-          </a:xfrm>
-          <a:prstGeom prst="rect">
-            <a:avLst/>
-          </a:prstGeom>
-          <a:noFill/>
-        </p:spPr>
-        <p:txBody>
-          <a:bodyPr wrap="square" rtlCol="0">
-            <a:spAutoFit/>
-          </a:bodyPr>
-          <a:lstStyle/>
-          <a:p>
-            <a:pPr algn="ctr"/>
-            <a:r>
-              <a:rPr lang="ko-KR" altLang="en-US" dirty="0" err="1" smtClean="0">
-                <a:solidFill>
-                  <a:srgbClr val="FF5050"/>
-                </a:solidFill>
-              </a:rPr>
-              <a:t>메소드에</a:t>
-            </a:r>
-            <a:r>
-              <a:rPr lang="ko-KR" altLang="en-US" dirty="0" smtClean="0">
-                <a:solidFill>
-                  <a:srgbClr val="FF5050"/>
-                </a:solidFill>
-              </a:rPr>
-              <a:t> 이용자가 직접 넣어주지 않으면 </a:t>
-            </a:r>
-            <a:r>
-              <a:rPr lang="ko-KR" altLang="en-US" dirty="0" err="1" smtClean="0">
-                <a:solidFill>
-                  <a:srgbClr val="FF5050"/>
-                </a:solidFill>
-              </a:rPr>
-              <a:t>메소드에서</a:t>
-            </a:r>
-            <a:r>
-              <a:rPr lang="ko-KR" altLang="en-US" dirty="0" smtClean="0">
-                <a:solidFill>
-                  <a:srgbClr val="FF5050"/>
-                </a:solidFill>
-              </a:rPr>
-              <a:t> 사용 할 수 없음</a:t>
-            </a:r>
-            <a:endParaRPr lang="ko-KR" altLang="en-US" dirty="0">
-              <a:solidFill>
-                <a:srgbClr val="FF5050"/>
-              </a:solidFill>
-            </a:endParaRPr>
-          </a:p>
-        </p:txBody>
-      </p:sp>
-      <p:sp>
-        <p:nvSpPr>
-          <p:cNvPr id="5" name="TextBox 4"/>
-          <p:cNvSpPr txBox="1"/>
-          <p:nvPr/>
-        </p:nvSpPr>
-        <p:spPr>
-          <a:xfrm>
-            <a:off x="4789006" y="3683438"/>
-            <a:ext cx="2746265" cy="646331"/>
-          </a:xfrm>
-          <a:prstGeom prst="rect">
-            <a:avLst/>
-          </a:prstGeom>
-          <a:noFill/>
-        </p:spPr>
-        <p:txBody>
-          <a:bodyPr wrap="none" rtlCol="0">
-            <a:spAutoFit/>
-          </a:bodyPr>
-          <a:lstStyle/>
-          <a:p>
-            <a:pPr algn="ctr"/>
-            <a:r>
-              <a:rPr lang="ko-KR" altLang="en-US" sz="3600" b="1" dirty="0" smtClean="0">
-                <a:solidFill>
-                  <a:srgbClr val="FFC000"/>
-                </a:solidFill>
-              </a:rPr>
-              <a:t>클래스 변수</a:t>
-            </a:r>
-            <a:endParaRPr lang="ko-KR" altLang="en-US" sz="3600" b="1" dirty="0">
-              <a:solidFill>
-                <a:srgbClr val="FFC000"/>
-              </a:solidFill>
-            </a:endParaRPr>
-          </a:p>
-        </p:txBody>
-      </p:sp>
-      <p:sp>
-        <p:nvSpPr>
-          <p:cNvPr id="6" name="TextBox 5"/>
-          <p:cNvSpPr txBox="1"/>
-          <p:nvPr/>
-        </p:nvSpPr>
-        <p:spPr>
-          <a:xfrm>
-            <a:off x="4431536" y="4586362"/>
-            <a:ext cx="3461204" cy="369332"/>
-          </a:xfrm>
-          <a:prstGeom prst="rect">
-            <a:avLst/>
-          </a:prstGeom>
-          <a:noFill/>
-        </p:spPr>
-        <p:txBody>
-          <a:bodyPr wrap="none" rtlCol="0">
-            <a:spAutoFit/>
-          </a:bodyPr>
-          <a:lstStyle/>
-          <a:p>
-            <a:pPr algn="ctr"/>
-            <a:r>
-              <a:rPr lang="ko-KR" altLang="en-US" dirty="0" smtClean="0"/>
-              <a:t>클래스 안에 직접 선언된 변수</a:t>
-            </a:r>
-            <a:endParaRPr lang="ko-KR" altLang="en-US" dirty="0"/>
-          </a:p>
-        </p:txBody>
-      </p:sp>
-      <p:sp>
-        <p:nvSpPr>
-          <p:cNvPr id="7" name="TextBox 6"/>
-          <p:cNvSpPr txBox="1"/>
-          <p:nvPr/>
-        </p:nvSpPr>
-        <p:spPr>
-          <a:xfrm>
-            <a:off x="2602922" y="5212287"/>
-            <a:ext cx="7118431" cy="369332"/>
-          </a:xfrm>
-          <a:prstGeom prst="rect">
-            <a:avLst/>
-          </a:prstGeom>
-          <a:noFill/>
-        </p:spPr>
-        <p:txBody>
-          <a:bodyPr wrap="square" rtlCol="0">
-            <a:spAutoFit/>
-          </a:bodyPr>
-          <a:lstStyle/>
-          <a:p>
-            <a:pPr algn="ctr"/>
-            <a:r>
-              <a:rPr lang="ko-KR" altLang="en-US" dirty="0" smtClean="0">
-                <a:solidFill>
-                  <a:srgbClr val="FF5050"/>
-                </a:solidFill>
-              </a:rPr>
-              <a:t>이용자가 넣어주지 않아도 </a:t>
-            </a:r>
-            <a:r>
-              <a:rPr lang="ko-KR" altLang="en-US" dirty="0" err="1" smtClean="0">
-                <a:solidFill>
-                  <a:srgbClr val="FF5050"/>
-                </a:solidFill>
-              </a:rPr>
-              <a:t>메소드에서</a:t>
-            </a:r>
-            <a:r>
-              <a:rPr lang="ko-KR" altLang="en-US" dirty="0" smtClean="0">
-                <a:solidFill>
-                  <a:srgbClr val="FF5050"/>
-                </a:solidFill>
-              </a:rPr>
-              <a:t> 자유롭게 접근 가능</a:t>
-            </a:r>
-            <a:endParaRPr lang="ko-KR" altLang="en-US" dirty="0">
-              <a:solidFill>
-                <a:srgbClr val="FF5050"/>
-              </a:solidFill>
-            </a:endParaRPr>
-          </a:p>
-        </p:txBody>
-      </p:sp>
-      <p:sp>
-        <p:nvSpPr>
-          <p:cNvPr id="8" name="TextBox 7"/>
-          <p:cNvSpPr txBox="1"/>
-          <p:nvPr/>
-        </p:nvSpPr>
-        <p:spPr>
-          <a:xfrm>
-            <a:off x="587829" y="3374571"/>
-            <a:ext cx="979755" cy="400110"/>
-          </a:xfrm>
-          <a:prstGeom prst="rect">
-            <a:avLst/>
-          </a:prstGeom>
-          <a:noFill/>
-        </p:spPr>
-        <p:txBody>
-          <a:bodyPr wrap="none" rtlCol="0">
-            <a:spAutoFit/>
-          </a:bodyPr>
-          <a:lstStyle/>
-          <a:p>
-            <a:r>
-              <a:rPr lang="ko-KR" altLang="en-US" sz="2000" b="1" dirty="0" smtClean="0">
-                <a:solidFill>
-                  <a:srgbClr val="FF5050"/>
-                </a:solidFill>
-              </a:rPr>
-              <a:t>중요</a:t>
-            </a:r>
-            <a:r>
-              <a:rPr lang="en-US" altLang="ko-KR" sz="2000" b="1" dirty="0" smtClean="0">
-                <a:solidFill>
-                  <a:srgbClr val="FF5050"/>
-                </a:solidFill>
-              </a:rPr>
-              <a:t>!!</a:t>
-            </a:r>
-            <a:endParaRPr lang="ko-KR" altLang="en-US" sz="2000" b="1" dirty="0">
-              <a:solidFill>
-                <a:srgbClr val="FF5050"/>
-              </a:solidFill>
-            </a:endParaRPr>
-          </a:p>
-        </p:txBody>
-      </p:sp>
+      <p:pic>
+        <p:nvPicPr>
+          <p:cNvPr id="3" name="그림 2"/>
+          <p:cNvPicPr>
+            <a:picLocks noChangeAspect="1"/>
+          </p:cNvPicPr>
+          <p:nvPr/>
+        </p:nvPicPr>
+        <p:blipFill>
+          <a:blip r:embed="rId2"/>
+          <a:stretch>
+            <a:fillRect/>
+          </a:stretch>
+        </p:blipFill>
+        <p:spPr>
+          <a:xfrm>
+            <a:off x="908362" y="1929908"/>
+            <a:ext cx="4963218" cy="3781953"/>
+          </a:xfrm>
+          <a:prstGeom prst="rect">
+            <a:avLst/>
+          </a:prstGeom>
+        </p:spPr>
+      </p:pic>
+      <p:pic>
+        <p:nvPicPr>
+          <p:cNvPr id="5" name="그림 4"/>
+          <p:cNvPicPr>
+            <a:picLocks noChangeAspect="1"/>
+          </p:cNvPicPr>
+          <p:nvPr/>
+        </p:nvPicPr>
+        <p:blipFill>
+          <a:blip r:embed="rId3"/>
+          <a:stretch>
+            <a:fillRect/>
+          </a:stretch>
+        </p:blipFill>
+        <p:spPr>
+          <a:xfrm>
+            <a:off x="6682139" y="1929908"/>
+            <a:ext cx="4706007" cy="3829584"/>
+          </a:xfrm>
+          <a:prstGeom prst="rect">
+            <a:avLst/>
+          </a:prstGeom>
+        </p:spPr>
+      </p:pic>
     </p:spTree>
     <p:extLst>
       <p:ext uri="{BB962C8B-B14F-4D97-AF65-F5344CB8AC3E}">
-        <p14:creationId xmlns:p14="http://schemas.microsoft.com/office/powerpoint/2010/main" val="3390781161"/>
+        <p14:creationId xmlns:p14="http://schemas.microsoft.com/office/powerpoint/2010/main" val="2353506265"/>
       </p:ext>
     </p:extLst>
   </p:cSld>
@@ -4786,153 +4676,46 @@
           <a:chExt cx="0" cy="0"/>
         </a:xfrm>
       </p:grpSpPr>
-      <p:pic>
-        <p:nvPicPr>
-          <p:cNvPr id="9" name="그림 8"/>
-          <p:cNvPicPr>
-            <a:picLocks noChangeAspect="1"/>
-          </p:cNvPicPr>
-          <p:nvPr/>
-        </p:nvPicPr>
-        <p:blipFill>
-          <a:blip r:embed="rId2"/>
-          <a:stretch>
-            <a:fillRect/>
-          </a:stretch>
-        </p:blipFill>
-        <p:spPr>
-          <a:xfrm>
-            <a:off x="79330" y="373071"/>
-            <a:ext cx="7550787" cy="6015033"/>
-          </a:xfrm>
-          <a:prstGeom prst="rect">
-            <a:avLst/>
-          </a:prstGeom>
-        </p:spPr>
-      </p:pic>
-      <p:sp>
-        <p:nvSpPr>
-          <p:cNvPr id="3" name="오른쪽 화살표 2"/>
-          <p:cNvSpPr/>
-          <p:nvPr/>
-        </p:nvSpPr>
-        <p:spPr>
-          <a:xfrm>
-            <a:off x="5131131" y="1100722"/>
-            <a:ext cx="1146048" cy="383149"/>
-          </a:xfrm>
-          <a:prstGeom prst="rightArrow">
+      <p:sp>
+        <p:nvSpPr>
+          <p:cNvPr id="2" name="TextBox 1"/>
+          <p:cNvSpPr txBox="1"/>
+          <p:nvPr/>
+        </p:nvSpPr>
+        <p:spPr>
+          <a:xfrm>
+            <a:off x="2740371" y="697667"/>
+            <a:ext cx="6843541" cy="646331"/>
+          </a:xfrm>
+          <a:prstGeom prst="rect">
             <a:avLst/>
           </a:prstGeom>
           <a:noFill/>
-          <a:ln w="57150">
-            <a:solidFill>
-              <a:srgbClr val="FFC000"/>
-            </a:solidFill>
-          </a:ln>
-        </p:spPr>
-        <p:style>
-          <a:lnRef idx="2">
-            <a:schemeClr val="accent1">
-              <a:shade val="50000"/>
-            </a:schemeClr>
-          </a:lnRef>
-          <a:fillRef idx="1">
-            <a:schemeClr val="accent1"/>
-          </a:fillRef>
-          <a:effectRef idx="0">
-            <a:schemeClr val="accent1"/>
-          </a:effectRef>
-          <a:fontRef idx="minor">
-            <a:schemeClr val="lt1"/>
-          </a:fontRef>
-        </p:style>
-        <p:txBody>
-          <a:bodyPr rtlCol="0" anchor="ctr"/>
-          <a:lstStyle/>
-          <a:p>
-            <a:pPr algn="ctr"/>
-            <a:endParaRPr lang="ko-KR" altLang="en-US"/>
-          </a:p>
-        </p:txBody>
-      </p:sp>
-      <p:sp>
-        <p:nvSpPr>
-          <p:cNvPr id="4" name="오른쪽 화살표 3"/>
-          <p:cNvSpPr/>
-          <p:nvPr/>
-        </p:nvSpPr>
-        <p:spPr>
-          <a:xfrm>
-            <a:off x="4268810" y="4567392"/>
-            <a:ext cx="1146048" cy="365760"/>
-          </a:xfrm>
-          <a:prstGeom prst="rightArrow">
-            <a:avLst/>
-          </a:prstGeom>
-          <a:noFill/>
-          <a:ln w="57150">
-            <a:solidFill>
-              <a:srgbClr val="FFC000"/>
-            </a:solidFill>
-          </a:ln>
-        </p:spPr>
-        <p:style>
-          <a:lnRef idx="2">
-            <a:schemeClr val="accent1">
-              <a:shade val="50000"/>
-            </a:schemeClr>
-          </a:lnRef>
-          <a:fillRef idx="1">
-            <a:schemeClr val="accent1"/>
-          </a:fillRef>
-          <a:effectRef idx="0">
-            <a:schemeClr val="accent1"/>
-          </a:effectRef>
-          <a:fontRef idx="minor">
-            <a:schemeClr val="lt1"/>
-          </a:fontRef>
-        </p:style>
-        <p:txBody>
-          <a:bodyPr rtlCol="0" anchor="ctr"/>
-          <a:lstStyle/>
-          <a:p>
-            <a:pPr algn="ctr"/>
-            <a:endParaRPr lang="ko-KR" altLang="en-US"/>
-          </a:p>
-        </p:txBody>
-      </p:sp>
-      <p:sp>
-        <p:nvSpPr>
-          <p:cNvPr id="5" name="TextBox 4"/>
-          <p:cNvSpPr txBox="1"/>
-          <p:nvPr/>
-        </p:nvSpPr>
-        <p:spPr>
-          <a:xfrm>
-            <a:off x="6496584" y="1141744"/>
-            <a:ext cx="3037163" cy="400110"/>
-          </a:xfrm>
-          <a:prstGeom prst="rect">
-            <a:avLst/>
-          </a:prstGeom>
-          <a:noFill/>
-        </p:spPr>
-        <p:txBody>
-          <a:bodyPr wrap="square" rtlCol="0">
+        </p:spPr>
+        <p:txBody>
+          <a:bodyPr wrap="none" rtlCol="0">
             <a:spAutoFit/>
           </a:bodyPr>
           <a:lstStyle/>
           <a:p>
-            <a:r>
-              <a:rPr lang="ko-KR" altLang="en-US" sz="2000" dirty="0" smtClean="0">
-                <a:solidFill>
-                  <a:srgbClr val="FFC000"/>
-                </a:solidFill>
-              </a:rPr>
-              <a:t>클래스 변수</a:t>
-            </a:r>
-            <a:endParaRPr lang="ko-KR" altLang="en-US" sz="2000" dirty="0">
+            <a:pPr algn="ctr"/>
+            <a:r>
+              <a:rPr lang="ko-KR" altLang="en-US" sz="3600" b="1" dirty="0" smtClean="0">
+                <a:solidFill>
+                  <a:srgbClr val="FFC000"/>
+                </a:solidFill>
+              </a:rPr>
+              <a:t>지역 변수 </a:t>
+            </a:r>
+            <a:r>
+              <a:rPr lang="en-US" altLang="ko-KR" sz="3600" b="1" dirty="0" smtClean="0">
+                <a:solidFill>
+                  <a:srgbClr val="FFC000"/>
+                </a:solidFill>
+              </a:rPr>
+              <a:t>(Local Variables)</a:t>
+            </a:r>
+            <a:endParaRPr lang="ko-KR" altLang="en-US" sz="3600" b="1" dirty="0">
               <a:solidFill>
                 <a:srgbClr val="FFC000"/>
               </a:solidFill>
@@ -4942,14 +4725,53 @@
       </p:sp>
       <p:sp>
         <p:nvSpPr>
-          <p:cNvPr id="6" name="TextBox 5"/>
+          <p:cNvPr id="3" name="TextBox 2"/>
           <p:cNvSpPr txBox="1"/>
           <p:nvPr/>
         </p:nvSpPr>
         <p:spPr>
           <a:xfrm>
-            <a:off x="5560109" y="4625375"/>
-            <a:ext cx="1434140" cy="400110"/>
+            <a:off x="4431536" y="1600591"/>
+            <a:ext cx="3461204" cy="369332"/>
+          </a:xfrm>
+          <a:prstGeom prst="rect">
+            <a:avLst/>
+          </a:prstGeom>
+          <a:noFill/>
+        </p:spPr>
+        <p:txBody>
+          <a:bodyPr wrap="none" rtlCol="0">
+            <a:spAutoFit/>
+          </a:bodyPr>
+          <a:lstStyle/>
+          <a:p>
+            <a:pPr algn="ctr"/>
+            <a:r>
+              <a:rPr lang="ko-KR" altLang="en-US" dirty="0" smtClean="0"/>
+              <a:t>메인 </a:t>
+            </a:r>
+            <a:r>
+              <a:rPr lang="ko-KR" altLang="en-US" dirty="0" err="1" smtClean="0"/>
+              <a:t>메소드</a:t>
+            </a:r>
+            <a:r>
+              <a:rPr lang="ko-KR" altLang="en-US" dirty="0" smtClean="0"/>
+              <a:t> 안에 선언된 변수</a:t>
+            </a:r>
+            <a:endParaRPr lang="ko-KR" altLang="en-US" dirty="0"/>
+          </a:p>
+        </p:txBody>
+      </p:sp>
+      <p:sp>
+        <p:nvSpPr>
+          <p:cNvPr id="4" name="TextBox 3"/>
+          <p:cNvSpPr txBox="1"/>
+          <p:nvPr/>
+        </p:nvSpPr>
+        <p:spPr>
+          <a:xfrm>
+            <a:off x="1983073" y="2226516"/>
+            <a:ext cx="8860971" cy="369332"/>
           </a:xfrm>
           <a:prstGeom prst="rect">
             <a:avLst/>
@@ -4962,15 +4784,79 @@
           </a:bodyPr>
           <a:lstStyle/>
           <a:p>
-            <a:r>
-              <a:rPr lang="ko-KR" altLang="en-US" sz="2000" dirty="0" smtClean="0">
-                <a:solidFill>
-                  <a:srgbClr val="FFC000"/>
-                </a:solidFill>
-              </a:rPr>
-              <a:t>지역 변수</a:t>
-            </a:r>
-            <a:endParaRPr lang="ko-KR" altLang="en-US" sz="2000" dirty="0">
+            <a:pPr algn="ctr"/>
+            <a:r>
+              <a:rPr lang="ko-KR" altLang="en-US" dirty="0" err="1" smtClean="0">
+                <a:solidFill>
+                  <a:srgbClr val="FF5050"/>
+                </a:solidFill>
+              </a:rPr>
+              <a:t>메소드에</a:t>
+            </a:r>
+            <a:r>
+              <a:rPr lang="ko-KR" altLang="en-US" dirty="0" smtClean="0">
+                <a:solidFill>
+                  <a:srgbClr val="FF5050"/>
+                </a:solidFill>
+              </a:rPr>
+              <a:t> 이용자가 직접 넣어주지 않으면 </a:t>
+            </a:r>
+            <a:r>
+              <a:rPr lang="ko-KR" altLang="en-US" dirty="0" err="1" smtClean="0">
+                <a:solidFill>
+                  <a:srgbClr val="FF5050"/>
+                </a:solidFill>
+              </a:rPr>
+              <a:t>메소드에서</a:t>
+            </a:r>
+            <a:r>
+              <a:rPr lang="ko-KR" altLang="en-US" dirty="0" smtClean="0">
+                <a:solidFill>
+                  <a:srgbClr val="FF5050"/>
+                </a:solidFill>
+              </a:rPr>
+              <a:t> 사용 할 수 없음</a:t>
+            </a:r>
+            <a:endParaRPr lang="ko-KR" altLang="en-US" dirty="0">
+              <a:solidFill>
+                <a:srgbClr val="FF5050"/>
+              </a:solidFill>
+            </a:endParaRPr>
+          </a:p>
+        </p:txBody>
+      </p:sp>
+      <p:sp>
+        <p:nvSpPr>
+          <p:cNvPr id="5" name="TextBox 4"/>
+          <p:cNvSpPr txBox="1"/>
+          <p:nvPr/>
+        </p:nvSpPr>
+        <p:spPr>
+          <a:xfrm>
+            <a:off x="4789006" y="3683438"/>
+            <a:ext cx="2746265" cy="646331"/>
+          </a:xfrm>
+          <a:prstGeom prst="rect">
+            <a:avLst/>
+          </a:prstGeom>
+          <a:noFill/>
+        </p:spPr>
+        <p:txBody>
+          <a:bodyPr wrap="none" rtlCol="0">
+            <a:spAutoFit/>
+          </a:bodyPr>
+          <a:lstStyle/>
+          <a:p>
+            <a:pPr algn="ctr"/>
+            <a:r>
+              <a:rPr lang="ko-KR" altLang="en-US" sz="3600" b="1" dirty="0" smtClean="0">
+                <a:solidFill>
+                  <a:srgbClr val="FFC000"/>
+                </a:solidFill>
+              </a:rPr>
+              <a:t>클래스 변수</a:t>
+            </a:r>
+            <a:endParaRPr lang="ko-KR" altLang="en-US" sz="3600" b="1" dirty="0">
               <a:solidFill>
                 <a:srgbClr val="FFC000"/>
               </a:solidFill>
@@ -4980,14 +4866,14 @@
       </p:sp>
       <p:sp>
         <p:nvSpPr>
-          <p:cNvPr id="7" name="TextBox 6"/>
+          <p:cNvPr id="6" name="TextBox 5"/>
           <p:cNvSpPr txBox="1"/>
           <p:nvPr/>
         </p:nvSpPr>
         <p:spPr>
           <a:xfrm>
-            <a:off x="6803464" y="3152950"/>
-            <a:ext cx="3932487" cy="307777"/>
+            <a:off x="4431536" y="4586362"/>
+            <a:ext cx="3461204" cy="369332"/>
           </a:xfrm>
           <a:prstGeom prst="rect">
             <a:avLst/>
@@ -5000,23 +4886,67 @@
           </a:bodyPr>
           <a:lstStyle/>
           <a:p>
-            <a:r>
-              <a:rPr lang="en-US" altLang="ko-KR" sz="1400" dirty="0" smtClean="0"/>
-              <a:t>// </a:t>
-            </a:r>
-            <a:r>
-              <a:rPr lang="ko-KR" altLang="en-US" sz="1400" dirty="0" smtClean="0"/>
-              <a:t>지역변수는 </a:t>
-            </a:r>
-            <a:r>
-              <a:rPr lang="ko-KR" altLang="en-US" sz="1400" dirty="0" err="1" smtClean="0"/>
+            <a:pPr algn="ctr"/>
+            <a:r>
+              <a:rPr lang="ko-KR" altLang="en-US" dirty="0" smtClean="0"/>
+              <a:t>클래스 안에 직접 선언된 변수</a:t>
+            </a:r>
+            <a:endParaRPr lang="ko-KR" altLang="en-US" dirty="0"/>
+          </a:p>
+        </p:txBody>
+      </p:sp>
+      <p:sp>
+        <p:nvSpPr>
+          <p:cNvPr id="7" name="TextBox 6"/>
+          <p:cNvSpPr txBox="1"/>
+          <p:nvPr/>
+        </p:nvSpPr>
+        <p:spPr>
+          <a:xfrm>
+            <a:off x="2602922" y="5212287"/>
+            <a:ext cx="7118431" cy="369332"/>
+          </a:xfrm>
+          <a:prstGeom prst="rect">
+            <a:avLst/>
+          </a:prstGeom>
+          <a:noFill/>
+        </p:spPr>
+        <p:txBody>
+          <a:bodyPr wrap="square" rtlCol="0">
+            <a:spAutoFit/>
+          </a:bodyPr>
+          <a:lstStyle/>
+          <a:p>
+            <a:pPr algn="ctr"/>
+            <a:r>
+              <a:rPr lang="ko-KR" altLang="en-US" dirty="0" smtClean="0">
+                <a:solidFill>
+                  <a:srgbClr val="FF5050"/>
+                </a:solidFill>
+              </a:rPr>
+              <a:t>이용자가 넣어주지 않아도 </a:t>
+            </a:r>
+            <a:r>
+              <a:rPr lang="ko-KR" altLang="en-US" dirty="0" err="1" smtClean="0">
+                <a:solidFill>
+                  <a:srgbClr val="FF5050"/>
+                </a:solidFill>
+              </a:rPr>
               <a:t>메소드에서</a:t>
             </a:r>
             <a:r>
-              <a:rPr lang="ko-KR" altLang="en-US" sz="1400" dirty="0" smtClean="0"/>
-              <a:t> 바로 사용 불가능</a:t>
-            </a:r>
-            <a:endParaRPr lang="ko-KR" altLang="en-US" sz="1400" dirty="0"/>
+              <a:rPr lang="ko-KR" altLang="en-US" dirty="0" smtClean="0">
+                <a:solidFill>
+                  <a:srgbClr val="FF5050"/>
+                </a:solidFill>
+              </a:rPr>
+              <a:t> 자유롭게 접근 가능</a:t>
+            </a:r>
+            <a:endParaRPr lang="ko-KR" altLang="en-US" dirty="0">
+              <a:solidFill>
+                <a:srgbClr val="FF5050"/>
+              </a:solidFill>
+            </a:endParaRPr>
           </a:p>
         </p:txBody>
       </p:sp>
@@ -5028,8 +4958,8 @@
         </p:nvSpPr>
         <p:spPr>
           <a:xfrm>
-            <a:off x="6803464" y="2506447"/>
-            <a:ext cx="3932487" cy="307777"/>
+            <a:off x="316895" y="297557"/>
+            <a:ext cx="979755" cy="400110"/>
           </a:xfrm>
           <a:prstGeom prst="rect">
             <a:avLst/>
@@ -5043,42 +4973,39 @@
           <a:lstStyle/>
           <a:p>
             <a:r>
-              <a:rPr lang="en-US" altLang="ko-KR" sz="1400" dirty="0" smtClean="0"/>
-              <a:t>// </a:t>
-            </a:r>
-            <a:r>
-              <a:rPr lang="ko-KR" altLang="en-US" sz="1400" dirty="0" smtClean="0"/>
-              <a:t>클래스변수는 </a:t>
-            </a:r>
-            <a:r>
-              <a:rPr lang="ko-KR" altLang="en-US" sz="1400" dirty="0" err="1" smtClean="0"/>
-              <a:t>메소드에서</a:t>
-            </a:r>
-            <a:r>
-              <a:rPr lang="ko-KR" altLang="en-US" sz="1400" dirty="0" smtClean="0"/>
-              <a:t> 바로 사용 가능</a:t>
-            </a:r>
-            <a:endParaRPr lang="ko-KR" altLang="en-US" sz="1400" dirty="0"/>
+              <a:rPr lang="ko-KR" altLang="en-US" sz="2000" b="1" dirty="0" smtClean="0">
+                <a:solidFill>
+                  <a:srgbClr val="FF5050"/>
+                </a:solidFill>
+              </a:rPr>
+              <a:t>중요</a:t>
+            </a:r>
+            <a:r>
+              <a:rPr lang="en-US" altLang="ko-KR" sz="2000" b="1" dirty="0" smtClean="0">
+                <a:solidFill>
+                  <a:srgbClr val="FF5050"/>
+                </a:solidFill>
+              </a:rPr>
+              <a:t>!!</a:t>
+            </a:r>
+            <a:endParaRPr lang="ko-KR" altLang="en-US" sz="2000" b="1" dirty="0">
+              <a:solidFill>
+                <a:srgbClr val="FF5050"/>
+              </a:solidFill>
+            </a:endParaRPr>
           </a:p>
         </p:txBody>
       </p:sp>
     </p:spTree>
     <p:extLst>
       <p:ext uri="{BB962C8B-B14F-4D97-AF65-F5344CB8AC3E}">
-        <p14:creationId xmlns:p14="http://schemas.microsoft.com/office/powerpoint/2010/main" val="3620605624"/>
+        <p14:creationId xmlns:p14="http://schemas.microsoft.com/office/powerpoint/2010/main" val="3390781161"/>
       </p:ext>
     </p:extLst>
   </p:cSld>
   <p:clrMapOvr>
     <a:masterClrMapping/>
   </p:clrMapOvr>
-  <p:timing>
-    <p:tnLst>
-      <p:par>
-        <p:cTn id="1" dur="indefinite" restart="never" nodeType="tmRoot"/>
-      </p:par>
-    </p:tnLst>
-  </p:timing>
 </p:sld>
 </file>
 
@@ -5101,45 +5028,22 @@
       </p:grpSpPr>
       <p:pic>
         <p:nvPicPr>
-          <p:cNvPr id="2" name="그림 1"/>
+          <p:cNvPr id="9" name="그림 8"/>
           <p:cNvPicPr>
             <a:picLocks noChangeAspect="1"/>
           </p:cNvPicPr>
           <p:nvPr/>
         </p:nvPicPr>
-        <p:blipFill rotWithShape="1">
+        <p:blipFill>
           <a:blip r:embed="rId2"/>
-          <a:srcRect b="1899"/>
-          <a:stretch/>
-        </p:blipFill>
-        <p:spPr>
-          <a:xfrm>
-            <a:off x="623334" y="495301"/>
-            <a:ext cx="8383340" cy="5676900"/>
-          </a:xfrm>
-          <a:prstGeom prst="rect">
-            <a:avLst/>
-          </a:prstGeom>
-        </p:spPr>
-      </p:pic>
-      <p:pic>
-        <p:nvPicPr>
-          <p:cNvPr id="11" name="그림 10"/>
-          <p:cNvPicPr>
-            <a:picLocks noChangeAspect="1"/>
-          </p:cNvPicPr>
-          <p:nvPr/>
-        </p:nvPicPr>
-        <p:blipFill>
-          <a:blip r:embed="rId3"/>
           <a:stretch>
             <a:fillRect/>
           </a:stretch>
         </p:blipFill>
         <p:spPr>
           <a:xfrm>
-            <a:off x="7676942" y="5100602"/>
-            <a:ext cx="2972215" cy="504895"/>
+            <a:off x="728810" y="779358"/>
+            <a:ext cx="6345589" cy="5054960"/>
           </a:xfrm>
           <a:prstGeom prst="rect">
             <a:avLst/>
@@ -5148,22 +5052,22 @@
       </p:pic>
       <p:sp>
         <p:nvSpPr>
-          <p:cNvPr id="12" name="직사각형 11"/>
+          <p:cNvPr id="3" name="오른쪽 화살표 2"/>
           <p:cNvSpPr/>
           <p:nvPr/>
         </p:nvSpPr>
         <p:spPr>
           <a:xfrm>
-            <a:off x="7514705" y="4892040"/>
-            <a:ext cx="3134452" cy="891540"/>
-          </a:xfrm>
-          <a:prstGeom prst="rect">
+            <a:off x="5131131" y="1100722"/>
+            <a:ext cx="1146048" cy="383149"/>
+          </a:xfrm>
+          <a:prstGeom prst="rightArrow">
             <a:avLst/>
           </a:prstGeom>
           <a:noFill/>
-          <a:ln w="76200">
+          <a:ln w="57150">
             <a:solidFill>
-              <a:schemeClr val="tx1"/>
+              <a:srgbClr val="FFC000"/>
             </a:solidFill>
           </a:ln>
         </p:spPr>
@@ -5194,14 +5098,136 @@
       </p:sp>
       <p:sp>
         <p:nvSpPr>
-          <p:cNvPr id="13" name="TextBox 12"/>
+          <p:cNvPr id="4" name="오른쪽 화살표 3"/>
+          <p:cNvSpPr/>
+          <p:nvPr/>
+        </p:nvSpPr>
+        <p:spPr>
+          <a:xfrm>
+            <a:off x="4268810" y="4567392"/>
+            <a:ext cx="1146048" cy="365760"/>
+          </a:xfrm>
+          <a:prstGeom prst="rightArrow">
+            <a:avLst/>
+          </a:prstGeom>
+          <a:noFill/>
+          <a:ln w="57150">
+            <a:solidFill>
+              <a:srgbClr val="FFC000"/>
+            </a:solidFill>
+          </a:ln>
+        </p:spPr>
+        <p:style>
+          <a:lnRef idx="2">
+            <a:schemeClr val="accent1">
+              <a:shade val="50000"/>
+            </a:schemeClr>
+          </a:lnRef>
+          <a:fillRef idx="1">
+            <a:schemeClr val="accent1"/>
+          </a:fillRef>
+          <a:effectRef idx="0">
+            <a:schemeClr val="accent1"/>
+          </a:effectRef>
+          <a:fontRef idx="minor">
+            <a:schemeClr val="lt1"/>
+          </a:fontRef>
+        </p:style>
+        <p:txBody>
+          <a:bodyPr rtlCol="0" anchor="ctr"/>
+          <a:lstStyle/>
+          <a:p>
+            <a:pPr algn="ctr"/>
+            <a:endParaRPr lang="ko-KR" altLang="en-US"/>
+          </a:p>
+        </p:txBody>
+      </p:sp>
+      <p:sp>
+        <p:nvSpPr>
+          <p:cNvPr id="5" name="TextBox 4"/>
           <p:cNvSpPr txBox="1"/>
           <p:nvPr/>
         </p:nvSpPr>
         <p:spPr>
           <a:xfrm>
-            <a:off x="7381701" y="4645520"/>
-            <a:ext cx="779381" cy="276999"/>
+            <a:off x="6496584" y="1141744"/>
+            <a:ext cx="3037163" cy="400110"/>
+          </a:xfrm>
+          <a:prstGeom prst="rect">
+            <a:avLst/>
+          </a:prstGeom>
+          <a:noFill/>
+        </p:spPr>
+        <p:txBody>
+          <a:bodyPr wrap="square" rtlCol="0">
+            <a:spAutoFit/>
+          </a:bodyPr>
+          <a:lstStyle/>
+          <a:p>
+            <a:r>
+              <a:rPr lang="ko-KR" altLang="en-US" sz="2000" dirty="0" smtClean="0">
+                <a:solidFill>
+                  <a:srgbClr val="FFC000"/>
+                </a:solidFill>
+              </a:rPr>
+              <a:t>클래스 변수</a:t>
+            </a:r>
+            <a:endParaRPr lang="ko-KR" altLang="en-US" sz="2000" dirty="0">
+              <a:solidFill>
+                <a:srgbClr val="FFC000"/>
+              </a:solidFill>
+            </a:endParaRPr>
+          </a:p>
+        </p:txBody>
+      </p:sp>
+      <p:sp>
+        <p:nvSpPr>
+          <p:cNvPr id="6" name="TextBox 5"/>
+          <p:cNvSpPr txBox="1"/>
+          <p:nvPr/>
+        </p:nvSpPr>
+        <p:spPr>
+          <a:xfrm>
+            <a:off x="5560109" y="4625375"/>
+            <a:ext cx="1434140" cy="400110"/>
+          </a:xfrm>
+          <a:prstGeom prst="rect">
+            <a:avLst/>
+          </a:prstGeom>
+          <a:noFill/>
+        </p:spPr>
+        <p:txBody>
+          <a:bodyPr wrap="square" rtlCol="0">
+            <a:spAutoFit/>
+          </a:bodyPr>
+          <a:lstStyle/>
+          <a:p>
+            <a:r>
+              <a:rPr lang="ko-KR" altLang="en-US" sz="2000" dirty="0" smtClean="0">
+                <a:solidFill>
+                  <a:srgbClr val="FFC000"/>
+                </a:solidFill>
+              </a:rPr>
+              <a:t>지역 변수</a:t>
+            </a:r>
+            <a:endParaRPr lang="ko-KR" altLang="en-US" sz="2000" dirty="0">
+              <a:solidFill>
+                <a:srgbClr val="FFC000"/>
+              </a:solidFill>
+            </a:endParaRPr>
+          </a:p>
+        </p:txBody>
+      </p:sp>
+      <p:sp>
+        <p:nvSpPr>
+          <p:cNvPr id="7" name="TextBox 6"/>
+          <p:cNvSpPr txBox="1"/>
+          <p:nvPr/>
+        </p:nvSpPr>
+        <p:spPr>
+          <a:xfrm>
+            <a:off x="6803464" y="3152950"/>
+            <a:ext cx="3932487" cy="307777"/>
           </a:xfrm>
           <a:prstGeom prst="rect">
             <a:avLst/>
@@ -5215,17 +5241,71 @@
           <a:lstStyle/>
           <a:p>
             <a:r>
-              <a:rPr lang="en-US" altLang="ko-KR" sz="1200" b="1" dirty="0" smtClean="0"/>
-              <a:t>console</a:t>
-            </a:r>
-            <a:endParaRPr lang="ko-KR" altLang="en-US" sz="1200" b="1" dirty="0"/>
+              <a:rPr lang="en-US" altLang="ko-KR" sz="1400" dirty="0" smtClean="0"/>
+              <a:t>// </a:t>
+            </a:r>
+            <a:r>
+              <a:rPr lang="ko-KR" altLang="en-US" sz="1400" dirty="0" smtClean="0"/>
+              <a:t>지역변수는 </a:t>
+            </a:r>
+            <a:r>
+              <a:rPr lang="ko-KR" altLang="en-US" sz="1400" dirty="0" err="1" smtClean="0"/>
+              <a:t>메소드에서</a:t>
+            </a:r>
+            <a:r>
+              <a:rPr lang="ko-KR" altLang="en-US" sz="1400" dirty="0" smtClean="0"/>
+              <a:t> 바로 사용 불가능</a:t>
+            </a:r>
+            <a:endParaRPr lang="ko-KR" altLang="en-US" sz="1400" dirty="0"/>
+          </a:p>
+        </p:txBody>
+      </p:sp>
+      <p:sp>
+        <p:nvSpPr>
+          <p:cNvPr id="8" name="TextBox 7"/>
+          <p:cNvSpPr txBox="1"/>
+          <p:nvPr/>
+        </p:nvSpPr>
+        <p:spPr>
+          <a:xfrm>
+            <a:off x="6803464" y="2506447"/>
+            <a:ext cx="3932487" cy="307777"/>
+          </a:xfrm>
+          <a:prstGeom prst="rect">
+            <a:avLst/>
+          </a:prstGeom>
+          <a:noFill/>
+        </p:spPr>
+        <p:txBody>
+          <a:bodyPr wrap="none" rtlCol="0">
+            <a:spAutoFit/>
+          </a:bodyPr>
+          <a:lstStyle/>
+          <a:p>
+            <a:r>
+              <a:rPr lang="en-US" altLang="ko-KR" sz="1400" dirty="0" smtClean="0"/>
+              <a:t>// </a:t>
+            </a:r>
+            <a:r>
+              <a:rPr lang="ko-KR" altLang="en-US" sz="1400" dirty="0" smtClean="0"/>
+              <a:t>클래스변수는 </a:t>
+            </a:r>
+            <a:r>
+              <a:rPr lang="ko-KR" altLang="en-US" sz="1400" dirty="0" err="1" smtClean="0"/>
+              <a:t>메소드에서</a:t>
+            </a:r>
+            <a:r>
+              <a:rPr lang="ko-KR" altLang="en-US" sz="1400" dirty="0" smtClean="0"/>
+              <a:t> 바로 사용 가능</a:t>
+            </a:r>
+            <a:endParaRPr lang="ko-KR" altLang="en-US" sz="1400" dirty="0"/>
           </a:p>
         </p:txBody>
       </p:sp>
     </p:spTree>
     <p:extLst>
       <p:ext uri="{BB962C8B-B14F-4D97-AF65-F5344CB8AC3E}">
-        <p14:creationId xmlns:p14="http://schemas.microsoft.com/office/powerpoint/2010/main" val="3814981300"/>
+        <p14:creationId xmlns:p14="http://schemas.microsoft.com/office/powerpoint/2010/main" val="3620605624"/>
       </p:ext>
     </p:extLst>
   </p:cSld>
@@ -5259,121 +5339,109 @@
           <a:chExt cx="0" cy="0"/>
         </a:xfrm>
       </p:grpSpPr>
-      <p:sp>
-        <p:nvSpPr>
-          <p:cNvPr id="2" name="TextBox 1"/>
+      <p:pic>
+        <p:nvPicPr>
+          <p:cNvPr id="2" name="그림 1"/>
+          <p:cNvPicPr>
+            <a:picLocks noChangeAspect="1"/>
+          </p:cNvPicPr>
+          <p:nvPr/>
+        </p:nvPicPr>
+        <p:blipFill rotWithShape="1">
+          <a:blip r:embed="rId2"/>
+          <a:srcRect b="1899"/>
+          <a:stretch/>
+        </p:blipFill>
+        <p:spPr>
+          <a:xfrm>
+            <a:off x="623334" y="495301"/>
+            <a:ext cx="8383340" cy="5676900"/>
+          </a:xfrm>
+          <a:prstGeom prst="rect">
+            <a:avLst/>
+          </a:prstGeom>
+        </p:spPr>
+      </p:pic>
+      <p:pic>
+        <p:nvPicPr>
+          <p:cNvPr id="11" name="그림 10"/>
+          <p:cNvPicPr>
+            <a:picLocks noChangeAspect="1"/>
+          </p:cNvPicPr>
+          <p:nvPr/>
+        </p:nvPicPr>
+        <p:blipFill>
+          <a:blip r:embed="rId3"/>
+          <a:stretch>
+            <a:fillRect/>
+          </a:stretch>
+        </p:blipFill>
+        <p:spPr>
+          <a:xfrm>
+            <a:off x="7676942" y="5100602"/>
+            <a:ext cx="2972215" cy="504895"/>
+          </a:xfrm>
+          <a:prstGeom prst="rect">
+            <a:avLst/>
+          </a:prstGeom>
+        </p:spPr>
+      </p:pic>
+      <p:sp>
+        <p:nvSpPr>
+          <p:cNvPr id="12" name="직사각형 11"/>
+          <p:cNvSpPr/>
+          <p:nvPr/>
+        </p:nvSpPr>
+        <p:spPr>
+          <a:xfrm>
+            <a:off x="7514705" y="4892040"/>
+            <a:ext cx="3134452" cy="891540"/>
+          </a:xfrm>
+          <a:prstGeom prst="rect">
+            <a:avLst/>
+          </a:prstGeom>
+          <a:noFill/>
+          <a:ln w="76200">
+            <a:solidFill>
+              <a:schemeClr val="tx1"/>
+            </a:solidFill>
+          </a:ln>
+        </p:spPr>
+        <p:style>
+          <a:lnRef idx="2">
+            <a:schemeClr val="accent1">
+              <a:shade val="50000"/>
+            </a:schemeClr>
+          </a:lnRef>
+          <a:fillRef idx="1">
+            <a:schemeClr val="accent1"/>
+          </a:fillRef>
+          <a:effectRef idx="0">
+            <a:schemeClr val="accent1"/>
+          </a:effectRef>
+          <a:fontRef idx="minor">
+            <a:schemeClr val="lt1"/>
+          </a:fontRef>
+        </p:style>
+        <p:txBody>
+          <a:bodyPr rtlCol="0" anchor="ctr"/>
+          <a:lstStyle/>
+          <a:p>
+            <a:pPr algn="ctr"/>
+            <a:endParaRPr lang="ko-KR" altLang="en-US"/>
+          </a:p>
+        </p:txBody>
+      </p:sp>
+      <p:sp>
+        <p:nvSpPr>
+          <p:cNvPr id="13" name="TextBox 12"/>
           <p:cNvSpPr txBox="1"/>
           <p:nvPr/>
         </p:nvSpPr>
         <p:spPr>
           <a:xfrm>
-            <a:off x="3524250" y="2609850"/>
-            <a:ext cx="4762500" cy="1200329"/>
-          </a:xfrm>
-          <a:prstGeom prst="rect">
-            <a:avLst/>
-          </a:prstGeom>
-          <a:noFill/>
-        </p:spPr>
-        <p:txBody>
-          <a:bodyPr wrap="square" rtlCol="0">
-            <a:spAutoFit/>
-          </a:bodyPr>
-          <a:lstStyle/>
-          <a:p>
-            <a:pPr algn="ctr">
-              <a:lnSpc>
-                <a:spcPct val="200000"/>
-              </a:lnSpc>
-            </a:pPr>
-            <a:r>
-              <a:rPr lang="ko-KR" altLang="en-US" dirty="0" smtClean="0"/>
-              <a:t>값이 고정되었다는 의미</a:t>
-            </a:r>
-            <a:r>
-              <a:rPr lang="en-US" altLang="ko-KR" dirty="0" smtClean="0"/>
-              <a:t>!</a:t>
-            </a:r>
-          </a:p>
-          <a:p>
-            <a:pPr algn="ctr">
-              <a:lnSpc>
-                <a:spcPct val="200000"/>
-              </a:lnSpc>
-            </a:pPr>
-            <a:r>
-              <a:rPr lang="ko-KR" altLang="en-US" b="1" dirty="0" smtClean="0">
-                <a:solidFill>
-                  <a:srgbClr val="FFC000"/>
-                </a:solidFill>
-              </a:rPr>
-              <a:t>영원히 안 변함</a:t>
-            </a:r>
-            <a:endParaRPr lang="ko-KR" altLang="en-US" b="1" dirty="0">
-              <a:solidFill>
-                <a:srgbClr val="FFC000"/>
-              </a:solidFill>
-            </a:endParaRPr>
-          </a:p>
-        </p:txBody>
-      </p:sp>
-      <p:sp>
-        <p:nvSpPr>
-          <p:cNvPr id="3" name="TextBox 2"/>
-          <p:cNvSpPr txBox="1"/>
-          <p:nvPr/>
-        </p:nvSpPr>
-        <p:spPr>
-          <a:xfrm>
-            <a:off x="3381375" y="1143000"/>
-            <a:ext cx="5048250" cy="923330"/>
-          </a:xfrm>
-          <a:prstGeom prst="rect">
-            <a:avLst/>
-          </a:prstGeom>
-          <a:noFill/>
-        </p:spPr>
-        <p:txBody>
-          <a:bodyPr wrap="square" rtlCol="0">
-            <a:spAutoFit/>
-          </a:bodyPr>
-          <a:lstStyle/>
-          <a:p>
-            <a:pPr algn="ctr"/>
-            <a:r>
-              <a:rPr lang="en-US" altLang="ko-KR" sz="5400" b="1" dirty="0">
-                <a:solidFill>
-                  <a:srgbClr val="FFC000"/>
-                </a:solidFill>
-              </a:rPr>
-              <a:t>f</a:t>
-            </a:r>
-            <a:r>
-              <a:rPr lang="en-US" altLang="ko-KR" sz="5400" b="1" dirty="0" smtClean="0">
-                <a:solidFill>
-                  <a:srgbClr val="FFC000"/>
-                </a:solidFill>
-              </a:rPr>
-              <a:t>inal</a:t>
-            </a:r>
-            <a:endParaRPr lang="ko-KR" altLang="en-US" sz="5400" b="1" dirty="0">
-              <a:solidFill>
-                <a:srgbClr val="FFC000"/>
-              </a:solidFill>
-            </a:endParaRPr>
-          </a:p>
-        </p:txBody>
-      </p:sp>
-      <p:sp>
-        <p:nvSpPr>
-          <p:cNvPr id="4" name="TextBox 3"/>
-          <p:cNvSpPr txBox="1"/>
-          <p:nvPr/>
-        </p:nvSpPr>
-        <p:spPr>
-          <a:xfrm>
-            <a:off x="4701576" y="4230514"/>
-            <a:ext cx="2388795" cy="369332"/>
+            <a:off x="7381701" y="4645520"/>
+            <a:ext cx="779381" cy="276999"/>
           </a:xfrm>
           <a:prstGeom prst="rect">
             <a:avLst/>
@@ -5387,125 +5455,30 @@
           <a:lstStyle/>
           <a:p>
             <a:r>
-              <a:rPr lang="ko-KR" altLang="en-US" smtClean="0"/>
-              <a:t>바꾸려고하면</a:t>
-            </a:r>
-            <a:r>
-              <a:rPr lang="ko-KR" altLang="en-US" dirty="0" smtClean="0"/>
-              <a:t> </a:t>
-            </a:r>
-            <a:r>
-              <a:rPr lang="ko-KR" altLang="en-US" dirty="0" err="1" smtClean="0"/>
-              <a:t>에러남</a:t>
-            </a:r>
-            <a:endParaRPr lang="ko-KR" altLang="en-US" dirty="0"/>
-          </a:p>
-        </p:txBody>
-      </p:sp>
-      <p:sp>
-        <p:nvSpPr>
-          <p:cNvPr id="5" name="TextBox 4"/>
-          <p:cNvSpPr txBox="1"/>
-          <p:nvPr/>
-        </p:nvSpPr>
-        <p:spPr>
-          <a:xfrm>
-            <a:off x="2031775" y="5018901"/>
-            <a:ext cx="7728398" cy="923330"/>
-          </a:xfrm>
-          <a:prstGeom prst="rect">
-            <a:avLst/>
-          </a:prstGeom>
-          <a:noFill/>
-        </p:spPr>
-        <p:txBody>
-          <a:bodyPr wrap="none" rtlCol="0">
-            <a:spAutoFit/>
-          </a:bodyPr>
-          <a:lstStyle/>
-          <a:p>
-            <a:pPr algn="ctr">
-              <a:lnSpc>
-                <a:spcPct val="150000"/>
-              </a:lnSpc>
-            </a:pPr>
-            <a:r>
-              <a:rPr lang="en-US" altLang="ko-KR" dirty="0" smtClean="0"/>
-              <a:t>final </a:t>
-            </a:r>
-            <a:r>
-              <a:rPr lang="ko-KR" altLang="en-US" dirty="0" smtClean="0"/>
-              <a:t>변수는 클래스 변수로 쓰더라도</a:t>
-            </a:r>
-            <a:r>
-              <a:rPr lang="en-US" altLang="ko-KR" dirty="0" smtClean="0"/>
-              <a:t>, </a:t>
-            </a:r>
-            <a:r>
-              <a:rPr lang="ko-KR" altLang="en-US" dirty="0" smtClean="0">
-                <a:solidFill>
-                  <a:srgbClr val="FFC000"/>
-                </a:solidFill>
-              </a:rPr>
-              <a:t>유동적인 값이 아니기 때문에</a:t>
-            </a:r>
-            <a:endParaRPr lang="en-US" altLang="ko-KR" dirty="0" smtClean="0">
-              <a:solidFill>
-                <a:srgbClr val="FFC000"/>
-              </a:solidFill>
-            </a:endParaRPr>
-          </a:p>
-          <a:p>
-            <a:pPr algn="ctr">
-              <a:lnSpc>
-                <a:spcPct val="150000"/>
-              </a:lnSpc>
-            </a:pPr>
-            <a:r>
-              <a:rPr lang="ko-KR" altLang="en-US" b="1" dirty="0" smtClean="0">
-                <a:solidFill>
-                  <a:srgbClr val="FFC000"/>
-                </a:solidFill>
-              </a:rPr>
-              <a:t>일반적으로는 </a:t>
-            </a:r>
-            <a:r>
-              <a:rPr lang="en-US" altLang="ko-KR" b="1" dirty="0" smtClean="0">
-                <a:solidFill>
-                  <a:srgbClr val="FFC000"/>
-                </a:solidFill>
-              </a:rPr>
-              <a:t>static</a:t>
-            </a:r>
-            <a:r>
-              <a:rPr lang="ko-KR" altLang="en-US" b="1" dirty="0" smtClean="0">
-                <a:solidFill>
-                  <a:srgbClr val="FFC000"/>
-                </a:solidFill>
-              </a:rPr>
-              <a:t>처리 </a:t>
-            </a:r>
-            <a:r>
-              <a:rPr lang="ko-KR" altLang="en-US" dirty="0" smtClean="0"/>
-              <a:t>해야한다</a:t>
-            </a:r>
-            <a:r>
-              <a:rPr lang="en-US" altLang="ko-KR" dirty="0" smtClean="0"/>
-              <a:t>.</a:t>
-            </a:r>
+              <a:rPr lang="en-US" altLang="ko-KR" sz="1200" b="1" dirty="0" smtClean="0"/>
+              <a:t>console</a:t>
+            </a:r>
+            <a:endParaRPr lang="ko-KR" altLang="en-US" sz="1200" b="1" dirty="0"/>
           </a:p>
         </p:txBody>
       </p:sp>
     </p:spTree>
     <p:extLst>
       <p:ext uri="{BB962C8B-B14F-4D97-AF65-F5344CB8AC3E}">
-        <p14:creationId xmlns:p14="http://schemas.microsoft.com/office/powerpoint/2010/main" val="1672115347"/>
+        <p14:creationId xmlns:p14="http://schemas.microsoft.com/office/powerpoint/2010/main" val="3814981300"/>
       </p:ext>
     </p:extLst>
   </p:cSld>
   <p:clrMapOvr>
     <a:masterClrMapping/>
   </p:clrMapOvr>
+  <p:timing>
+    <p:tnLst>
+      <p:par>
+        <p:cTn id="1" dur="indefinite" restart="never" nodeType="tmRoot"/>
+      </p:par>
+    </p:tnLst>
+  </p:timing>
 </p:sld>
 </file>
 
@@ -5602,8 +5575,113 @@
         </p:nvSpPr>
         <p:spPr>
           <a:xfrm>
-            <a:off x="4376619" y="548640"/>
-            <a:ext cx="3438762" cy="1107996"/>
+            <a:off x="3524250" y="2609850"/>
+            <a:ext cx="4762500" cy="1200329"/>
+          </a:xfrm>
+          <a:prstGeom prst="rect">
+            <a:avLst/>
+          </a:prstGeom>
+          <a:noFill/>
+        </p:spPr>
+        <p:txBody>
+          <a:bodyPr wrap="square" rtlCol="0">
+            <a:spAutoFit/>
+          </a:bodyPr>
+          <a:lstStyle/>
+          <a:p>
+            <a:pPr algn="ctr">
+              <a:lnSpc>
+                <a:spcPct val="200000"/>
+              </a:lnSpc>
+            </a:pPr>
+            <a:r>
+              <a:rPr lang="ko-KR" altLang="en-US" dirty="0" smtClean="0"/>
+              <a:t>값이 고정되었다는 의미</a:t>
+            </a:r>
+            <a:r>
+              <a:rPr lang="en-US" altLang="ko-KR" dirty="0" smtClean="0"/>
+              <a:t>!</a:t>
+            </a:r>
+          </a:p>
+          <a:p>
+            <a:pPr algn="ctr">
+              <a:lnSpc>
+                <a:spcPct val="200000"/>
+              </a:lnSpc>
+            </a:pPr>
+            <a:r>
+              <a:rPr lang="ko-KR" altLang="en-US" b="1" dirty="0" smtClean="0">
+                <a:solidFill>
+                  <a:srgbClr val="FFC000"/>
+                </a:solidFill>
+              </a:rPr>
+              <a:t>영원히 안 변함</a:t>
+            </a:r>
+            <a:endParaRPr lang="ko-KR" altLang="en-US" b="1" dirty="0">
+              <a:solidFill>
+                <a:srgbClr val="FFC000"/>
+              </a:solidFill>
+            </a:endParaRPr>
+          </a:p>
+        </p:txBody>
+      </p:sp>
+      <p:sp>
+        <p:nvSpPr>
+          <p:cNvPr id="3" name="TextBox 2"/>
+          <p:cNvSpPr txBox="1"/>
+          <p:nvPr/>
+        </p:nvSpPr>
+        <p:spPr>
+          <a:xfrm>
+            <a:off x="3381375" y="1143000"/>
+            <a:ext cx="5048250" cy="923330"/>
+          </a:xfrm>
+          <a:prstGeom prst="rect">
+            <a:avLst/>
+          </a:prstGeom>
+          <a:noFill/>
+        </p:spPr>
+        <p:txBody>
+          <a:bodyPr wrap="square" rtlCol="0">
+            <a:spAutoFit/>
+          </a:bodyPr>
+          <a:lstStyle/>
+          <a:p>
+            <a:pPr algn="ctr"/>
+            <a:r>
+              <a:rPr lang="en-US" altLang="ko-KR" sz="5400" b="1" dirty="0">
+                <a:solidFill>
+                  <a:srgbClr val="FFC000"/>
+                </a:solidFill>
+              </a:rPr>
+              <a:t>f</a:t>
+            </a:r>
+            <a:r>
+              <a:rPr lang="en-US" altLang="ko-KR" sz="5400" b="1" dirty="0" smtClean="0">
+                <a:solidFill>
+                  <a:srgbClr val="FFC000"/>
+                </a:solidFill>
+              </a:rPr>
+              <a:t>inal</a:t>
+            </a:r>
+            <a:endParaRPr lang="ko-KR" altLang="en-US" sz="5400" b="1" dirty="0">
+              <a:solidFill>
+                <a:srgbClr val="FFC000"/>
+              </a:solidFill>
+            </a:endParaRPr>
+          </a:p>
+        </p:txBody>
+      </p:sp>
+      <p:sp>
+        <p:nvSpPr>
+          <p:cNvPr id="4" name="TextBox 3"/>
+          <p:cNvSpPr txBox="1"/>
+          <p:nvPr/>
+        </p:nvSpPr>
+        <p:spPr>
+          <a:xfrm>
+            <a:off x="4701576" y="4461251"/>
+            <a:ext cx="2515432" cy="369332"/>
           </a:xfrm>
           <a:prstGeom prst="rect">
             <a:avLst/>
@@ -5616,129 +5694,15 @@
           </a:bodyPr>
           <a:lstStyle/>
           <a:p>
-            <a:pPr algn="ctr"/>
-            <a:r>
-              <a:rPr lang="en-US" altLang="ko-KR" sz="6600" b="1" dirty="0" smtClean="0">
-                <a:solidFill>
-                  <a:srgbClr val="FFC000"/>
-                </a:solidFill>
-              </a:rPr>
-              <a:t>Static</a:t>
-            </a:r>
-            <a:r>
-              <a:rPr lang="en-US" altLang="ko-KR" sz="6600" b="1" dirty="0" smtClean="0"/>
-              <a:t>?</a:t>
-            </a:r>
-            <a:endParaRPr lang="ko-KR" altLang="en-US" sz="6600" b="1" dirty="0"/>
-          </a:p>
-        </p:txBody>
-      </p:sp>
-      <p:sp>
-        <p:nvSpPr>
-          <p:cNvPr id="3" name="TextBox 2"/>
-          <p:cNvSpPr txBox="1"/>
-          <p:nvPr/>
-        </p:nvSpPr>
-        <p:spPr>
-          <a:xfrm>
-            <a:off x="4637899" y="2566668"/>
-            <a:ext cx="2916183" cy="400110"/>
-          </a:xfrm>
-          <a:prstGeom prst="rect">
-            <a:avLst/>
-          </a:prstGeom>
-          <a:noFill/>
-        </p:spPr>
-        <p:txBody>
-          <a:bodyPr wrap="none" rtlCol="0">
-            <a:spAutoFit/>
-          </a:bodyPr>
-          <a:lstStyle/>
-          <a:p>
-            <a:r>
-              <a:rPr lang="ko-KR" altLang="en-US" sz="2000" dirty="0" smtClean="0"/>
-              <a:t>클래스와 </a:t>
-            </a:r>
-            <a:r>
-              <a:rPr lang="ko-KR" altLang="en-US" sz="2000" b="1" dirty="0" smtClean="0">
-                <a:solidFill>
-                  <a:srgbClr val="FFC000"/>
-                </a:solidFill>
-              </a:rPr>
-              <a:t>한 몸</a:t>
-            </a:r>
-            <a:r>
-              <a:rPr lang="ko-KR" altLang="en-US" sz="2000" dirty="0" smtClean="0"/>
-              <a:t>인 존재</a:t>
-            </a:r>
-            <a:endParaRPr lang="ko-KR" altLang="en-US" sz="2000" dirty="0"/>
-          </a:p>
-        </p:txBody>
-      </p:sp>
-      <p:sp>
-        <p:nvSpPr>
-          <p:cNvPr id="4" name="TextBox 3"/>
-          <p:cNvSpPr txBox="1"/>
-          <p:nvPr/>
-        </p:nvSpPr>
-        <p:spPr>
-          <a:xfrm>
-            <a:off x="1540926" y="4090298"/>
-            <a:ext cx="9110133" cy="400110"/>
-          </a:xfrm>
-          <a:prstGeom prst="rect">
-            <a:avLst/>
-          </a:prstGeom>
-          <a:noFill/>
-        </p:spPr>
-        <p:txBody>
-          <a:bodyPr wrap="square" rtlCol="0">
-            <a:spAutoFit/>
-          </a:bodyPr>
-          <a:lstStyle/>
-          <a:p>
-            <a:pPr algn="ctr"/>
-            <a:r>
-              <a:rPr lang="en-US" altLang="ko-KR" sz="2000" dirty="0" smtClean="0"/>
-              <a:t>Static </a:t>
-            </a:r>
-            <a:r>
-              <a:rPr lang="ko-KR" altLang="en-US" sz="2000" dirty="0" smtClean="0"/>
-              <a:t>변수의 정보가 변하면 해당 변수를 사용하는 </a:t>
-            </a:r>
-            <a:r>
-              <a:rPr lang="ko-KR" altLang="en-US" sz="2000" dirty="0" smtClean="0">
-                <a:solidFill>
-                  <a:srgbClr val="FFC000"/>
-                </a:solidFill>
-              </a:rPr>
-              <a:t>모든</a:t>
-            </a:r>
-            <a:r>
-              <a:rPr lang="ko-KR" altLang="en-US" sz="2000" dirty="0" smtClean="0"/>
-              <a:t> </a:t>
-            </a:r>
-            <a:r>
-              <a:rPr lang="ko-KR" altLang="en-US" sz="2000" dirty="0" smtClean="0">
-                <a:solidFill>
-                  <a:srgbClr val="FFC000"/>
-                </a:solidFill>
-              </a:rPr>
-              <a:t>곳</a:t>
-            </a:r>
-            <a:r>
-              <a:rPr lang="ko-KR" altLang="en-US" sz="2000" dirty="0" smtClean="0"/>
-              <a:t>에서</a:t>
-            </a:r>
-            <a:r>
-              <a:rPr lang="en-US" altLang="ko-KR" sz="2000" dirty="0"/>
-              <a:t> </a:t>
-            </a:r>
-            <a:r>
-              <a:rPr lang="ko-KR" altLang="en-US" sz="2000" dirty="0" smtClean="0"/>
-              <a:t>변함</a:t>
-            </a:r>
-            <a:endParaRPr lang="ko-KR" altLang="en-US" sz="2000" dirty="0"/>
+            <a:r>
+              <a:rPr lang="ko-KR" altLang="en-US" dirty="0" smtClean="0"/>
+              <a:t>바꾸려고 하면 </a:t>
+            </a:r>
+            <a:r>
+              <a:rPr lang="ko-KR" altLang="en-US" dirty="0" err="1" smtClean="0"/>
+              <a:t>에러남</a:t>
+            </a:r>
+            <a:endParaRPr lang="ko-KR" altLang="en-US" dirty="0"/>
           </a:p>
         </p:txBody>
       </p:sp>
@@ -5750,8 +5714,8 @@
         </p:nvSpPr>
         <p:spPr>
           <a:xfrm>
-            <a:off x="1540930" y="4746919"/>
-            <a:ext cx="9110133" cy="1015663"/>
+            <a:off x="2031775" y="5018901"/>
+            <a:ext cx="7728398" cy="923330"/>
           </a:xfrm>
           <a:prstGeom prst="rect">
             <a:avLst/>
@@ -5759,7 +5723,7 @@
           <a:noFill/>
         </p:spPr>
         <p:txBody>
-          <a:bodyPr wrap="square" rtlCol="0">
+          <a:bodyPr wrap="none" rtlCol="0">
             <a:spAutoFit/>
           </a:bodyPr>
           <a:lstStyle/>
@@ -5770,33 +5734,30 @@
               </a:lnSpc>
             </a:pPr>
             <a:r>
-              <a:rPr lang="en-US" altLang="ko-KR" sz="2000" dirty="0" smtClean="0"/>
-              <a:t>Static </a:t>
-            </a:r>
-            <a:r>
-              <a:rPr lang="ko-KR" altLang="en-US" sz="2000" dirty="0" err="1" smtClean="0"/>
-              <a:t>메소드는</a:t>
-            </a:r>
-            <a:r>
-              <a:rPr lang="ko-KR" altLang="en-US" sz="2000" dirty="0" smtClean="0"/>
-              <a:t> </a:t>
-            </a:r>
-            <a:r>
-              <a:rPr lang="ko-KR" altLang="en-US" sz="2000" dirty="0" smtClean="0">
-                <a:solidFill>
-                  <a:srgbClr val="FFC000"/>
-                </a:solidFill>
-              </a:rPr>
-              <a:t>별도의 호출</a:t>
-            </a:r>
-            <a:r>
-              <a:rPr lang="ko-KR" altLang="en-US" sz="2000" dirty="0" smtClean="0"/>
-              <a:t>없이 사용이 가능하다</a:t>
-            </a:r>
-            <a:r>
-              <a:rPr lang="en-US" altLang="ko-KR" sz="2000" dirty="0" smtClean="0"/>
-              <a:t>.</a:t>
-            </a:r>
+              <a:rPr lang="en-US" altLang="ko-KR" dirty="0" smtClean="0"/>
+              <a:t>final </a:t>
+            </a:r>
+            <a:r>
+              <a:rPr lang="ko-KR" altLang="en-US" dirty="0" smtClean="0"/>
+              <a:t>변수는 클래스 변수로 쓰더라도</a:t>
+            </a:r>
+            <a:r>
+              <a:rPr lang="en-US" altLang="ko-KR" dirty="0" smtClean="0"/>
+              <a:t>, </a:t>
+            </a:r>
+            <a:r>
+              <a:rPr lang="ko-KR" altLang="en-US" dirty="0" smtClean="0">
+                <a:solidFill>
+                  <a:srgbClr val="FFC000"/>
+                </a:solidFill>
+              </a:rPr>
+              <a:t>유동적인 값이 아니기 때문에</a:t>
+            </a:r>
+            <a:endParaRPr lang="en-US" altLang="ko-KR" dirty="0" smtClean="0">
+              <a:solidFill>
+                <a:srgbClr val="FFC000"/>
+              </a:solidFill>
+            </a:endParaRPr>
           </a:p>
           <a:p>
             <a:pPr algn="ctr">
@@ -5805,18 +5766,37 @@
               </a:lnSpc>
             </a:pPr>
             <a:r>
-              <a:rPr lang="en-US" altLang="ko-KR" sz="2000" dirty="0" smtClean="0"/>
-              <a:t>(</a:t>
-            </a:r>
-            <a:r>
-              <a:rPr lang="ko-KR" altLang="en-US" sz="2000" dirty="0" smtClean="0"/>
-              <a:t>클래스에 붙어있어서</a:t>
-            </a:r>
-            <a:r>
-              <a:rPr lang="en-US" altLang="ko-KR" sz="2000" dirty="0" smtClean="0"/>
-              <a:t>)</a:t>
-            </a:r>
-            <a:endParaRPr lang="ko-KR" altLang="en-US" sz="2000" dirty="0"/>
+              <a:rPr lang="ko-KR" altLang="en-US" b="1" dirty="0" smtClean="0">
+                <a:solidFill>
+                  <a:srgbClr val="FFC000"/>
+                </a:solidFill>
+              </a:rPr>
+              <a:t>일반적으로는 </a:t>
+            </a:r>
+            <a:r>
+              <a:rPr lang="en-US" altLang="ko-KR" b="1" dirty="0" smtClean="0">
+                <a:solidFill>
+                  <a:srgbClr val="FFC000"/>
+                </a:solidFill>
+              </a:rPr>
+              <a:t>static</a:t>
+            </a:r>
+            <a:r>
+              <a:rPr lang="ko-KR" altLang="en-US" b="1" dirty="0" smtClean="0">
+                <a:solidFill>
+                  <a:srgbClr val="FFC000"/>
+                </a:solidFill>
+              </a:rPr>
+              <a:t>처리 </a:t>
+            </a:r>
+            <a:r>
+              <a:rPr lang="ko-KR" altLang="en-US" dirty="0" smtClean="0"/>
+              <a:t>해야한다</a:t>
+            </a:r>
+            <a:r>
+              <a:rPr lang="en-US" altLang="ko-KR" dirty="0" smtClean="0"/>
+              <a:t>.</a:t>
+            </a:r>
           </a:p>
         </p:txBody>
       </p:sp>
@@ -5828,8 +5808,8 @@
         </p:nvSpPr>
         <p:spPr>
           <a:xfrm>
-            <a:off x="4182647" y="3310140"/>
-            <a:ext cx="3826689" cy="400110"/>
+            <a:off x="5363267" y="3903601"/>
+            <a:ext cx="1465466" cy="369332"/>
           </a:xfrm>
           <a:prstGeom prst="rect">
             <a:avLst/>
@@ -5844,42 +5824,31 @@
           <a:p>
             <a:pPr algn="ctr"/>
             <a:r>
-              <a:rPr lang="ko-KR" altLang="en-US" sz="2000" dirty="0" smtClean="0"/>
-              <a:t>변수와</a:t>
-            </a:r>
-            <a:r>
-              <a:rPr lang="en-US" altLang="ko-KR" sz="2000" dirty="0"/>
-              <a:t> </a:t>
-            </a:r>
-            <a:r>
-              <a:rPr lang="ko-KR" altLang="en-US" sz="2000" dirty="0" err="1" smtClean="0"/>
-              <a:t>메소드</a:t>
-            </a:r>
-            <a:r>
-              <a:rPr lang="ko-KR" altLang="en-US" sz="2000" dirty="0" smtClean="0"/>
-              <a:t> 두 종류가 있음</a:t>
-            </a:r>
-            <a:endParaRPr lang="ko-KR" altLang="en-US" sz="2000" dirty="0"/>
+              <a:rPr lang="ko-KR" altLang="en-US" b="1" dirty="0" smtClean="0">
+                <a:solidFill>
+                  <a:srgbClr val="FF5050"/>
+                </a:solidFill>
+              </a:rPr>
+              <a:t>초기화 필수</a:t>
+            </a:r>
+            <a:endParaRPr lang="ko-KR" altLang="en-US" b="1" dirty="0">
+              <a:solidFill>
+                <a:srgbClr val="FF5050"/>
+              </a:solidFill>
+            </a:endParaRPr>
           </a:p>
         </p:txBody>
       </p:sp>
     </p:spTree>
     <p:extLst>
       <p:ext uri="{BB962C8B-B14F-4D97-AF65-F5344CB8AC3E}">
-        <p14:creationId xmlns:p14="http://schemas.microsoft.com/office/powerpoint/2010/main" val="2670546615"/>
+        <p14:creationId xmlns:p14="http://schemas.microsoft.com/office/powerpoint/2010/main" val="1672115347"/>
       </p:ext>
     </p:extLst>
   </p:cSld>
   <p:clrMapOvr>
     <a:masterClrMapping/>
   </p:clrMapOvr>
-  <p:timing>
-    <p:tnLst>
-      <p:par>
-        <p:cTn id="1" dur="indefinite" restart="never" nodeType="tmRoot"/>
-      </p:par>
-    </p:tnLst>
-  </p:timing>
 </p:sld>
 </file>
 
@@ -5908,8 +5877,8 @@
         </p:nvSpPr>
         <p:spPr>
           <a:xfrm>
-            <a:off x="2284699" y="902601"/>
-            <a:ext cx="7622601" cy="1107996"/>
+            <a:off x="4376619" y="548640"/>
+            <a:ext cx="3438762" cy="1107996"/>
           </a:xfrm>
           <a:prstGeom prst="rect">
             <a:avLst/>
@@ -5932,12 +5901,8 @@
               <a:t>Static</a:t>
             </a:r>
             <a:r>
-              <a:rPr lang="en-US" altLang="ko-KR" sz="6600" b="1" dirty="0"/>
-              <a:t> </a:t>
-            </a:r>
-            <a:r>
               <a:rPr lang="en-US" altLang="ko-KR" sz="6600" b="1" dirty="0" smtClean="0"/>
-              <a:t>Variables</a:t>
+              <a:t>?</a:t>
             </a:r>
             <a:endParaRPr lang="ko-KR" altLang="en-US" sz="6600" b="1" dirty="0"/>
           </a:p>
@@ -5951,8 +5916,8 @@
         </p:nvSpPr>
         <p:spPr>
           <a:xfrm>
-            <a:off x="3712653" y="2643200"/>
-            <a:ext cx="4737194" cy="1887440"/>
+            <a:off x="4637899" y="2566668"/>
+            <a:ext cx="2916183" cy="400110"/>
           </a:xfrm>
           <a:prstGeom prst="rect">
             <a:avLst/>
@@ -5961,6 +5926,115 @@
         </p:spPr>
         <p:txBody>
           <a:bodyPr wrap="none" rtlCol="0">
+            <a:spAutoFit/>
+          </a:bodyPr>
+          <a:lstStyle/>
+          <a:p>
+            <a:r>
+              <a:rPr lang="ko-KR" altLang="en-US" sz="2000" dirty="0" smtClean="0"/>
+              <a:t>클래스와 </a:t>
+            </a:r>
+            <a:r>
+              <a:rPr lang="ko-KR" altLang="en-US" sz="2000" b="1" dirty="0" smtClean="0">
+                <a:solidFill>
+                  <a:srgbClr val="FFC000"/>
+                </a:solidFill>
+              </a:rPr>
+              <a:t>한 몸</a:t>
+            </a:r>
+            <a:r>
+              <a:rPr lang="ko-KR" altLang="en-US" sz="2000" dirty="0" smtClean="0"/>
+              <a:t>인 존재</a:t>
+            </a:r>
+            <a:endParaRPr lang="ko-KR" altLang="en-US" sz="2000" dirty="0"/>
+          </a:p>
+        </p:txBody>
+      </p:sp>
+      <p:sp>
+        <p:nvSpPr>
+          <p:cNvPr id="4" name="TextBox 3"/>
+          <p:cNvSpPr txBox="1"/>
+          <p:nvPr/>
+        </p:nvSpPr>
+        <p:spPr>
+          <a:xfrm>
+            <a:off x="1540926" y="4090298"/>
+            <a:ext cx="9110133" cy="400110"/>
+          </a:xfrm>
+          <a:prstGeom prst="rect">
+            <a:avLst/>
+          </a:prstGeom>
+          <a:noFill/>
+        </p:spPr>
+        <p:txBody>
+          <a:bodyPr wrap="square" rtlCol="0">
+            <a:spAutoFit/>
+          </a:bodyPr>
+          <a:lstStyle/>
+          <a:p>
+            <a:pPr algn="ctr"/>
+            <a:r>
+              <a:rPr lang="en-US" altLang="ko-KR" sz="2000" dirty="0" smtClean="0"/>
+              <a:t>Static </a:t>
+            </a:r>
+            <a:r>
+              <a:rPr lang="ko-KR" altLang="en-US" sz="2000" dirty="0" smtClean="0"/>
+              <a:t>변수의 정보가 변하면 해당 변수를 사용하는 </a:t>
+            </a:r>
+            <a:r>
+              <a:rPr lang="ko-KR" altLang="en-US" sz="2000" dirty="0" smtClean="0">
+                <a:solidFill>
+                  <a:srgbClr val="FFC000"/>
+                </a:solidFill>
+              </a:rPr>
+              <a:t>모든</a:t>
+            </a:r>
+            <a:r>
+              <a:rPr lang="ko-KR" altLang="en-US" sz="2000" dirty="0" smtClean="0"/>
+              <a:t> </a:t>
+            </a:r>
+            <a:r>
+              <a:rPr lang="ko-KR" altLang="en-US" sz="2000" dirty="0" smtClean="0">
+                <a:solidFill>
+                  <a:srgbClr val="FFC000"/>
+                </a:solidFill>
+              </a:rPr>
+              <a:t>곳</a:t>
+            </a:r>
+            <a:r>
+              <a:rPr lang="ko-KR" altLang="en-US" sz="2000" dirty="0" smtClean="0"/>
+              <a:t>에서</a:t>
+            </a:r>
+            <a:r>
+              <a:rPr lang="en-US" altLang="ko-KR" sz="2000" dirty="0"/>
+              <a:t> </a:t>
+            </a:r>
+            <a:r>
+              <a:rPr lang="ko-KR" altLang="en-US" sz="2000" dirty="0" smtClean="0"/>
+              <a:t>변함</a:t>
+            </a:r>
+            <a:endParaRPr lang="ko-KR" altLang="en-US" sz="2000" dirty="0"/>
+          </a:p>
+        </p:txBody>
+      </p:sp>
+      <p:sp>
+        <p:nvSpPr>
+          <p:cNvPr id="5" name="TextBox 4"/>
+          <p:cNvSpPr txBox="1"/>
+          <p:nvPr/>
+        </p:nvSpPr>
+        <p:spPr>
+          <a:xfrm>
+            <a:off x="1540930" y="4746919"/>
+            <a:ext cx="9110133" cy="502445"/>
+          </a:xfrm>
+          <a:prstGeom prst="rect">
+            <a:avLst/>
+          </a:prstGeom>
+          <a:noFill/>
+        </p:spPr>
+        <p:txBody>
+          <a:bodyPr wrap="square" rtlCol="0">
             <a:spAutoFit/>
           </a:bodyPr>
           <a:lstStyle/>
@@ -5971,106 +6045,47 @@
               </a:lnSpc>
             </a:pPr>
             <a:r>
-              <a:rPr lang="ko-KR" altLang="en-US" sz="2000" dirty="0" smtClean="0"/>
-              <a:t>한번 값이 변하면 모든 </a:t>
+              <a:rPr lang="en-US" altLang="ko-KR" sz="2000" dirty="0" smtClean="0"/>
+              <a:t>Static </a:t>
             </a:r>
             <a:r>
               <a:rPr lang="ko-KR" altLang="en-US" sz="2000" dirty="0" err="1" smtClean="0"/>
-              <a:t>메소드와</a:t>
+              <a:t>메소드는</a:t>
             </a:r>
             <a:r>
               <a:rPr lang="ko-KR" altLang="en-US" sz="2000" dirty="0" smtClean="0"/>
               <a:t> </a:t>
             </a:r>
-            <a:endParaRPr lang="en-US" altLang="ko-KR" sz="2000" dirty="0" smtClean="0"/>
-          </a:p>
-          <a:p>
-            <a:pPr algn="ctr">
-              <a:lnSpc>
-                <a:spcPct val="150000"/>
-              </a:lnSpc>
-            </a:pPr>
+            <a:r>
+              <a:rPr lang="ko-KR" altLang="en-US" sz="2000" dirty="0" smtClean="0">
+                <a:solidFill>
+                  <a:srgbClr val="FFC000"/>
+                </a:solidFill>
+              </a:rPr>
+              <a:t>별도의 호출</a:t>
+            </a:r>
             <a:r>
               <a:rPr lang="ko-KR" altLang="en-US" sz="2000" dirty="0" smtClean="0"/>
-              <a:t>모든 </a:t>
-            </a:r>
-            <a:r>
-              <a:rPr lang="ko-KR" altLang="en-US" sz="2000" dirty="0" smtClean="0"/>
-              <a:t>클래스 내부에서 </a:t>
-            </a:r>
-            <a:r>
-              <a:rPr lang="ko-KR" altLang="en-US" sz="2000" b="1" dirty="0" smtClean="0">
-                <a:solidFill>
-                  <a:srgbClr val="FFC000"/>
-                </a:solidFill>
-              </a:rPr>
-              <a:t>값이 공유</a:t>
-            </a:r>
-            <a:r>
-              <a:rPr lang="ko-KR" altLang="en-US" sz="2000" dirty="0" smtClean="0"/>
-              <a:t>된다</a:t>
+              <a:t>없이 사용이 가능하다</a:t>
             </a:r>
             <a:r>
               <a:rPr lang="en-US" altLang="ko-KR" sz="2000" dirty="0" smtClean="0"/>
               <a:t>.</a:t>
             </a:r>
-          </a:p>
-          <a:p>
-            <a:pPr algn="ctr">
-              <a:lnSpc>
-                <a:spcPct val="150000"/>
-              </a:lnSpc>
-            </a:pPr>
-            <a:endParaRPr lang="en-US" altLang="ko-KR" sz="2000" dirty="0"/>
-          </a:p>
-          <a:p>
-            <a:pPr algn="ctr">
-              <a:lnSpc>
-                <a:spcPct val="150000"/>
-              </a:lnSpc>
-            </a:pPr>
-            <a:r>
-              <a:rPr lang="ko-KR" altLang="en-US" sz="2000" b="1" dirty="0" smtClean="0">
-                <a:solidFill>
-                  <a:srgbClr val="FFC000"/>
-                </a:solidFill>
-              </a:rPr>
-              <a:t>별도의 호출이 </a:t>
-            </a:r>
-            <a:r>
-              <a:rPr lang="ko-KR" altLang="en-US" sz="2000" b="1" dirty="0" err="1" smtClean="0">
-                <a:solidFill>
-                  <a:srgbClr val="FFC000"/>
-                </a:solidFill>
-              </a:rPr>
-              <a:t>필요없다</a:t>
-            </a:r>
-            <a:r>
-              <a:rPr lang="en-US" altLang="ko-KR" sz="2000" b="1" dirty="0" smtClean="0">
-                <a:solidFill>
-                  <a:srgbClr val="FFC000"/>
-                </a:solidFill>
-              </a:rPr>
-              <a:t>.</a:t>
-            </a:r>
-            <a:endParaRPr lang="ko-KR" altLang="en-US" sz="2000" b="1" dirty="0">
-              <a:solidFill>
-                <a:srgbClr val="FFC000"/>
-              </a:solidFill>
-            </a:endParaRPr>
-          </a:p>
-        </p:txBody>
-      </p:sp>
-      <p:sp>
-        <p:nvSpPr>
-          <p:cNvPr id="4" name="TextBox 3"/>
+            <a:endParaRPr lang="ko-KR" altLang="en-US" sz="2000" dirty="0"/>
+          </a:p>
+        </p:txBody>
+      </p:sp>
+      <p:sp>
+        <p:nvSpPr>
+          <p:cNvPr id="6" name="TextBox 5"/>
           <p:cNvSpPr txBox="1"/>
           <p:nvPr/>
         </p:nvSpPr>
         <p:spPr>
           <a:xfrm>
-            <a:off x="3251790" y="4840085"/>
-            <a:ext cx="5658920" cy="923330"/>
+            <a:off x="4182647" y="3310140"/>
+            <a:ext cx="3826689" cy="400110"/>
           </a:xfrm>
           <a:prstGeom prst="rect">
             <a:avLst/>
@@ -6083,74 +6098,61 @@
           </a:bodyPr>
           <a:lstStyle/>
           <a:p>
-            <a:pPr algn="ctr">
-              <a:lnSpc>
-                <a:spcPct val="150000"/>
-              </a:lnSpc>
-            </a:pPr>
-            <a:r>
-              <a:rPr lang="ko-KR" altLang="en-US" dirty="0" smtClean="0"/>
-              <a:t>호출을 하려고 하면 </a:t>
-            </a:r>
-            <a:r>
-              <a:rPr lang="ko-KR" altLang="en-US" dirty="0" err="1" smtClean="0"/>
-              <a:t>에러남</a:t>
-            </a:r>
-            <a:r>
-              <a:rPr lang="en-US" altLang="ko-KR" dirty="0" smtClean="0"/>
-              <a:t>.</a:t>
-            </a:r>
-          </a:p>
-          <a:p>
-            <a:pPr algn="ctr">
-              <a:lnSpc>
-                <a:spcPct val="150000"/>
-              </a:lnSpc>
-            </a:pPr>
-            <a:r>
-              <a:rPr lang="en-US" altLang="ko-KR" dirty="0" smtClean="0"/>
-              <a:t>ex) </a:t>
-            </a:r>
-            <a:r>
-              <a:rPr lang="ko-KR" altLang="en-US" dirty="0" smtClean="0"/>
-              <a:t>인스턴스이름</a:t>
-            </a:r>
-            <a:r>
-              <a:rPr lang="en-US" altLang="ko-KR" dirty="0" smtClean="0"/>
-              <a:t>.static</a:t>
-            </a:r>
-            <a:r>
-              <a:rPr lang="ko-KR" altLang="en-US" dirty="0" err="1" smtClean="0"/>
-              <a:t>변수이름</a:t>
-            </a:r>
-            <a:r>
-              <a:rPr lang="ko-KR" altLang="en-US" dirty="0" smtClean="0"/>
+            <a:pPr algn="ctr"/>
+            <a:r>
+              <a:rPr lang="ko-KR" altLang="en-US" sz="2000" dirty="0" smtClean="0"/>
+              <a:t>변수와</a:t>
+            </a:r>
+            <a:r>
+              <a:rPr lang="en-US" altLang="ko-KR" sz="2000" dirty="0"/>
               <a:t> </a:t>
             </a:r>
             <a:r>
-              <a:rPr lang="en-US" altLang="ko-KR" dirty="0" smtClean="0"/>
-              <a:t>= 10; </a:t>
-            </a:r>
-            <a:r>
-              <a:rPr lang="en-US" altLang="ko-KR" b="1" dirty="0" smtClean="0">
-                <a:solidFill>
-                  <a:srgbClr val="FF5050"/>
-                </a:solidFill>
-              </a:rPr>
-              <a:t>(ERROR)</a:t>
-            </a:r>
-            <a:endParaRPr lang="ko-KR" altLang="en-US" b="1" dirty="0">
-              <a:solidFill>
-                <a:srgbClr val="FF5050"/>
-              </a:solidFill>
-            </a:endParaRPr>
+              <a:rPr lang="ko-KR" altLang="en-US" sz="2000" dirty="0" err="1" smtClean="0"/>
+              <a:t>메소드</a:t>
+            </a:r>
+            <a:r>
+              <a:rPr lang="ko-KR" altLang="en-US" sz="2000" dirty="0" smtClean="0"/>
+              <a:t> 두 종류가 있음</a:t>
+            </a:r>
+            <a:endParaRPr lang="ko-KR" altLang="en-US" sz="2000" dirty="0"/>
+          </a:p>
+        </p:txBody>
+      </p:sp>
+      <p:sp>
+        <p:nvSpPr>
+          <p:cNvPr id="7" name="TextBox 6"/>
+          <p:cNvSpPr txBox="1"/>
+          <p:nvPr/>
+        </p:nvSpPr>
+        <p:spPr>
+          <a:xfrm>
+            <a:off x="3470912" y="5542283"/>
+            <a:ext cx="5250155" cy="400110"/>
+          </a:xfrm>
+          <a:prstGeom prst="rect">
+            <a:avLst/>
+          </a:prstGeom>
+          <a:noFill/>
+        </p:spPr>
+        <p:txBody>
+          <a:bodyPr wrap="none" rtlCol="0">
+            <a:spAutoFit/>
+          </a:bodyPr>
+          <a:lstStyle/>
+          <a:p>
+            <a:r>
+              <a:rPr lang="ko-KR" altLang="en-US" sz="2000" dirty="0" smtClean="0"/>
+              <a:t>클래스에 붙어 있어서 클래스 멤버가 아님</a:t>
+            </a:r>
+            <a:endParaRPr lang="ko-KR" altLang="en-US" sz="2000" dirty="0"/>
           </a:p>
         </p:txBody>
       </p:sp>
     </p:spTree>
     <p:extLst>
       <p:ext uri="{BB962C8B-B14F-4D97-AF65-F5344CB8AC3E}">
-        <p14:creationId xmlns:p14="http://schemas.microsoft.com/office/powerpoint/2010/main" val="4259696574"/>
+        <p14:creationId xmlns:p14="http://schemas.microsoft.com/office/powerpoint/2010/main" val="2670546615"/>
       </p:ext>
     </p:extLst>
   </p:cSld>
@@ -6186,14 +6188,14 @@
       </p:grpSpPr>
       <p:sp>
         <p:nvSpPr>
-          <p:cNvPr id="3" name="TextBox 2"/>
+          <p:cNvPr id="2" name="TextBox 1"/>
           <p:cNvSpPr txBox="1"/>
           <p:nvPr/>
         </p:nvSpPr>
         <p:spPr>
           <a:xfrm>
-            <a:off x="4318330" y="125584"/>
-            <a:ext cx="3801041" cy="584775"/>
+            <a:off x="2284699" y="902601"/>
+            <a:ext cx="7622601" cy="1107996"/>
           </a:xfrm>
           <a:prstGeom prst="rect">
             <a:avLst/>
@@ -6206,155 +6208,47 @@
           </a:bodyPr>
           <a:lstStyle/>
           <a:p>
-            <a:r>
-              <a:rPr lang="en-US" altLang="ko-KR" sz="3200" b="1" dirty="0" smtClean="0">
-                <a:solidFill>
-                  <a:srgbClr val="FFC000"/>
-                </a:solidFill>
-              </a:rPr>
-              <a:t>Static variables</a:t>
-            </a:r>
-            <a:endParaRPr lang="ko-KR" altLang="en-US" sz="3200" b="1" dirty="0">
-              <a:solidFill>
-                <a:srgbClr val="FFC000"/>
-              </a:solidFill>
-            </a:endParaRPr>
-          </a:p>
-        </p:txBody>
-      </p:sp>
-      <p:pic>
-        <p:nvPicPr>
-          <p:cNvPr id="4" name="그림 3"/>
-          <p:cNvPicPr>
-            <a:picLocks noChangeAspect="1"/>
-          </p:cNvPicPr>
-          <p:nvPr/>
-        </p:nvPicPr>
-        <p:blipFill>
-          <a:blip r:embed="rId2"/>
-          <a:stretch>
-            <a:fillRect/>
-          </a:stretch>
-        </p:blipFill>
-        <p:spPr>
-          <a:xfrm>
-            <a:off x="726460" y="913570"/>
-            <a:ext cx="5134692" cy="5944430"/>
-          </a:xfrm>
-          <a:prstGeom prst="rect">
-            <a:avLst/>
-          </a:prstGeom>
-        </p:spPr>
-      </p:pic>
-      <p:pic>
-        <p:nvPicPr>
-          <p:cNvPr id="5" name="그림 4"/>
-          <p:cNvPicPr>
-            <a:picLocks noChangeAspect="1"/>
-          </p:cNvPicPr>
-          <p:nvPr/>
-        </p:nvPicPr>
-        <p:blipFill>
-          <a:blip r:embed="rId3"/>
-          <a:stretch>
-            <a:fillRect/>
-          </a:stretch>
-        </p:blipFill>
-        <p:spPr>
-          <a:xfrm>
-            <a:off x="5967412" y="6025001"/>
-            <a:ext cx="1135104" cy="357347"/>
-          </a:xfrm>
-          <a:prstGeom prst="rect">
-            <a:avLst/>
-          </a:prstGeom>
-        </p:spPr>
-      </p:pic>
-      <p:sp>
-        <p:nvSpPr>
-          <p:cNvPr id="6" name="직사각형 5"/>
-          <p:cNvSpPr/>
-          <p:nvPr/>
-        </p:nvSpPr>
-        <p:spPr>
-          <a:xfrm>
-            <a:off x="5861152" y="5891980"/>
-            <a:ext cx="1241364" cy="589935"/>
+            <a:pPr algn="ctr"/>
+            <a:r>
+              <a:rPr lang="en-US" altLang="ko-KR" sz="6600" b="1" dirty="0" smtClean="0">
+                <a:solidFill>
+                  <a:srgbClr val="FFC000"/>
+                </a:solidFill>
+              </a:rPr>
+              <a:t>Static</a:t>
+            </a:r>
+            <a:r>
+              <a:rPr lang="en-US" altLang="ko-KR" sz="6600" b="1" dirty="0"/>
+              <a:t> </a:t>
+            </a:r>
+            <a:r>
+              <a:rPr lang="en-US" altLang="ko-KR" sz="6600" b="1" dirty="0" smtClean="0"/>
+              <a:t>Variables</a:t>
+            </a:r>
+            <a:endParaRPr lang="ko-KR" altLang="en-US" sz="6600" b="1" dirty="0"/>
+          </a:p>
+        </p:txBody>
+      </p:sp>
+      <p:sp>
+        <p:nvSpPr>
+          <p:cNvPr id="3" name="TextBox 2"/>
+          <p:cNvSpPr txBox="1"/>
+          <p:nvPr/>
+        </p:nvSpPr>
+        <p:spPr>
+          <a:xfrm>
+            <a:off x="3712653" y="2643200"/>
+            <a:ext cx="4737194" cy="1887440"/>
           </a:xfrm>
           <a:prstGeom prst="rect">
             <a:avLst/>
           </a:prstGeom>
           <a:noFill/>
-          <a:ln w="57150">
-            <a:solidFill>
-              <a:schemeClr val="tx1"/>
-            </a:solidFill>
-          </a:ln>
-        </p:spPr>
-        <p:style>
-          <a:lnRef idx="2">
-            <a:schemeClr val="accent1">
-              <a:shade val="50000"/>
-            </a:schemeClr>
-          </a:lnRef>
-          <a:fillRef idx="1">
-            <a:schemeClr val="accent1"/>
-          </a:fillRef>
-          <a:effectRef idx="0">
-            <a:schemeClr val="accent1"/>
-          </a:effectRef>
-          <a:fontRef idx="minor">
-            <a:schemeClr val="lt1"/>
-          </a:fontRef>
-        </p:style>
-        <p:txBody>
-          <a:bodyPr rtlCol="0" anchor="ctr"/>
-          <a:lstStyle/>
-          <a:p>
-            <a:pPr algn="ctr"/>
-            <a:endParaRPr lang="ko-KR" altLang="en-US"/>
-          </a:p>
-        </p:txBody>
-      </p:sp>
-      <p:sp>
-        <p:nvSpPr>
-          <p:cNvPr id="7" name="직사각형 6"/>
-          <p:cNvSpPr/>
-          <p:nvPr/>
-        </p:nvSpPr>
-        <p:spPr>
-          <a:xfrm>
-            <a:off x="7698657" y="1069257"/>
-            <a:ext cx="3524865" cy="4822723"/>
-          </a:xfrm>
-          <a:prstGeom prst="rect">
-            <a:avLst/>
-          </a:prstGeom>
-          <a:noFill/>
-          <a:ln w="76200">
-            <a:solidFill>
-              <a:srgbClr val="FFC000"/>
-            </a:solidFill>
-          </a:ln>
-        </p:spPr>
-        <p:style>
-          <a:lnRef idx="2">
-            <a:schemeClr val="accent1">
-              <a:shade val="50000"/>
-            </a:schemeClr>
-          </a:lnRef>
-          <a:fillRef idx="1">
-            <a:schemeClr val="accent1"/>
-          </a:fillRef>
-          <a:effectRef idx="0">
-            <a:schemeClr val="accent1"/>
-          </a:effectRef>
-          <a:fontRef idx="minor">
-            <a:schemeClr val="lt1"/>
-          </a:fontRef>
-        </p:style>
-        <p:txBody>
-          <a:bodyPr rtlCol="0" anchor="ctr"/>
+        </p:spPr>
+        <p:txBody>
+          <a:bodyPr wrap="none" rtlCol="0">
+            <a:spAutoFit/>
+          </a:bodyPr>
           <a:lstStyle/>
           <a:p>
             <a:pPr algn="ctr">
@@ -6363,18 +6257,18 @@
               </a:lnSpc>
             </a:pPr>
             <a:r>
-              <a:rPr lang="ko-KR" altLang="en-US" sz="2000" dirty="0" smtClean="0">
-                <a:solidFill>
-                  <a:schemeClr val="tx1"/>
-                </a:solidFill>
-              </a:rPr>
-              <a:t>모든 객체는</a:t>
-            </a:r>
-            <a:endParaRPr lang="en-US" altLang="ko-KR" sz="2000" dirty="0">
-              <a:solidFill>
-                <a:schemeClr val="tx1"/>
-              </a:solidFill>
-            </a:endParaRPr>
+              <a:rPr lang="ko-KR" altLang="en-US" sz="2000" dirty="0" smtClean="0"/>
+              <a:t>한번 값이 변하면 모든 </a:t>
+            </a:r>
+            <a:r>
+              <a:rPr lang="ko-KR" altLang="en-US" sz="2000" dirty="0" err="1" smtClean="0"/>
+              <a:t>메소드와</a:t>
+            </a:r>
+            <a:r>
+              <a:rPr lang="ko-KR" altLang="en-US" sz="2000" dirty="0" smtClean="0"/>
+              <a:t> </a:t>
+            </a:r>
+            <a:endParaRPr lang="en-US" altLang="ko-KR" sz="2000" dirty="0" smtClean="0"/>
           </a:p>
           <a:p>
             <a:pPr algn="ctr">
@@ -6383,26 +6277,25 @@
               </a:lnSpc>
             </a:pPr>
             <a:r>
-              <a:rPr lang="en-US" altLang="ko-KR" sz="2000" dirty="0" smtClean="0">
-                <a:solidFill>
-                  <a:schemeClr val="tx1"/>
-                </a:solidFill>
-              </a:rPr>
-              <a:t>grader</a:t>
-            </a:r>
-            <a:r>
-              <a:rPr lang="ko-KR" altLang="en-US" sz="2000" dirty="0" smtClean="0">
-                <a:solidFill>
-                  <a:schemeClr val="tx1"/>
-                </a:solidFill>
-              </a:rPr>
-              <a:t>라는 값을 공유</a:t>
-            </a:r>
-            <a:endParaRPr lang="en-US" altLang="ko-KR" sz="2000" dirty="0" smtClean="0">
-              <a:solidFill>
-                <a:schemeClr val="tx1"/>
-              </a:solidFill>
-            </a:endParaRPr>
+              <a:rPr lang="ko-KR" altLang="en-US" sz="2000" dirty="0" smtClean="0"/>
+              <a:t>모든 클래스 내부에서 </a:t>
+            </a:r>
+            <a:r>
+              <a:rPr lang="ko-KR" altLang="en-US" sz="2000" b="1" dirty="0" smtClean="0">
+                <a:solidFill>
+                  <a:srgbClr val="FFC000"/>
+                </a:solidFill>
+              </a:rPr>
+              <a:t>값이 공유</a:t>
+            </a:r>
+            <a:r>
+              <a:rPr lang="ko-KR" altLang="en-US" sz="2000" dirty="0" smtClean="0"/>
+              <a:t>된다</a:t>
+            </a:r>
+            <a:r>
+              <a:rPr lang="en-US" altLang="ko-KR" sz="2000" dirty="0" smtClean="0"/>
+              <a:t>.</a:t>
+            </a:r>
           </a:p>
           <a:p>
             <a:pPr algn="ctr">
@@ -6410,14 +6303,7 @@
                 <a:spcPct val="150000"/>
               </a:lnSpc>
             </a:pPr>
-            <a:r>
-              <a:rPr lang="en-US" altLang="ko-KR" sz="2000" dirty="0" smtClean="0">
-                <a:solidFill>
-                  <a:schemeClr val="tx1"/>
-                </a:solidFill>
-              </a:rPr>
-              <a:t>(grader == 1)</a:t>
-            </a:r>
+            <a:endParaRPr lang="en-US" altLang="ko-KR" sz="2000" dirty="0"/>
           </a:p>
           <a:p>
             <a:pPr algn="ctr">
@@ -6425,12 +6311,59 @@
                 <a:spcPct val="150000"/>
               </a:lnSpc>
             </a:pPr>
-            <a:endParaRPr lang="en-US" altLang="ko-KR" sz="2000" dirty="0">
+            <a:r>
+              <a:rPr lang="ko-KR" altLang="en-US" sz="2000" b="1" dirty="0" smtClean="0">
+                <a:solidFill>
+                  <a:srgbClr val="FFC000"/>
+                </a:solidFill>
+              </a:rPr>
+              <a:t>별도의 호출이 </a:t>
+            </a:r>
+            <a:r>
+              <a:rPr lang="ko-KR" altLang="en-US" sz="2000" b="1" dirty="0" err="1" smtClean="0">
+                <a:solidFill>
+                  <a:srgbClr val="FFC000"/>
+                </a:solidFill>
+              </a:rPr>
+              <a:t>필요없다</a:t>
+            </a:r>
+            <a:r>
+              <a:rPr lang="en-US" altLang="ko-KR" sz="2000" b="1" dirty="0" smtClean="0">
+                <a:solidFill>
+                  <a:srgbClr val="FFC000"/>
+                </a:solidFill>
+              </a:rPr>
+              <a:t>.</a:t>
+            </a:r>
+            <a:endParaRPr lang="ko-KR" altLang="en-US" sz="2000" b="1" dirty="0">
               <a:solidFill>
-                <a:schemeClr val="tx1"/>
+                <a:srgbClr val="FFC000"/>
               </a:solidFill>
             </a:endParaRPr>
           </a:p>
+        </p:txBody>
+      </p:sp>
+      <p:sp>
+        <p:nvSpPr>
+          <p:cNvPr id="4" name="TextBox 3"/>
+          <p:cNvSpPr txBox="1"/>
+          <p:nvPr/>
+        </p:nvSpPr>
+        <p:spPr>
+          <a:xfrm>
+            <a:off x="3251790" y="4840085"/>
+            <a:ext cx="5658920" cy="923330"/>
+          </a:xfrm>
+          <a:prstGeom prst="rect">
+            <a:avLst/>
+          </a:prstGeom>
+          <a:noFill/>
+        </p:spPr>
+        <p:txBody>
+          <a:bodyPr wrap="none" rtlCol="0">
+            <a:spAutoFit/>
+          </a:bodyPr>
+          <a:lstStyle/>
           <a:p>
             <a:pPr algn="ctr">
               <a:lnSpc>
@@ -6438,26 +6371,17 @@
               </a:lnSpc>
             </a:pPr>
             <a:r>
-              <a:rPr lang="en-US" altLang="ko-KR" sz="2000" dirty="0" smtClean="0">
-                <a:solidFill>
-                  <a:schemeClr val="tx1"/>
-                </a:solidFill>
-              </a:rPr>
-              <a:t>at2023()</a:t>
-            </a:r>
-            <a:r>
-              <a:rPr lang="ko-KR" altLang="en-US" sz="2000" dirty="0" smtClean="0">
-                <a:solidFill>
-                  <a:schemeClr val="tx1"/>
-                </a:solidFill>
-              </a:rPr>
-              <a:t>에서</a:t>
-            </a:r>
-            <a:endParaRPr lang="en-US" altLang="ko-KR" sz="2000" dirty="0" smtClean="0">
-              <a:solidFill>
-                <a:schemeClr val="tx1"/>
-              </a:solidFill>
-            </a:endParaRPr>
+              <a:rPr lang="ko-KR" altLang="en-US" dirty="0" smtClean="0"/>
+              <a:t>호출을 하려고 하면 </a:t>
+            </a:r>
+            <a:r>
+              <a:rPr lang="ko-KR" altLang="en-US" dirty="0" err="1" smtClean="0"/>
+              <a:t>에러남</a:t>
+            </a:r>
+            <a:r>
+              <a:rPr lang="en-US" altLang="ko-KR" dirty="0" smtClean="0"/>
+              <a:t>.</a:t>
+            </a:r>
           </a:p>
           <a:p>
             <a:pPr algn="ctr">
@@ -6466,128 +6390,62 @@
               </a:lnSpc>
             </a:pPr>
             <a:r>
-              <a:rPr lang="en-US" altLang="ko-KR" sz="2000" dirty="0" smtClean="0">
-                <a:solidFill>
-                  <a:schemeClr val="tx1"/>
-                </a:solidFill>
-              </a:rPr>
-              <a:t>grader</a:t>
-            </a:r>
-            <a:r>
-              <a:rPr lang="ko-KR" altLang="en-US" sz="2000" dirty="0" smtClean="0">
-                <a:solidFill>
-                  <a:schemeClr val="tx1"/>
-                </a:solidFill>
-              </a:rPr>
-              <a:t>를 변경하면</a:t>
-            </a:r>
-            <a:r>
-              <a:rPr lang="en-US" altLang="ko-KR" sz="2000" dirty="0" smtClean="0">
-                <a:solidFill>
-                  <a:schemeClr val="tx1"/>
-                </a:solidFill>
-              </a:rPr>
-              <a:t>,</a:t>
-            </a:r>
-          </a:p>
-          <a:p>
-            <a:pPr algn="ctr">
-              <a:lnSpc>
-                <a:spcPct val="150000"/>
-              </a:lnSpc>
-            </a:pPr>
-            <a:r>
-              <a:rPr lang="ko-KR" altLang="en-US" sz="2000" dirty="0" smtClean="0">
-                <a:solidFill>
-                  <a:schemeClr val="tx1"/>
-                </a:solidFill>
-              </a:rPr>
-              <a:t>모든 객체에서 변경됨</a:t>
-            </a:r>
-            <a:endParaRPr lang="en-US" altLang="ko-KR" sz="2000" dirty="0" smtClean="0">
+              <a:rPr lang="en-US" altLang="ko-KR" dirty="0" smtClean="0"/>
+              <a:t>ex) </a:t>
+            </a:r>
+            <a:r>
+              <a:rPr lang="ko-KR" altLang="en-US" dirty="0" smtClean="0"/>
+              <a:t>인스턴스이름</a:t>
+            </a:r>
+            <a:r>
+              <a:rPr lang="en-US" altLang="ko-KR" dirty="0" smtClean="0"/>
+              <a:t>.static</a:t>
+            </a:r>
+            <a:r>
+              <a:rPr lang="ko-KR" altLang="en-US" dirty="0" err="1" smtClean="0"/>
+              <a:t>변수이름</a:t>
+            </a:r>
+            <a:r>
+              <a:rPr lang="ko-KR" altLang="en-US" dirty="0" smtClean="0"/>
+              <a:t> </a:t>
+            </a:r>
+            <a:r>
+              <a:rPr lang="en-US" altLang="ko-KR" dirty="0" smtClean="0"/>
+              <a:t>= 10; </a:t>
+            </a:r>
+            <a:r>
+              <a:rPr lang="en-US" altLang="ko-KR" b="1" dirty="0" smtClean="0">
+                <a:solidFill>
+                  <a:srgbClr val="FF5050"/>
+                </a:solidFill>
+              </a:rPr>
+              <a:t>(ERROR)</a:t>
+            </a:r>
+            <a:endParaRPr lang="ko-KR" altLang="en-US" b="1" dirty="0">
               <a:solidFill>
-                <a:schemeClr val="tx1"/>
+                <a:srgbClr val="FF5050"/>
               </a:solidFill>
             </a:endParaRPr>
-          </a:p>
-          <a:p>
-            <a:pPr algn="ctr">
-              <a:lnSpc>
-                <a:spcPct val="150000"/>
-              </a:lnSpc>
-            </a:pPr>
-            <a:r>
-              <a:rPr lang="en-US" altLang="ko-KR" sz="2000" dirty="0" smtClean="0">
-                <a:solidFill>
-                  <a:schemeClr val="tx1"/>
-                </a:solidFill>
-              </a:rPr>
-              <a:t>(</a:t>
-            </a:r>
-            <a:r>
-              <a:rPr lang="en-US" altLang="ko-KR" sz="2000" dirty="0">
-                <a:solidFill>
-                  <a:schemeClr val="tx1"/>
-                </a:solidFill>
-              </a:rPr>
-              <a:t>grader == </a:t>
-            </a:r>
-            <a:r>
-              <a:rPr lang="en-US" altLang="ko-KR" sz="2000" dirty="0" smtClean="0">
-                <a:solidFill>
-                  <a:schemeClr val="tx1"/>
-                </a:solidFill>
-              </a:rPr>
-              <a:t>2)</a:t>
-            </a:r>
-            <a:endParaRPr lang="en-US" altLang="ko-KR" sz="2000" dirty="0">
-              <a:solidFill>
-                <a:schemeClr val="tx1"/>
-              </a:solidFill>
-            </a:endParaRPr>
-          </a:p>
-        </p:txBody>
-      </p:sp>
-      <p:sp>
-        <p:nvSpPr>
-          <p:cNvPr id="8" name="TextBox 7"/>
-          <p:cNvSpPr txBox="1"/>
-          <p:nvPr/>
-        </p:nvSpPr>
-        <p:spPr>
-          <a:xfrm>
-            <a:off x="5755583" y="5646396"/>
-            <a:ext cx="779381" cy="276999"/>
-          </a:xfrm>
-          <a:prstGeom prst="rect">
-            <a:avLst/>
-          </a:prstGeom>
-          <a:noFill/>
-        </p:spPr>
-        <p:txBody>
-          <a:bodyPr wrap="none" rtlCol="0">
-            <a:spAutoFit/>
-          </a:bodyPr>
-          <a:lstStyle/>
-          <a:p>
-            <a:r>
-              <a:rPr lang="en-US" altLang="ko-KR" sz="1200" b="1" dirty="0" smtClean="0"/>
-              <a:t>console</a:t>
-            </a:r>
-            <a:endParaRPr lang="ko-KR" altLang="en-US" sz="1200" b="1" dirty="0"/>
           </a:p>
         </p:txBody>
       </p:sp>
     </p:spTree>
     <p:extLst>
       <p:ext uri="{BB962C8B-B14F-4D97-AF65-F5344CB8AC3E}">
-        <p14:creationId xmlns:p14="http://schemas.microsoft.com/office/powerpoint/2010/main" val="1021291754"/>
+        <p14:creationId xmlns:p14="http://schemas.microsoft.com/office/powerpoint/2010/main" val="4259696574"/>
       </p:ext>
     </p:extLst>
   </p:cSld>
   <p:clrMapOvr>
     <a:masterClrMapping/>
   </p:clrMapOvr>
+  <p:timing>
+    <p:tnLst>
+      <p:par>
+        <p:cTn id="1" dur="indefinite" restart="never" nodeType="tmRoot"/>
+      </p:par>
+    </p:tnLst>
+  </p:timing>
 </p:sld>
 </file>
 
@@ -6610,6 +6468,430 @@
       </p:grpSpPr>
       <p:sp>
         <p:nvSpPr>
+          <p:cNvPr id="3" name="TextBox 2"/>
+          <p:cNvSpPr txBox="1"/>
+          <p:nvPr/>
+        </p:nvSpPr>
+        <p:spPr>
+          <a:xfrm>
+            <a:off x="4318330" y="125584"/>
+            <a:ext cx="3801041" cy="584775"/>
+          </a:xfrm>
+          <a:prstGeom prst="rect">
+            <a:avLst/>
+          </a:prstGeom>
+          <a:noFill/>
+        </p:spPr>
+        <p:txBody>
+          <a:bodyPr wrap="none" rtlCol="0">
+            <a:spAutoFit/>
+          </a:bodyPr>
+          <a:lstStyle/>
+          <a:p>
+            <a:r>
+              <a:rPr lang="en-US" altLang="ko-KR" sz="3200" b="1" dirty="0" smtClean="0">
+                <a:solidFill>
+                  <a:srgbClr val="FFC000"/>
+                </a:solidFill>
+              </a:rPr>
+              <a:t>Static variables</a:t>
+            </a:r>
+            <a:endParaRPr lang="ko-KR" altLang="en-US" sz="3200" b="1" dirty="0">
+              <a:solidFill>
+                <a:srgbClr val="FFC000"/>
+              </a:solidFill>
+            </a:endParaRPr>
+          </a:p>
+        </p:txBody>
+      </p:sp>
+      <p:pic>
+        <p:nvPicPr>
+          <p:cNvPr id="4" name="그림 3"/>
+          <p:cNvPicPr>
+            <a:picLocks noChangeAspect="1"/>
+          </p:cNvPicPr>
+          <p:nvPr/>
+        </p:nvPicPr>
+        <p:blipFill>
+          <a:blip r:embed="rId2"/>
+          <a:stretch>
+            <a:fillRect/>
+          </a:stretch>
+        </p:blipFill>
+        <p:spPr>
+          <a:xfrm>
+            <a:off x="726460" y="913570"/>
+            <a:ext cx="5134692" cy="5944430"/>
+          </a:xfrm>
+          <a:prstGeom prst="rect">
+            <a:avLst/>
+          </a:prstGeom>
+        </p:spPr>
+      </p:pic>
+      <p:pic>
+        <p:nvPicPr>
+          <p:cNvPr id="5" name="그림 4"/>
+          <p:cNvPicPr>
+            <a:picLocks noChangeAspect="1"/>
+          </p:cNvPicPr>
+          <p:nvPr/>
+        </p:nvPicPr>
+        <p:blipFill>
+          <a:blip r:embed="rId3"/>
+          <a:stretch>
+            <a:fillRect/>
+          </a:stretch>
+        </p:blipFill>
+        <p:spPr>
+          <a:xfrm>
+            <a:off x="5967412" y="6025001"/>
+            <a:ext cx="1135104" cy="357347"/>
+          </a:xfrm>
+          <a:prstGeom prst="rect">
+            <a:avLst/>
+          </a:prstGeom>
+        </p:spPr>
+      </p:pic>
+      <p:sp>
+        <p:nvSpPr>
+          <p:cNvPr id="6" name="직사각형 5"/>
+          <p:cNvSpPr/>
+          <p:nvPr/>
+        </p:nvSpPr>
+        <p:spPr>
+          <a:xfrm>
+            <a:off x="5861152" y="5891980"/>
+            <a:ext cx="1241364" cy="589935"/>
+          </a:xfrm>
+          <a:prstGeom prst="rect">
+            <a:avLst/>
+          </a:prstGeom>
+          <a:noFill/>
+          <a:ln w="57150">
+            <a:solidFill>
+              <a:schemeClr val="tx1"/>
+            </a:solidFill>
+          </a:ln>
+        </p:spPr>
+        <p:style>
+          <a:lnRef idx="2">
+            <a:schemeClr val="accent1">
+              <a:shade val="50000"/>
+            </a:schemeClr>
+          </a:lnRef>
+          <a:fillRef idx="1">
+            <a:schemeClr val="accent1"/>
+          </a:fillRef>
+          <a:effectRef idx="0">
+            <a:schemeClr val="accent1"/>
+          </a:effectRef>
+          <a:fontRef idx="minor">
+            <a:schemeClr val="lt1"/>
+          </a:fontRef>
+        </p:style>
+        <p:txBody>
+          <a:bodyPr rtlCol="0" anchor="ctr"/>
+          <a:lstStyle/>
+          <a:p>
+            <a:pPr algn="ctr"/>
+            <a:endParaRPr lang="ko-KR" altLang="en-US"/>
+          </a:p>
+        </p:txBody>
+      </p:sp>
+      <p:sp>
+        <p:nvSpPr>
+          <p:cNvPr id="7" name="직사각형 6"/>
+          <p:cNvSpPr/>
+          <p:nvPr/>
+        </p:nvSpPr>
+        <p:spPr>
+          <a:xfrm>
+            <a:off x="7698657" y="1069257"/>
+            <a:ext cx="3524865" cy="4822723"/>
+          </a:xfrm>
+          <a:prstGeom prst="rect">
+            <a:avLst/>
+          </a:prstGeom>
+          <a:noFill/>
+          <a:ln w="76200">
+            <a:solidFill>
+              <a:srgbClr val="FFC000"/>
+            </a:solidFill>
+          </a:ln>
+        </p:spPr>
+        <p:style>
+          <a:lnRef idx="2">
+            <a:schemeClr val="accent1">
+              <a:shade val="50000"/>
+            </a:schemeClr>
+          </a:lnRef>
+          <a:fillRef idx="1">
+            <a:schemeClr val="accent1"/>
+          </a:fillRef>
+          <a:effectRef idx="0">
+            <a:schemeClr val="accent1"/>
+          </a:effectRef>
+          <a:fontRef idx="minor">
+            <a:schemeClr val="lt1"/>
+          </a:fontRef>
+        </p:style>
+        <p:txBody>
+          <a:bodyPr rtlCol="0" anchor="ctr"/>
+          <a:lstStyle/>
+          <a:p>
+            <a:pPr algn="ctr">
+              <a:lnSpc>
+                <a:spcPct val="150000"/>
+              </a:lnSpc>
+            </a:pPr>
+            <a:r>
+              <a:rPr lang="ko-KR" altLang="en-US" sz="2000" dirty="0" smtClean="0">
+                <a:solidFill>
+                  <a:schemeClr val="tx1"/>
+                </a:solidFill>
+              </a:rPr>
+              <a:t>모든 객체는</a:t>
+            </a:r>
+            <a:endParaRPr lang="en-US" altLang="ko-KR" sz="2000" dirty="0">
+              <a:solidFill>
+                <a:schemeClr val="tx1"/>
+              </a:solidFill>
+            </a:endParaRPr>
+          </a:p>
+          <a:p>
+            <a:pPr algn="ctr">
+              <a:lnSpc>
+                <a:spcPct val="150000"/>
+              </a:lnSpc>
+            </a:pPr>
+            <a:r>
+              <a:rPr lang="en-US" altLang="ko-KR" sz="2000" dirty="0" smtClean="0">
+                <a:solidFill>
+                  <a:schemeClr val="tx1"/>
+                </a:solidFill>
+              </a:rPr>
+              <a:t>grader</a:t>
+            </a:r>
+            <a:r>
+              <a:rPr lang="ko-KR" altLang="en-US" sz="2000" dirty="0" smtClean="0">
+                <a:solidFill>
+                  <a:schemeClr val="tx1"/>
+                </a:solidFill>
+              </a:rPr>
+              <a:t>라는 값을 공유</a:t>
+            </a:r>
+            <a:endParaRPr lang="en-US" altLang="ko-KR" sz="2000" dirty="0" smtClean="0">
+              <a:solidFill>
+                <a:schemeClr val="tx1"/>
+              </a:solidFill>
+            </a:endParaRPr>
+          </a:p>
+          <a:p>
+            <a:pPr algn="ctr">
+              <a:lnSpc>
+                <a:spcPct val="150000"/>
+              </a:lnSpc>
+            </a:pPr>
+            <a:r>
+              <a:rPr lang="en-US" altLang="ko-KR" sz="2000" dirty="0" smtClean="0">
+                <a:solidFill>
+                  <a:schemeClr val="tx1"/>
+                </a:solidFill>
+              </a:rPr>
+              <a:t>(grader == 1)</a:t>
+            </a:r>
+          </a:p>
+          <a:p>
+            <a:pPr algn="ctr">
+              <a:lnSpc>
+                <a:spcPct val="150000"/>
+              </a:lnSpc>
+            </a:pPr>
+            <a:endParaRPr lang="en-US" altLang="ko-KR" sz="2000" dirty="0">
+              <a:solidFill>
+                <a:schemeClr val="tx1"/>
+              </a:solidFill>
+            </a:endParaRPr>
+          </a:p>
+          <a:p>
+            <a:pPr algn="ctr">
+              <a:lnSpc>
+                <a:spcPct val="150000"/>
+              </a:lnSpc>
+            </a:pPr>
+            <a:r>
+              <a:rPr lang="en-US" altLang="ko-KR" sz="2000" dirty="0" smtClean="0">
+                <a:solidFill>
+                  <a:schemeClr val="tx1"/>
+                </a:solidFill>
+              </a:rPr>
+              <a:t>at2023()</a:t>
+            </a:r>
+            <a:r>
+              <a:rPr lang="ko-KR" altLang="en-US" sz="2000" dirty="0" smtClean="0">
+                <a:solidFill>
+                  <a:schemeClr val="tx1"/>
+                </a:solidFill>
+              </a:rPr>
+              <a:t>에서</a:t>
+            </a:r>
+            <a:endParaRPr lang="en-US" altLang="ko-KR" sz="2000" dirty="0" smtClean="0">
+              <a:solidFill>
+                <a:schemeClr val="tx1"/>
+              </a:solidFill>
+            </a:endParaRPr>
+          </a:p>
+          <a:p>
+            <a:pPr algn="ctr">
+              <a:lnSpc>
+                <a:spcPct val="150000"/>
+              </a:lnSpc>
+            </a:pPr>
+            <a:r>
+              <a:rPr lang="en-US" altLang="ko-KR" sz="2000" dirty="0" smtClean="0">
+                <a:solidFill>
+                  <a:schemeClr val="tx1"/>
+                </a:solidFill>
+              </a:rPr>
+              <a:t>grader</a:t>
+            </a:r>
+            <a:r>
+              <a:rPr lang="ko-KR" altLang="en-US" sz="2000" dirty="0" smtClean="0">
+                <a:solidFill>
+                  <a:schemeClr val="tx1"/>
+                </a:solidFill>
+              </a:rPr>
+              <a:t>를 변경하면</a:t>
+            </a:r>
+            <a:r>
+              <a:rPr lang="en-US" altLang="ko-KR" sz="2000" dirty="0" smtClean="0">
+                <a:solidFill>
+                  <a:schemeClr val="tx1"/>
+                </a:solidFill>
+              </a:rPr>
+              <a:t>,</a:t>
+            </a:r>
+          </a:p>
+          <a:p>
+            <a:pPr algn="ctr">
+              <a:lnSpc>
+                <a:spcPct val="150000"/>
+              </a:lnSpc>
+            </a:pPr>
+            <a:r>
+              <a:rPr lang="ko-KR" altLang="en-US" sz="2000" dirty="0" smtClean="0">
+                <a:solidFill>
+                  <a:schemeClr val="tx1"/>
+                </a:solidFill>
+              </a:rPr>
+              <a:t>모든 객체에서 변경됨</a:t>
+            </a:r>
+            <a:endParaRPr lang="en-US" altLang="ko-KR" sz="2000" dirty="0" smtClean="0">
+              <a:solidFill>
+                <a:schemeClr val="tx1"/>
+              </a:solidFill>
+            </a:endParaRPr>
+          </a:p>
+          <a:p>
+            <a:pPr algn="ctr">
+              <a:lnSpc>
+                <a:spcPct val="150000"/>
+              </a:lnSpc>
+            </a:pPr>
+            <a:r>
+              <a:rPr lang="en-US" altLang="ko-KR" sz="2000" dirty="0" smtClean="0">
+                <a:solidFill>
+                  <a:schemeClr val="tx1"/>
+                </a:solidFill>
+              </a:rPr>
+              <a:t>(</a:t>
+            </a:r>
+            <a:r>
+              <a:rPr lang="en-US" altLang="ko-KR" sz="2000" dirty="0">
+                <a:solidFill>
+                  <a:schemeClr val="tx1"/>
+                </a:solidFill>
+              </a:rPr>
+              <a:t>grader == </a:t>
+            </a:r>
+            <a:r>
+              <a:rPr lang="en-US" altLang="ko-KR" sz="2000" dirty="0" smtClean="0">
+                <a:solidFill>
+                  <a:schemeClr val="tx1"/>
+                </a:solidFill>
+              </a:rPr>
+              <a:t>2)</a:t>
+            </a:r>
+            <a:endParaRPr lang="en-US" altLang="ko-KR" sz="2000" dirty="0">
+              <a:solidFill>
+                <a:schemeClr val="tx1"/>
+              </a:solidFill>
+            </a:endParaRPr>
+          </a:p>
+        </p:txBody>
+      </p:sp>
+      <p:sp>
+        <p:nvSpPr>
+          <p:cNvPr id="8" name="TextBox 7"/>
+          <p:cNvSpPr txBox="1"/>
+          <p:nvPr/>
+        </p:nvSpPr>
+        <p:spPr>
+          <a:xfrm>
+            <a:off x="5755583" y="5646396"/>
+            <a:ext cx="779381" cy="276999"/>
+          </a:xfrm>
+          <a:prstGeom prst="rect">
+            <a:avLst/>
+          </a:prstGeom>
+          <a:noFill/>
+        </p:spPr>
+        <p:txBody>
+          <a:bodyPr wrap="none" rtlCol="0">
+            <a:spAutoFit/>
+          </a:bodyPr>
+          <a:lstStyle/>
+          <a:p>
+            <a:r>
+              <a:rPr lang="en-US" altLang="ko-KR" sz="1200" b="1" dirty="0" smtClean="0"/>
+              <a:t>console</a:t>
+            </a:r>
+            <a:endParaRPr lang="ko-KR" altLang="en-US" sz="1200" b="1" dirty="0"/>
+          </a:p>
+        </p:txBody>
+      </p:sp>
+    </p:spTree>
+    <p:extLst>
+      <p:ext uri="{BB962C8B-B14F-4D97-AF65-F5344CB8AC3E}">
+        <p14:creationId xmlns:p14="http://schemas.microsoft.com/office/powerpoint/2010/main" val="1021291754"/>
+      </p:ext>
+    </p:extLst>
+  </p:cSld>
+  <p:clrMapOvr>
+    <a:masterClrMapping/>
+  </p:clrMapOvr>
+</p:sld>
+</file>
+
+<file path=ppt/slides/slide24.xml><?xml version="1.0" encoding="utf-8"?>
+<p:sld xmlns:a="http://schemas.openxmlformats.org/drawingml/2006/main" xmlns:r="http://schemas.openxmlformats.org/officeDocument/2006/relationships" xmlns:p="http://schemas.openxmlformats.org/presentationml/2006/main">
+  <p:cSld>
+    <p:spTree>
+      <p:nvGrpSpPr>
+        <p:cNvPr id="1" name=""/>
+        <p:cNvGrpSpPr/>
+        <p:nvPr/>
+      </p:nvGrpSpPr>
+      <p:grpSpPr>
+        <a:xfrm>
+          <a:off x="0" y="0"/>
+          <a:ext cx="0" cy="0"/>
+          <a:chOff x="0" y="0"/>
+          <a:chExt cx="0" cy="0"/>
+        </a:xfrm>
+      </p:grpSpPr>
+      <p:sp>
+        <p:nvSpPr>
           <p:cNvPr id="2" name="TextBox 1"/>
           <p:cNvSpPr txBox="1"/>
           <p:nvPr/>
@@ -6747,23 +7029,7 @@
                   <a:srgbClr val="FF5050"/>
                 </a:solidFill>
               </a:rPr>
-              <a:t>클래스 </a:t>
-            </a:r>
-            <a:r>
-              <a:rPr lang="ko-KR" altLang="en-US" sz="2000" b="1" dirty="0" smtClean="0">
-                <a:solidFill>
-                  <a:srgbClr val="FF5050"/>
-                </a:solidFill>
-              </a:rPr>
-              <a:t>변수를 </a:t>
-            </a:r>
-            <a:r>
-              <a:rPr lang="ko-KR" altLang="en-US" sz="2000" b="1" dirty="0" smtClean="0">
-                <a:solidFill>
-                  <a:srgbClr val="FF5050"/>
-                </a:solidFill>
-              </a:rPr>
-              <a:t>다루지 않으면 </a:t>
+              <a:t>클래스 변수를 다루지 않으면 </a:t>
             </a:r>
             <a:r>
               <a:rPr lang="ko-KR" altLang="en-US" sz="2000" b="1" dirty="0" smtClean="0">
@@ -6899,7 +7165,7 @@
 </p:sld>
 </file>
 
-<file path=ppt/slides/slide24.xml><?xml version="1.0" encoding="utf-8"?>
+<file path=ppt/slides/slide25.xml><?xml version="1.0" encoding="utf-8"?>
 <p:sld xmlns:a="http://schemas.openxmlformats.org/drawingml/2006/main" xmlns:r="http://schemas.openxmlformats.org/officeDocument/2006/relationships" xmlns:p="http://schemas.openxmlformats.org/presentationml/2006/main">
   <p:cSld>
     <p:spTree>
@@ -6969,15 +7235,7 @@
                   <a:srgbClr val="FFC000"/>
                 </a:solidFill>
               </a:rPr>
-              <a:t>Static </a:t>
-            </a:r>
-            <a:r>
-              <a:rPr lang="en-US" altLang="ko-KR" sz="3200" b="1" dirty="0" smtClean="0">
-                <a:solidFill>
-                  <a:srgbClr val="FFC000"/>
-                </a:solidFill>
-              </a:rPr>
-              <a:t>Method</a:t>
+              <a:t>Static Method</a:t>
             </a:r>
             <a:endParaRPr lang="ko-KR" altLang="en-US" sz="3200" b="1" dirty="0">
               <a:solidFill>
@@ -7697,339 +7955,300 @@
       </p:sp>
       <p:sp>
         <p:nvSpPr>
-          <p:cNvPr id="3" name="직사각형 2"/>
-          <p:cNvSpPr/>
-          <p:nvPr/>
-        </p:nvSpPr>
-        <p:spPr>
-          <a:xfrm>
-            <a:off x="5090418" y="1151419"/>
-            <a:ext cx="2397211" cy="556054"/>
+          <p:cNvPr id="12" name="TextBox 11"/>
+          <p:cNvSpPr txBox="1"/>
+          <p:nvPr/>
+        </p:nvSpPr>
+        <p:spPr>
+          <a:xfrm>
+            <a:off x="1741736" y="5012224"/>
+            <a:ext cx="9094573" cy="1692771"/>
           </a:xfrm>
           <a:prstGeom prst="rect">
             <a:avLst/>
           </a:prstGeom>
           <a:noFill/>
-          <a:ln w="38100">
-            <a:solidFill>
-              <a:schemeClr val="tx1"/>
-            </a:solidFill>
-          </a:ln>
-        </p:spPr>
-        <p:style>
-          <a:lnRef idx="2">
-            <a:schemeClr val="accent1">
-              <a:shade val="50000"/>
-            </a:schemeClr>
-          </a:lnRef>
-          <a:fillRef idx="1">
-            <a:schemeClr val="accent1"/>
-          </a:fillRef>
-          <a:effectRef idx="0">
-            <a:schemeClr val="accent1"/>
-          </a:effectRef>
-          <a:fontRef idx="minor">
-            <a:schemeClr val="lt1"/>
-          </a:fontRef>
-        </p:style>
-        <p:txBody>
-          <a:bodyPr rtlCol="0" anchor="ctr"/>
+        </p:spPr>
+        <p:txBody>
+          <a:bodyPr wrap="square" rtlCol="0">
+            <a:spAutoFit/>
+          </a:bodyPr>
           <a:lstStyle/>
           <a:p>
             <a:pPr algn="ctr"/>
             <a:r>
-              <a:rPr lang="en-US" altLang="ko-KR" b="1" dirty="0" smtClean="0">
-                <a:solidFill>
-                  <a:schemeClr val="tx1"/>
-                </a:solidFill>
+              <a:rPr lang="en-US" altLang="ko-KR" sz="2400" dirty="0">
                 <a:latin typeface="Consolas" panose="020B0609020204030204" pitchFamily="49" charset="0"/>
               </a:rPr>
+              <a:t>"</a:t>
+            </a:r>
+            <a:r>
+              <a:rPr lang="ko-KR" altLang="en-US" sz="2400" dirty="0">
+                <a:latin typeface="Consolas" panose="020B0609020204030204" pitchFamily="49" charset="0"/>
+              </a:rPr>
+              <a:t>나는 집</a:t>
+            </a:r>
+            <a:r>
+              <a:rPr lang="en-US" altLang="ko-KR" sz="2400" dirty="0">
+                <a:latin typeface="Consolas" panose="020B0609020204030204" pitchFamily="49" charset="0"/>
+              </a:rPr>
+              <a:t>(</a:t>
+            </a:r>
+            <a:r>
+              <a:rPr lang="en-US" altLang="ko-KR" sz="2400" b="1" dirty="0">
+                <a:solidFill>
+                  <a:srgbClr val="FFC000"/>
+                </a:solidFill>
+                <a:latin typeface="Consolas" panose="020B0609020204030204" pitchFamily="49" charset="0"/>
+              </a:rPr>
               <a:t>House.java</a:t>
             </a:r>
-            <a:endParaRPr lang="ko-KR" altLang="en-US" b="1" dirty="0">
-              <a:solidFill>
-                <a:schemeClr val="tx1"/>
-              </a:solidFill>
+            <a:r>
+              <a:rPr lang="en-US" altLang="ko-KR" sz="2400" dirty="0">
+                <a:latin typeface="Consolas" panose="020B0609020204030204" pitchFamily="49" charset="0"/>
+              </a:rPr>
+              <a:t>)</a:t>
+            </a:r>
+            <a:r>
+              <a:rPr lang="ko-KR" altLang="en-US" sz="2400" dirty="0">
+                <a:latin typeface="Consolas" panose="020B0609020204030204" pitchFamily="49" charset="0"/>
+              </a:rPr>
+              <a:t>을 </a:t>
+            </a:r>
+            <a:r>
+              <a:rPr lang="ko-KR" altLang="en-US" sz="2400" dirty="0" smtClean="0">
+                <a:latin typeface="Consolas" panose="020B0609020204030204" pitchFamily="49" charset="0"/>
+              </a:rPr>
+              <a:t>만들건 데</a:t>
+            </a:r>
+            <a:r>
+              <a:rPr lang="en-US" altLang="ko-KR" sz="2400" dirty="0">
+                <a:latin typeface="Consolas" panose="020B0609020204030204" pitchFamily="49" charset="0"/>
+              </a:rPr>
+              <a:t>,</a:t>
+            </a:r>
+          </a:p>
+          <a:p>
+            <a:pPr algn="ctr"/>
+            <a:r>
+              <a:rPr lang="ko-KR" altLang="en-US" sz="2400" dirty="0">
+                <a:latin typeface="Consolas" panose="020B0609020204030204" pitchFamily="49" charset="0"/>
+              </a:rPr>
+              <a:t> </a:t>
+            </a:r>
+            <a:r>
+              <a:rPr lang="ko-KR" altLang="en-US" sz="2400" dirty="0" smtClean="0">
+                <a:latin typeface="Consolas" panose="020B0609020204030204" pitchFamily="49" charset="0"/>
+              </a:rPr>
+              <a:t>이 </a:t>
+            </a:r>
+            <a:r>
+              <a:rPr lang="ko-KR" altLang="en-US" sz="3200" b="1" dirty="0">
+                <a:solidFill>
+                  <a:schemeClr val="accent4"/>
+                </a:solidFill>
+                <a:latin typeface="Consolas" panose="020B0609020204030204" pitchFamily="49" charset="0"/>
+              </a:rPr>
+              <a:t>안</a:t>
+            </a:r>
+            <a:r>
+              <a:rPr lang="ko-KR" altLang="en-US" sz="2400" dirty="0" smtClean="0">
+                <a:latin typeface="Consolas" panose="020B0609020204030204" pitchFamily="49" charset="0"/>
+              </a:rPr>
+              <a:t>에는 </a:t>
+            </a:r>
+            <a:r>
+              <a:rPr lang="ko-KR" altLang="en-US" sz="2400" dirty="0">
+                <a:latin typeface="Consolas" panose="020B0609020204030204" pitchFamily="49" charset="0"/>
+              </a:rPr>
+              <a:t>화장실</a:t>
+            </a:r>
+            <a:r>
+              <a:rPr lang="en-US" altLang="ko-KR" sz="2400" dirty="0">
+                <a:latin typeface="Consolas" panose="020B0609020204030204" pitchFamily="49" charset="0"/>
+              </a:rPr>
+              <a:t>(</a:t>
+            </a:r>
+            <a:r>
+              <a:rPr lang="en-US" altLang="ko-KR" sz="2400" b="1" dirty="0">
+                <a:solidFill>
+                  <a:srgbClr val="FFC000"/>
+                </a:solidFill>
+                <a:latin typeface="Consolas" panose="020B0609020204030204" pitchFamily="49" charset="0"/>
+              </a:rPr>
+              <a:t>BathRoom.java</a:t>
+            </a:r>
+            <a:r>
+              <a:rPr lang="en-US" altLang="ko-KR" sz="2400" dirty="0">
+                <a:latin typeface="Consolas" panose="020B0609020204030204" pitchFamily="49" charset="0"/>
+              </a:rPr>
+              <a:t>)</a:t>
+            </a:r>
+            <a:r>
+              <a:rPr lang="ko-KR" altLang="en-US" sz="2400" dirty="0">
+                <a:latin typeface="Consolas" panose="020B0609020204030204" pitchFamily="49" charset="0"/>
+              </a:rPr>
+              <a:t>이랑</a:t>
+            </a:r>
+            <a:r>
+              <a:rPr lang="en-US" altLang="ko-KR" sz="2400" dirty="0">
+                <a:latin typeface="Consolas" panose="020B0609020204030204" pitchFamily="49" charset="0"/>
+              </a:rPr>
+              <a:t>, </a:t>
+            </a:r>
+          </a:p>
+          <a:p>
+            <a:pPr algn="ctr"/>
+            <a:r>
+              <a:rPr lang="ko-KR" altLang="en-US" sz="2400" dirty="0">
+                <a:latin typeface="Consolas" panose="020B0609020204030204" pitchFamily="49" charset="0"/>
+              </a:rPr>
+              <a:t> </a:t>
+            </a:r>
+            <a:r>
+              <a:rPr lang="ko-KR" altLang="en-US" sz="2400" dirty="0" smtClean="0">
+                <a:latin typeface="Consolas" panose="020B0609020204030204" pitchFamily="49" charset="0"/>
+              </a:rPr>
+              <a:t>침실</a:t>
+            </a:r>
+            <a:r>
+              <a:rPr lang="en-US" altLang="ko-KR" sz="2400" dirty="0">
+                <a:latin typeface="Consolas" panose="020B0609020204030204" pitchFamily="49" charset="0"/>
+              </a:rPr>
+              <a:t>2</a:t>
+            </a:r>
+            <a:r>
+              <a:rPr lang="ko-KR" altLang="en-US" sz="2400" dirty="0">
+                <a:latin typeface="Consolas" panose="020B0609020204030204" pitchFamily="49" charset="0"/>
+              </a:rPr>
+              <a:t>개</a:t>
+            </a:r>
+            <a:r>
+              <a:rPr lang="en-US" altLang="ko-KR" sz="2400" dirty="0">
+                <a:latin typeface="Consolas" panose="020B0609020204030204" pitchFamily="49" charset="0"/>
+              </a:rPr>
+              <a:t>(</a:t>
+            </a:r>
+            <a:r>
+              <a:rPr lang="en-US" altLang="ko-KR" sz="2400" b="1" dirty="0">
+                <a:solidFill>
+                  <a:srgbClr val="FFC000"/>
+                </a:solidFill>
+                <a:latin typeface="Consolas" panose="020B0609020204030204" pitchFamily="49" charset="0"/>
+              </a:rPr>
+              <a:t>BadRoom1.java</a:t>
+            </a:r>
+            <a:r>
+              <a:rPr lang="en-US" altLang="ko-KR" sz="2400" dirty="0">
+                <a:latin typeface="Consolas" panose="020B0609020204030204" pitchFamily="49" charset="0"/>
+              </a:rPr>
+              <a:t>, </a:t>
+            </a:r>
+            <a:r>
+              <a:rPr lang="en-US" altLang="ko-KR" sz="2400" b="1" dirty="0">
+                <a:solidFill>
+                  <a:srgbClr val="FFC000"/>
+                </a:solidFill>
+                <a:latin typeface="Consolas" panose="020B0609020204030204" pitchFamily="49" charset="0"/>
+              </a:rPr>
+              <a:t>BadRoom2.java</a:t>
+            </a:r>
+            <a:r>
+              <a:rPr lang="en-US" altLang="ko-KR" sz="2400" dirty="0">
+                <a:latin typeface="Consolas" panose="020B0609020204030204" pitchFamily="49" charset="0"/>
+              </a:rPr>
+              <a:t>)</a:t>
+            </a:r>
+            <a:r>
+              <a:rPr lang="ko-KR" altLang="en-US" sz="2400" dirty="0">
+                <a:latin typeface="Consolas" panose="020B0609020204030204" pitchFamily="49" charset="0"/>
+              </a:rPr>
+              <a:t>랑</a:t>
+            </a:r>
+            <a:r>
+              <a:rPr lang="en-US" altLang="ko-KR" sz="2400" dirty="0">
+                <a:latin typeface="Consolas" panose="020B0609020204030204" pitchFamily="49" charset="0"/>
+              </a:rPr>
+              <a:t>, </a:t>
+            </a:r>
+          </a:p>
+          <a:p>
+            <a:pPr algn="ctr"/>
+            <a:r>
+              <a:rPr lang="ko-KR" altLang="en-US" sz="2400" dirty="0">
+                <a:latin typeface="Consolas" panose="020B0609020204030204" pitchFamily="49" charset="0"/>
+              </a:rPr>
+              <a:t> </a:t>
+            </a:r>
+            <a:r>
+              <a:rPr lang="ko-KR" altLang="en-US" sz="2400" dirty="0" smtClean="0">
+                <a:latin typeface="Consolas" panose="020B0609020204030204" pitchFamily="49" charset="0"/>
+              </a:rPr>
+              <a:t>거실</a:t>
+            </a:r>
+            <a:r>
+              <a:rPr lang="en-US" altLang="ko-KR" sz="2400" dirty="0" smtClean="0">
+                <a:latin typeface="Consolas" panose="020B0609020204030204" pitchFamily="49" charset="0"/>
+              </a:rPr>
+              <a:t>(</a:t>
+            </a:r>
+            <a:r>
+              <a:rPr lang="en-US" altLang="ko-KR" sz="2400" b="1" dirty="0">
+                <a:solidFill>
+                  <a:srgbClr val="FFC000"/>
+                </a:solidFill>
+                <a:latin typeface="Consolas" panose="020B0609020204030204" pitchFamily="49" charset="0"/>
+              </a:rPr>
+              <a:t>L</a:t>
+            </a:r>
+            <a:r>
+              <a:rPr lang="en-US" altLang="ko-KR" sz="2400" b="1" dirty="0" smtClean="0">
+                <a:solidFill>
+                  <a:srgbClr val="FFC000"/>
+                </a:solidFill>
+                <a:latin typeface="Consolas" panose="020B0609020204030204" pitchFamily="49" charset="0"/>
+              </a:rPr>
+              <a:t>ivingRoom.java</a:t>
+            </a:r>
+            <a:r>
+              <a:rPr lang="en-US" altLang="ko-KR" sz="2400" dirty="0">
+                <a:latin typeface="Consolas" panose="020B0609020204030204" pitchFamily="49" charset="0"/>
+              </a:rPr>
+              <a:t>)</a:t>
+            </a:r>
+            <a:r>
+              <a:rPr lang="ko-KR" altLang="en-US" sz="2400" dirty="0">
+                <a:latin typeface="Consolas" panose="020B0609020204030204" pitchFamily="49" charset="0"/>
+              </a:rPr>
+              <a:t>이 있어</a:t>
+            </a:r>
+            <a:r>
+              <a:rPr lang="en-US" altLang="ko-KR" sz="2400" dirty="0">
+                <a:latin typeface="Consolas" panose="020B0609020204030204" pitchFamily="49" charset="0"/>
+              </a:rPr>
+              <a:t>"</a:t>
+            </a:r>
+            <a:endParaRPr lang="ko-KR" altLang="en-US" sz="2400" dirty="0">
               <a:latin typeface="Consolas" panose="020B0609020204030204" pitchFamily="49" charset="0"/>
             </a:endParaRPr>
           </a:p>
         </p:txBody>
       </p:sp>
-      <p:sp>
-        <p:nvSpPr>
-          <p:cNvPr id="4" name="직사각형 3"/>
-          <p:cNvSpPr/>
-          <p:nvPr/>
-        </p:nvSpPr>
-        <p:spPr>
-          <a:xfrm>
-            <a:off x="8074582" y="2910330"/>
-            <a:ext cx="2397211" cy="556054"/>
-          </a:xfrm>
-          <a:prstGeom prst="rect">
-            <a:avLst/>
-          </a:prstGeom>
-          <a:noFill/>
-          <a:ln w="38100">
-            <a:solidFill>
-              <a:schemeClr val="tx1"/>
-            </a:solidFill>
-          </a:ln>
-        </p:spPr>
-        <p:style>
-          <a:lnRef idx="2">
-            <a:schemeClr val="accent1">
-              <a:shade val="50000"/>
-            </a:schemeClr>
-          </a:lnRef>
-          <a:fillRef idx="1">
-            <a:schemeClr val="accent1"/>
-          </a:fillRef>
-          <a:effectRef idx="0">
-            <a:schemeClr val="accent1"/>
-          </a:effectRef>
-          <a:fontRef idx="minor">
-            <a:schemeClr val="lt1"/>
-          </a:fontRef>
-        </p:style>
-        <p:txBody>
-          <a:bodyPr rtlCol="0" anchor="ctr"/>
-          <a:lstStyle/>
-          <a:p>
-            <a:pPr algn="ctr"/>
-            <a:r>
-              <a:rPr lang="en-US" altLang="ko-KR" b="1" dirty="0" smtClean="0">
-                <a:solidFill>
-                  <a:schemeClr val="tx1"/>
-                </a:solidFill>
-                <a:latin typeface="Consolas" panose="020B0609020204030204" pitchFamily="49" charset="0"/>
-              </a:rPr>
-              <a:t>BathRoom.java</a:t>
-            </a:r>
-            <a:endParaRPr lang="ko-KR" altLang="en-US" b="1" dirty="0">
-              <a:solidFill>
-                <a:schemeClr val="tx1"/>
-              </a:solidFill>
-              <a:latin typeface="Consolas" panose="020B0609020204030204" pitchFamily="49" charset="0"/>
-            </a:endParaRPr>
-          </a:p>
-        </p:txBody>
-      </p:sp>
-      <p:sp>
-        <p:nvSpPr>
-          <p:cNvPr id="5" name="직사각형 4"/>
-          <p:cNvSpPr/>
-          <p:nvPr/>
-        </p:nvSpPr>
-        <p:spPr>
-          <a:xfrm>
-            <a:off x="6381705" y="3819797"/>
-            <a:ext cx="2397211" cy="556054"/>
-          </a:xfrm>
-          <a:prstGeom prst="rect">
-            <a:avLst/>
-          </a:prstGeom>
-          <a:noFill/>
-          <a:ln w="38100">
-            <a:solidFill>
-              <a:schemeClr val="tx1"/>
-            </a:solidFill>
-          </a:ln>
-        </p:spPr>
-        <p:style>
-          <a:lnRef idx="2">
-            <a:schemeClr val="accent1">
-              <a:shade val="50000"/>
-            </a:schemeClr>
-          </a:lnRef>
-          <a:fillRef idx="1">
-            <a:schemeClr val="accent1"/>
-          </a:fillRef>
-          <a:effectRef idx="0">
-            <a:schemeClr val="accent1"/>
-          </a:effectRef>
-          <a:fontRef idx="minor">
-            <a:schemeClr val="lt1"/>
-          </a:fontRef>
-        </p:style>
-        <p:txBody>
-          <a:bodyPr rtlCol="0" anchor="ctr"/>
-          <a:lstStyle/>
-          <a:p>
-            <a:pPr algn="ctr"/>
-            <a:r>
-              <a:rPr lang="en-US" altLang="ko-KR" b="1" dirty="0">
-                <a:solidFill>
-                  <a:schemeClr val="tx1"/>
-                </a:solidFill>
-                <a:latin typeface="Consolas" panose="020B0609020204030204" pitchFamily="49" charset="0"/>
-              </a:rPr>
-              <a:t>BadRoom1</a:t>
-            </a:r>
-            <a:r>
-              <a:rPr lang="en-US" altLang="ko-KR" b="1" dirty="0" smtClean="0">
-                <a:solidFill>
-                  <a:schemeClr val="tx1"/>
-                </a:solidFill>
-                <a:latin typeface="Consolas" panose="020B0609020204030204" pitchFamily="49" charset="0"/>
-              </a:rPr>
-              <a:t>.java</a:t>
-            </a:r>
-            <a:endParaRPr lang="ko-KR" altLang="en-US" b="1" dirty="0">
-              <a:solidFill>
-                <a:schemeClr val="tx1"/>
-              </a:solidFill>
-              <a:latin typeface="Consolas" panose="020B0609020204030204" pitchFamily="49" charset="0"/>
-            </a:endParaRPr>
-          </a:p>
-        </p:txBody>
-      </p:sp>
-      <p:sp>
-        <p:nvSpPr>
-          <p:cNvPr id="6" name="직사각형 5"/>
-          <p:cNvSpPr/>
-          <p:nvPr/>
-        </p:nvSpPr>
-        <p:spPr>
-          <a:xfrm>
-            <a:off x="3667333" y="3819797"/>
-            <a:ext cx="2397211" cy="556054"/>
-          </a:xfrm>
-          <a:prstGeom prst="rect">
-            <a:avLst/>
-          </a:prstGeom>
-          <a:noFill/>
-          <a:ln w="38100">
-            <a:solidFill>
-              <a:schemeClr val="tx1"/>
-            </a:solidFill>
-          </a:ln>
-        </p:spPr>
-        <p:style>
-          <a:lnRef idx="2">
-            <a:schemeClr val="accent1">
-              <a:shade val="50000"/>
-            </a:schemeClr>
-          </a:lnRef>
-          <a:fillRef idx="1">
-            <a:schemeClr val="accent1"/>
-          </a:fillRef>
-          <a:effectRef idx="0">
-            <a:schemeClr val="accent1"/>
-          </a:effectRef>
-          <a:fontRef idx="minor">
-            <a:schemeClr val="lt1"/>
-          </a:fontRef>
-        </p:style>
-        <p:txBody>
-          <a:bodyPr rtlCol="0" anchor="ctr"/>
-          <a:lstStyle/>
-          <a:p>
-            <a:pPr algn="ctr"/>
-            <a:r>
-              <a:rPr lang="en-US" altLang="ko-KR" b="1" dirty="0" smtClean="0">
-                <a:solidFill>
-                  <a:schemeClr val="tx1"/>
-                </a:solidFill>
-                <a:latin typeface="Consolas" panose="020B0609020204030204" pitchFamily="49" charset="0"/>
-              </a:rPr>
-              <a:t>BadRoom2.java</a:t>
-            </a:r>
-            <a:endParaRPr lang="ko-KR" altLang="en-US" b="1" dirty="0">
-              <a:solidFill>
-                <a:schemeClr val="tx1"/>
-              </a:solidFill>
-              <a:latin typeface="Consolas" panose="020B0609020204030204" pitchFamily="49" charset="0"/>
-            </a:endParaRPr>
-          </a:p>
-        </p:txBody>
-      </p:sp>
-      <p:sp>
-        <p:nvSpPr>
-          <p:cNvPr id="7" name="직사각형 6"/>
-          <p:cNvSpPr/>
-          <p:nvPr/>
-        </p:nvSpPr>
-        <p:spPr>
-          <a:xfrm>
-            <a:off x="1974456" y="2899900"/>
-            <a:ext cx="2397211" cy="556054"/>
-          </a:xfrm>
-          <a:prstGeom prst="rect">
-            <a:avLst/>
-          </a:prstGeom>
-          <a:noFill/>
-          <a:ln w="38100">
-            <a:solidFill>
-              <a:schemeClr val="tx1"/>
-            </a:solidFill>
-          </a:ln>
-        </p:spPr>
-        <p:style>
-          <a:lnRef idx="2">
-            <a:schemeClr val="accent1">
-              <a:shade val="50000"/>
-            </a:schemeClr>
-          </a:lnRef>
-          <a:fillRef idx="1">
-            <a:schemeClr val="accent1"/>
-          </a:fillRef>
-          <a:effectRef idx="0">
-            <a:schemeClr val="accent1"/>
-          </a:effectRef>
-          <a:fontRef idx="minor">
-            <a:schemeClr val="lt1"/>
-          </a:fontRef>
-        </p:style>
-        <p:txBody>
-          <a:bodyPr rtlCol="0" anchor="ctr"/>
-          <a:lstStyle/>
-          <a:p>
-            <a:pPr algn="ctr"/>
-            <a:r>
-              <a:rPr lang="en-US" altLang="ko-KR" b="1" dirty="0">
-                <a:solidFill>
-                  <a:schemeClr val="tx1"/>
-                </a:solidFill>
-                <a:latin typeface="Consolas" panose="020B0609020204030204" pitchFamily="49" charset="0"/>
-              </a:rPr>
-              <a:t>livingRoom</a:t>
-            </a:r>
-            <a:r>
-              <a:rPr lang="en-US" altLang="ko-KR" b="1" dirty="0" smtClean="0">
-                <a:solidFill>
-                  <a:schemeClr val="tx1"/>
-                </a:solidFill>
-                <a:latin typeface="Consolas" panose="020B0609020204030204" pitchFamily="49" charset="0"/>
-              </a:rPr>
-              <a:t>.java</a:t>
-            </a:r>
-            <a:endParaRPr lang="ko-KR" altLang="en-US" b="1" dirty="0">
-              <a:solidFill>
-                <a:schemeClr val="tx1"/>
-              </a:solidFill>
-              <a:latin typeface="Consolas" panose="020B0609020204030204" pitchFamily="49" charset="0"/>
-            </a:endParaRPr>
-          </a:p>
-        </p:txBody>
-      </p:sp>
       <p:cxnSp>
         <p:nvCxnSpPr>
-          <p:cNvPr id="8" name="직선 화살표 연결선 7"/>
-          <p:cNvCxnSpPr>
-            <a:stCxn id="4" idx="0"/>
-          </p:cNvCxnSpPr>
+          <p:cNvPr id="14" name="직선 화살표 연결선 13"/>
+          <p:cNvCxnSpPr/>
           <p:nvPr/>
         </p:nvCxnSpPr>
         <p:spPr>
-          <a:xfrm flipH="1" flipV="1">
-            <a:off x="7429968" y="1707473"/>
-            <a:ext cx="1843220" cy="1202857"/>
+          <a:xfrm>
+            <a:off x="2722395" y="5030298"/>
+            <a:ext cx="1083280" cy="488643"/>
           </a:xfrm>
           <a:prstGeom prst="straightConnector1">
             <a:avLst/>
           </a:prstGeom>
-          <a:ln w="57150">
+          <a:ln w="38100">
             <a:solidFill>
               <a:srgbClr val="FFC000"/>
             </a:solidFill>
@@ -8051,428 +8270,6 @@
           </a:fontRef>
         </p:style>
       </p:cxnSp>
-      <p:cxnSp>
-        <p:nvCxnSpPr>
-          <p:cNvPr id="9" name="직선 화살표 연결선 8"/>
-          <p:cNvCxnSpPr>
-            <a:stCxn id="5" idx="0"/>
-          </p:cNvCxnSpPr>
-          <p:nvPr/>
-        </p:nvCxnSpPr>
-        <p:spPr>
-          <a:xfrm flipH="1" flipV="1">
-            <a:off x="6558816" y="1731503"/>
-            <a:ext cx="1021495" cy="2088294"/>
-          </a:xfrm>
-          <a:prstGeom prst="straightConnector1">
-            <a:avLst/>
-          </a:prstGeom>
-          <a:ln w="57150">
-            <a:solidFill>
-              <a:srgbClr val="FFC000"/>
-            </a:solidFill>
-            <a:tailEnd type="triangle"/>
-          </a:ln>
-        </p:spPr>
-        <p:style>
-          <a:lnRef idx="1">
-            <a:schemeClr val="accent1"/>
-          </a:lnRef>
-          <a:fillRef idx="0">
-            <a:schemeClr val="accent1"/>
-          </a:fillRef>
-          <a:effectRef idx="0">
-            <a:schemeClr val="accent1"/>
-          </a:effectRef>
-          <a:fontRef idx="minor">
-            <a:schemeClr val="tx1"/>
-          </a:fontRef>
-        </p:style>
-      </p:cxnSp>
-      <p:cxnSp>
-        <p:nvCxnSpPr>
-          <p:cNvPr id="10" name="직선 화살표 연결선 9"/>
-          <p:cNvCxnSpPr>
-            <a:stCxn id="6" idx="0"/>
-          </p:cNvCxnSpPr>
-          <p:nvPr/>
-        </p:nvCxnSpPr>
-        <p:spPr>
-          <a:xfrm flipV="1">
-            <a:off x="4865939" y="1731503"/>
-            <a:ext cx="961765" cy="2088294"/>
-          </a:xfrm>
-          <a:prstGeom prst="straightConnector1">
-            <a:avLst/>
-          </a:prstGeom>
-          <a:ln w="57150">
-            <a:solidFill>
-              <a:srgbClr val="FFC000"/>
-            </a:solidFill>
-            <a:tailEnd type="triangle"/>
-          </a:ln>
-        </p:spPr>
-        <p:style>
-          <a:lnRef idx="1">
-            <a:schemeClr val="accent1"/>
-          </a:lnRef>
-          <a:fillRef idx="0">
-            <a:schemeClr val="accent1"/>
-          </a:fillRef>
-          <a:effectRef idx="0">
-            <a:schemeClr val="accent1"/>
-          </a:effectRef>
-          <a:fontRef idx="minor">
-            <a:schemeClr val="tx1"/>
-          </a:fontRef>
-        </p:style>
-      </p:cxnSp>
-      <p:cxnSp>
-        <p:nvCxnSpPr>
-          <p:cNvPr id="11" name="직선 화살표 연결선 10"/>
-          <p:cNvCxnSpPr>
-            <a:stCxn id="7" idx="0"/>
-          </p:cNvCxnSpPr>
-          <p:nvPr/>
-        </p:nvCxnSpPr>
-        <p:spPr>
-          <a:xfrm flipV="1">
-            <a:off x="3173062" y="1731503"/>
-            <a:ext cx="1890584" cy="1168397"/>
-          </a:xfrm>
-          <a:prstGeom prst="straightConnector1">
-            <a:avLst/>
-          </a:prstGeom>
-          <a:ln w="57150">
-            <a:solidFill>
-              <a:srgbClr val="FFC000"/>
-            </a:solidFill>
-            <a:tailEnd type="triangle"/>
-          </a:ln>
-        </p:spPr>
-        <p:style>
-          <a:lnRef idx="1">
-            <a:schemeClr val="accent1"/>
-          </a:lnRef>
-          <a:fillRef idx="0">
-            <a:schemeClr val="accent1"/>
-          </a:fillRef>
-          <a:effectRef idx="0">
-            <a:schemeClr val="accent1"/>
-          </a:effectRef>
-          <a:fontRef idx="minor">
-            <a:schemeClr val="tx1"/>
-          </a:fontRef>
-        </p:style>
-      </p:cxnSp>
-      <p:sp>
-        <p:nvSpPr>
-          <p:cNvPr id="12" name="TextBox 11"/>
-          <p:cNvSpPr txBox="1"/>
-          <p:nvPr/>
-        </p:nvSpPr>
-        <p:spPr>
-          <a:xfrm>
-            <a:off x="1741736" y="5012224"/>
-            <a:ext cx="9094573" cy="1692771"/>
-          </a:xfrm>
-          <a:prstGeom prst="rect">
-            <a:avLst/>
-          </a:prstGeom>
-          <a:noFill/>
-        </p:spPr>
-        <p:txBody>
-          <a:bodyPr wrap="square" rtlCol="0">
-            <a:spAutoFit/>
-          </a:bodyPr>
-          <a:lstStyle/>
-          <a:p>
-            <a:pPr algn="ctr"/>
-            <a:r>
-              <a:rPr lang="en-US" altLang="ko-KR" sz="2400" dirty="0">
-                <a:latin typeface="Consolas" panose="020B0609020204030204" pitchFamily="49" charset="0"/>
-              </a:rPr>
-              <a:t>"</a:t>
-            </a:r>
-            <a:r>
-              <a:rPr lang="ko-KR" altLang="en-US" sz="2400" dirty="0">
-                <a:latin typeface="Consolas" panose="020B0609020204030204" pitchFamily="49" charset="0"/>
-              </a:rPr>
-              <a:t>나는 집</a:t>
-            </a:r>
-            <a:r>
-              <a:rPr lang="en-US" altLang="ko-KR" sz="2400" dirty="0">
-                <a:latin typeface="Consolas" panose="020B0609020204030204" pitchFamily="49" charset="0"/>
-              </a:rPr>
-              <a:t>(</a:t>
-            </a:r>
-            <a:r>
-              <a:rPr lang="en-US" altLang="ko-KR" sz="2400" b="1" dirty="0">
-                <a:solidFill>
-                  <a:srgbClr val="FFC000"/>
-                </a:solidFill>
-                <a:latin typeface="Consolas" panose="020B0609020204030204" pitchFamily="49" charset="0"/>
-              </a:rPr>
-              <a:t>House.java</a:t>
-            </a:r>
-            <a:r>
-              <a:rPr lang="en-US" altLang="ko-KR" sz="2400" dirty="0">
-                <a:latin typeface="Consolas" panose="020B0609020204030204" pitchFamily="49" charset="0"/>
-              </a:rPr>
-              <a:t>)</a:t>
-            </a:r>
-            <a:r>
-              <a:rPr lang="ko-KR" altLang="en-US" sz="2400" dirty="0">
-                <a:latin typeface="Consolas" panose="020B0609020204030204" pitchFamily="49" charset="0"/>
-              </a:rPr>
-              <a:t>을 </a:t>
-            </a:r>
-            <a:r>
-              <a:rPr lang="ko-KR" altLang="en-US" sz="2400" dirty="0" smtClean="0">
-                <a:latin typeface="Consolas" panose="020B0609020204030204" pitchFamily="49" charset="0"/>
-              </a:rPr>
-              <a:t>만들건 데</a:t>
-            </a:r>
-            <a:r>
-              <a:rPr lang="en-US" altLang="ko-KR" sz="2400" dirty="0">
-                <a:latin typeface="Consolas" panose="020B0609020204030204" pitchFamily="49" charset="0"/>
-              </a:rPr>
-              <a:t>,</a:t>
-            </a:r>
-          </a:p>
-          <a:p>
-            <a:pPr algn="ctr"/>
-            <a:r>
-              <a:rPr lang="ko-KR" altLang="en-US" sz="2400" dirty="0">
-                <a:latin typeface="Consolas" panose="020B0609020204030204" pitchFamily="49" charset="0"/>
-              </a:rPr>
-              <a:t> </a:t>
-            </a:r>
-            <a:r>
-              <a:rPr lang="ko-KR" altLang="en-US" sz="2400" dirty="0" smtClean="0">
-                <a:latin typeface="Consolas" panose="020B0609020204030204" pitchFamily="49" charset="0"/>
-              </a:rPr>
-              <a:t>이 </a:t>
-            </a:r>
-            <a:r>
-              <a:rPr lang="ko-KR" altLang="en-US" sz="3200" b="1" dirty="0">
-                <a:solidFill>
-                  <a:schemeClr val="accent4"/>
-                </a:solidFill>
-                <a:latin typeface="Consolas" panose="020B0609020204030204" pitchFamily="49" charset="0"/>
-              </a:rPr>
-              <a:t>안</a:t>
-            </a:r>
-            <a:r>
-              <a:rPr lang="ko-KR" altLang="en-US" sz="2400" dirty="0" smtClean="0">
-                <a:latin typeface="Consolas" panose="020B0609020204030204" pitchFamily="49" charset="0"/>
-              </a:rPr>
-              <a:t>에는 </a:t>
-            </a:r>
-            <a:r>
-              <a:rPr lang="ko-KR" altLang="en-US" sz="2400" dirty="0">
-                <a:latin typeface="Consolas" panose="020B0609020204030204" pitchFamily="49" charset="0"/>
-              </a:rPr>
-              <a:t>화장실</a:t>
-            </a:r>
-            <a:r>
-              <a:rPr lang="en-US" altLang="ko-KR" sz="2400" dirty="0">
-                <a:latin typeface="Consolas" panose="020B0609020204030204" pitchFamily="49" charset="0"/>
-              </a:rPr>
-              <a:t>(</a:t>
-            </a:r>
-            <a:r>
-              <a:rPr lang="en-US" altLang="ko-KR" sz="2400" b="1" dirty="0">
-                <a:solidFill>
-                  <a:srgbClr val="FFC000"/>
-                </a:solidFill>
-                <a:latin typeface="Consolas" panose="020B0609020204030204" pitchFamily="49" charset="0"/>
-              </a:rPr>
-              <a:t>BathRoom.java</a:t>
-            </a:r>
-            <a:r>
-              <a:rPr lang="en-US" altLang="ko-KR" sz="2400" dirty="0">
-                <a:latin typeface="Consolas" panose="020B0609020204030204" pitchFamily="49" charset="0"/>
-              </a:rPr>
-              <a:t>)</a:t>
-            </a:r>
-            <a:r>
-              <a:rPr lang="ko-KR" altLang="en-US" sz="2400" dirty="0">
-                <a:latin typeface="Consolas" panose="020B0609020204030204" pitchFamily="49" charset="0"/>
-              </a:rPr>
-              <a:t>이랑</a:t>
-            </a:r>
-            <a:r>
-              <a:rPr lang="en-US" altLang="ko-KR" sz="2400" dirty="0">
-                <a:latin typeface="Consolas" panose="020B0609020204030204" pitchFamily="49" charset="0"/>
-              </a:rPr>
-              <a:t>, </a:t>
-            </a:r>
-          </a:p>
-          <a:p>
-            <a:pPr algn="ctr"/>
-            <a:r>
-              <a:rPr lang="ko-KR" altLang="en-US" sz="2400" dirty="0">
-                <a:latin typeface="Consolas" panose="020B0609020204030204" pitchFamily="49" charset="0"/>
-              </a:rPr>
-              <a:t> </a:t>
-            </a:r>
-            <a:r>
-              <a:rPr lang="ko-KR" altLang="en-US" sz="2400" dirty="0" smtClean="0">
-                <a:latin typeface="Consolas" panose="020B0609020204030204" pitchFamily="49" charset="0"/>
-              </a:rPr>
-              <a:t>침실</a:t>
-            </a:r>
-            <a:r>
-              <a:rPr lang="en-US" altLang="ko-KR" sz="2400" dirty="0">
-                <a:latin typeface="Consolas" panose="020B0609020204030204" pitchFamily="49" charset="0"/>
-              </a:rPr>
-              <a:t>2</a:t>
-            </a:r>
-            <a:r>
-              <a:rPr lang="ko-KR" altLang="en-US" sz="2400" dirty="0">
-                <a:latin typeface="Consolas" panose="020B0609020204030204" pitchFamily="49" charset="0"/>
-              </a:rPr>
-              <a:t>개</a:t>
-            </a:r>
-            <a:r>
-              <a:rPr lang="en-US" altLang="ko-KR" sz="2400" dirty="0">
-                <a:latin typeface="Consolas" panose="020B0609020204030204" pitchFamily="49" charset="0"/>
-              </a:rPr>
-              <a:t>(</a:t>
-            </a:r>
-            <a:r>
-              <a:rPr lang="en-US" altLang="ko-KR" sz="2400" b="1" dirty="0">
-                <a:solidFill>
-                  <a:srgbClr val="FFC000"/>
-                </a:solidFill>
-                <a:latin typeface="Consolas" panose="020B0609020204030204" pitchFamily="49" charset="0"/>
-              </a:rPr>
-              <a:t>BadRoom1.java</a:t>
-            </a:r>
-            <a:r>
-              <a:rPr lang="en-US" altLang="ko-KR" sz="2400" dirty="0">
-                <a:latin typeface="Consolas" panose="020B0609020204030204" pitchFamily="49" charset="0"/>
-              </a:rPr>
-              <a:t>, </a:t>
-            </a:r>
-            <a:r>
-              <a:rPr lang="en-US" altLang="ko-KR" sz="2400" b="1" dirty="0">
-                <a:solidFill>
-                  <a:srgbClr val="FFC000"/>
-                </a:solidFill>
-                <a:latin typeface="Consolas" panose="020B0609020204030204" pitchFamily="49" charset="0"/>
-              </a:rPr>
-              <a:t>BadRoom2.java</a:t>
-            </a:r>
-            <a:r>
-              <a:rPr lang="en-US" altLang="ko-KR" sz="2400" dirty="0">
-                <a:latin typeface="Consolas" panose="020B0609020204030204" pitchFamily="49" charset="0"/>
-              </a:rPr>
-              <a:t>)</a:t>
-            </a:r>
-            <a:r>
-              <a:rPr lang="ko-KR" altLang="en-US" sz="2400" dirty="0">
-                <a:latin typeface="Consolas" panose="020B0609020204030204" pitchFamily="49" charset="0"/>
-              </a:rPr>
-              <a:t>랑</a:t>
-            </a:r>
-            <a:r>
-              <a:rPr lang="en-US" altLang="ko-KR" sz="2400" dirty="0">
-                <a:latin typeface="Consolas" panose="020B0609020204030204" pitchFamily="49" charset="0"/>
-              </a:rPr>
-              <a:t>, </a:t>
-            </a:r>
-          </a:p>
-          <a:p>
-            <a:pPr algn="ctr"/>
-            <a:r>
-              <a:rPr lang="ko-KR" altLang="en-US" sz="2400" dirty="0">
-                <a:latin typeface="Consolas" panose="020B0609020204030204" pitchFamily="49" charset="0"/>
-              </a:rPr>
-              <a:t> </a:t>
-            </a:r>
-            <a:r>
-              <a:rPr lang="ko-KR" altLang="en-US" sz="2400" dirty="0" smtClean="0">
-                <a:latin typeface="Consolas" panose="020B0609020204030204" pitchFamily="49" charset="0"/>
-              </a:rPr>
-              <a:t>거실</a:t>
-            </a:r>
-            <a:r>
-              <a:rPr lang="en-US" altLang="ko-KR" sz="2400" dirty="0">
-                <a:latin typeface="Consolas" panose="020B0609020204030204" pitchFamily="49" charset="0"/>
-              </a:rPr>
-              <a:t>(</a:t>
-            </a:r>
-            <a:r>
-              <a:rPr lang="en-US" altLang="ko-KR" sz="2400" b="1" dirty="0">
-                <a:solidFill>
-                  <a:srgbClr val="FFC000"/>
-                </a:solidFill>
-                <a:latin typeface="Consolas" panose="020B0609020204030204" pitchFamily="49" charset="0"/>
-              </a:rPr>
-              <a:t>livingRoom.java</a:t>
-            </a:r>
-            <a:r>
-              <a:rPr lang="en-US" altLang="ko-KR" sz="2400" dirty="0">
-                <a:latin typeface="Consolas" panose="020B0609020204030204" pitchFamily="49" charset="0"/>
-              </a:rPr>
-              <a:t>)</a:t>
-            </a:r>
-            <a:r>
-              <a:rPr lang="ko-KR" altLang="en-US" sz="2400" dirty="0">
-                <a:latin typeface="Consolas" panose="020B0609020204030204" pitchFamily="49" charset="0"/>
-              </a:rPr>
-              <a:t>이 있어</a:t>
-            </a:r>
-            <a:r>
-              <a:rPr lang="en-US" altLang="ko-KR" sz="2400" dirty="0">
-                <a:latin typeface="Consolas" panose="020B0609020204030204" pitchFamily="49" charset="0"/>
-              </a:rPr>
-              <a:t>"</a:t>
-            </a:r>
-            <a:endParaRPr lang="ko-KR" altLang="en-US" sz="2400" dirty="0">
-              <a:latin typeface="Consolas" panose="020B0609020204030204" pitchFamily="49" charset="0"/>
-            </a:endParaRPr>
-          </a:p>
-        </p:txBody>
-      </p:sp>
-      <p:cxnSp>
-        <p:nvCxnSpPr>
-          <p:cNvPr id="14" name="직선 화살표 연결선 13"/>
-          <p:cNvCxnSpPr/>
-          <p:nvPr/>
-        </p:nvCxnSpPr>
-        <p:spPr>
-          <a:xfrm>
-            <a:off x="2722395" y="5030298"/>
-            <a:ext cx="1083280" cy="488643"/>
-          </a:xfrm>
-          <a:prstGeom prst="straightConnector1">
-            <a:avLst/>
-          </a:prstGeom>
-          <a:ln w="38100">
-            <a:solidFill>
-              <a:srgbClr val="FFC000"/>
-            </a:solidFill>
-            <a:tailEnd type="triangle"/>
-          </a:ln>
-        </p:spPr>
-        <p:style>
-          <a:lnRef idx="1">
-            <a:schemeClr val="accent1"/>
-          </a:lnRef>
-          <a:fillRef idx="0">
-            <a:schemeClr val="accent1"/>
-          </a:fillRef>
-          <a:effectRef idx="0">
-            <a:schemeClr val="accent1"/>
-          </a:effectRef>
-          <a:fontRef idx="minor">
-            <a:schemeClr val="tx1"/>
-          </a:fontRef>
-        </p:style>
-      </p:cxnSp>
       <p:sp>
         <p:nvSpPr>
           <p:cNvPr id="15" name="TextBox 14"/>
@@ -8511,6 +8308,36 @@
           </a:p>
         </p:txBody>
       </p:sp>
+      <p:pic>
+        <p:nvPicPr>
+          <p:cNvPr id="13" name="그림 12"/>
+          <p:cNvPicPr>
+            <a:picLocks noChangeAspect="1"/>
+          </p:cNvPicPr>
+          <p:nvPr/>
+        </p:nvPicPr>
+        <p:blipFill>
+          <a:blip r:embed="rId2">
+            <a:extLst>
+              <a:ext uri="{28A0092B-C50C-407E-A947-70E740481C1C}">
+                <a14:useLocalDpi xmlns:a14="http://schemas.microsoft.com/office/drawing/2010/main" val="0"/>
+              </a:ext>
+            </a:extLst>
+          </a:blip>
+          <a:stretch>
+            <a:fillRect/>
+          </a:stretch>
+        </p:blipFill>
+        <p:spPr>
+          <a:xfrm>
+            <a:off x="1828430" y="1219504"/>
+            <a:ext cx="8535140" cy="3261643"/>
+          </a:xfrm>
+          <a:prstGeom prst="rect">
+            <a:avLst/>
+          </a:prstGeom>
+        </p:spPr>
+      </p:pic>
     </p:spTree>
     <p:extLst>
       <p:ext uri="{BB962C8B-B14F-4D97-AF65-F5344CB8AC3E}">
@@ -9247,8 +9074,8 @@
         </p:nvSpPr>
         <p:spPr>
           <a:xfrm>
-            <a:off x="3911749" y="548640"/>
-            <a:ext cx="4368505" cy="1107996"/>
+            <a:off x="4376620" y="353840"/>
+            <a:ext cx="3438762" cy="1107996"/>
           </a:xfrm>
           <a:prstGeom prst="rect">
             <a:avLst/>
@@ -9268,7 +9095,7 @@
                   <a:srgbClr val="FFC000"/>
                 </a:solidFill>
               </a:rPr>
-              <a:t>Instance</a:t>
+              <a:t>Member</a:t>
             </a:r>
             <a:r>
               <a:rPr lang="en-US" altLang="ko-KR" sz="6600" dirty="0" smtClean="0"/>
@@ -9286,8 +9113,8 @@
         </p:nvSpPr>
         <p:spPr>
           <a:xfrm>
-            <a:off x="3728320" y="1891145"/>
-            <a:ext cx="5040162" cy="369332"/>
+            <a:off x="3969458" y="1529568"/>
+            <a:ext cx="4253087" cy="584775"/>
           </a:xfrm>
           <a:prstGeom prst="rect">
             <a:avLst/>
@@ -9300,32 +9127,49 @@
           </a:bodyPr>
           <a:lstStyle/>
           <a:p>
-            <a:r>
-              <a:rPr lang="ko-KR" altLang="en-US" dirty="0" smtClean="0"/>
-              <a:t>객체를 말하는 것이지만</a:t>
-            </a:r>
-            <a:r>
-              <a:rPr lang="en-US" altLang="ko-KR" dirty="0" smtClean="0"/>
-              <a:t>, Object</a:t>
-            </a:r>
-            <a:r>
-              <a:rPr lang="ko-KR" altLang="en-US" dirty="0" smtClean="0"/>
-              <a:t>와의 차이는</a:t>
-            </a:r>
-            <a:endParaRPr lang="ko-KR" altLang="en-US" dirty="0"/>
-          </a:p>
-        </p:txBody>
-      </p:sp>
-      <p:sp>
-        <p:nvSpPr>
-          <p:cNvPr id="4" name="TextBox 3"/>
+            <a:pPr algn="ctr"/>
+            <a:r>
+              <a:rPr lang="en-US" altLang="ko-KR" sz="3200" b="1" dirty="0" smtClean="0"/>
+              <a:t>= Fields + Methods</a:t>
+            </a:r>
+            <a:endParaRPr lang="ko-KR" altLang="en-US" sz="3200" b="1" dirty="0"/>
+          </a:p>
+        </p:txBody>
+      </p:sp>
+      <p:pic>
+        <p:nvPicPr>
+          <p:cNvPr id="4" name="그림 3"/>
+          <p:cNvPicPr>
+            <a:picLocks noChangeAspect="1"/>
+          </p:cNvPicPr>
+          <p:nvPr/>
+        </p:nvPicPr>
+        <p:blipFill>
+          <a:blip r:embed="rId2"/>
+          <a:stretch>
+            <a:fillRect/>
+          </a:stretch>
+        </p:blipFill>
+        <p:spPr>
+          <a:xfrm>
+            <a:off x="2867470" y="2628766"/>
+            <a:ext cx="6457059" cy="3416433"/>
+          </a:xfrm>
+          <a:prstGeom prst="rect">
+            <a:avLst/>
+          </a:prstGeom>
+        </p:spPr>
+      </p:pic>
+      <p:sp>
+        <p:nvSpPr>
+          <p:cNvPr id="5" name="TextBox 4"/>
           <p:cNvSpPr txBox="1"/>
           <p:nvPr/>
         </p:nvSpPr>
         <p:spPr>
           <a:xfrm>
-            <a:off x="4064149" y="2538920"/>
-            <a:ext cx="4280339" cy="369332"/>
+            <a:off x="3293533" y="6251845"/>
+            <a:ext cx="5604933" cy="307777"/>
           </a:xfrm>
           <a:prstGeom prst="rect">
             <a:avLst/>
@@ -9333,49 +9177,60 @@
           <a:noFill/>
         </p:spPr>
         <p:txBody>
-          <a:bodyPr wrap="none" rtlCol="0">
+          <a:bodyPr wrap="square" rtlCol="0">
             <a:spAutoFit/>
           </a:bodyPr>
           <a:lstStyle/>
           <a:p>
-            <a:r>
-              <a:rPr lang="ko-KR" altLang="en-US" dirty="0" smtClean="0"/>
-              <a:t>그냥 </a:t>
-            </a:r>
-            <a:r>
-              <a:rPr lang="ko-KR" altLang="en-US" b="1" dirty="0" smtClean="0">
-                <a:solidFill>
-                  <a:srgbClr val="FFC000"/>
-                </a:solidFill>
-              </a:rPr>
-              <a:t>단순한 하나의 객체</a:t>
-            </a:r>
-            <a:r>
-              <a:rPr lang="ko-KR" altLang="en-US" dirty="0" smtClean="0"/>
-              <a:t>만 말하는 것</a:t>
-            </a:r>
-            <a:endParaRPr lang="ko-KR" altLang="en-US" dirty="0"/>
-          </a:p>
-        </p:txBody>
-      </p:sp>
-      <p:sp>
-        <p:nvSpPr>
-          <p:cNvPr id="5" name="직사각형 4"/>
+            <a:pPr algn="ctr"/>
+            <a:r>
+              <a:rPr lang="ko-KR" altLang="en-US" sz="1400" b="1" dirty="0" err="1" smtClean="0">
+                <a:solidFill>
+                  <a:schemeClr val="tx1">
+                    <a:lumMod val="75000"/>
+                  </a:schemeClr>
+                </a:solidFill>
+              </a:rPr>
+              <a:t>생성자는</a:t>
+            </a:r>
+            <a:r>
+              <a:rPr lang="ko-KR" altLang="en-US" sz="1400" b="1" dirty="0" smtClean="0">
+                <a:solidFill>
+                  <a:schemeClr val="tx1">
+                    <a:lumMod val="75000"/>
+                  </a:schemeClr>
+                </a:solidFill>
+              </a:rPr>
+              <a:t> 클래스 멤버가 아님</a:t>
+            </a:r>
+            <a:endParaRPr lang="ko-KR" altLang="en-US" sz="1400" b="1" dirty="0">
+              <a:solidFill>
+                <a:schemeClr val="tx1">
+                  <a:lumMod val="75000"/>
+                </a:schemeClr>
+              </a:solidFill>
+            </a:endParaRPr>
+          </a:p>
+        </p:txBody>
+      </p:sp>
+      <p:sp>
+        <p:nvSpPr>
+          <p:cNvPr id="6" name="직사각형 5"/>
           <p:cNvSpPr/>
           <p:nvPr/>
         </p:nvSpPr>
         <p:spPr>
           <a:xfrm>
-            <a:off x="1742828" y="5037619"/>
-            <a:ext cx="1208782" cy="556054"/>
+            <a:off x="2525935" y="2455333"/>
+            <a:ext cx="7140130" cy="3589866"/>
           </a:xfrm>
           <a:prstGeom prst="rect">
             <a:avLst/>
           </a:prstGeom>
           <a:noFill/>
-          <a:ln w="38100">
+          <a:ln w="76200">
             <a:solidFill>
-              <a:schemeClr val="tx1"/>
+              <a:srgbClr val="FFC000"/>
             </a:solidFill>
           </a:ln>
         </p:spPr>
@@ -9400,478 +9255,14 @@
           <a:lstStyle/>
           <a:p>
             <a:pPr algn="ctr"/>
-            <a:r>
-              <a:rPr lang="ko-KR" altLang="en-US" b="1" dirty="0" smtClean="0">
-                <a:solidFill>
-                  <a:schemeClr val="tx1"/>
-                </a:solidFill>
-                <a:latin typeface="Consolas" panose="020B0609020204030204" pitchFamily="49" charset="0"/>
-              </a:rPr>
-              <a:t>객체 </a:t>
-            </a:r>
-            <a:r>
-              <a:rPr lang="en-US" altLang="ko-KR" b="1" dirty="0" smtClean="0">
-                <a:solidFill>
-                  <a:schemeClr val="tx1"/>
-                </a:solidFill>
-                <a:latin typeface="Consolas" panose="020B0609020204030204" pitchFamily="49" charset="0"/>
-              </a:rPr>
-              <a:t>1</a:t>
-            </a:r>
-            <a:endParaRPr lang="ko-KR" altLang="en-US" b="1" dirty="0">
-              <a:solidFill>
-                <a:schemeClr val="tx1"/>
-              </a:solidFill>
-              <a:latin typeface="Consolas" panose="020B0609020204030204" pitchFamily="49" charset="0"/>
-            </a:endParaRPr>
-          </a:p>
-        </p:txBody>
-      </p:sp>
-      <p:sp>
-        <p:nvSpPr>
-          <p:cNvPr id="6" name="직사각형 5"/>
-          <p:cNvSpPr/>
-          <p:nvPr/>
-        </p:nvSpPr>
-        <p:spPr>
-          <a:xfrm>
-            <a:off x="3617219" y="5037619"/>
-            <a:ext cx="1208782" cy="556054"/>
-          </a:xfrm>
-          <a:prstGeom prst="rect">
-            <a:avLst/>
-          </a:prstGeom>
-          <a:noFill/>
-          <a:ln w="38100">
-            <a:solidFill>
-              <a:schemeClr val="tx1"/>
-            </a:solidFill>
-          </a:ln>
-        </p:spPr>
-        <p:style>
-          <a:lnRef idx="2">
-            <a:schemeClr val="accent1">
-              <a:shade val="50000"/>
-            </a:schemeClr>
-          </a:lnRef>
-          <a:fillRef idx="1">
-            <a:schemeClr val="accent1"/>
-          </a:fillRef>
-          <a:effectRef idx="0">
-            <a:schemeClr val="accent1"/>
-          </a:effectRef>
-          <a:fontRef idx="minor">
-            <a:schemeClr val="lt1"/>
-          </a:fontRef>
-        </p:style>
-        <p:txBody>
-          <a:bodyPr rtlCol="0" anchor="ctr"/>
-          <a:lstStyle/>
-          <a:p>
-            <a:pPr algn="ctr"/>
-            <a:r>
-              <a:rPr lang="ko-KR" altLang="en-US" b="1" dirty="0" smtClean="0">
-                <a:solidFill>
-                  <a:schemeClr val="tx1"/>
-                </a:solidFill>
-                <a:latin typeface="Consolas" panose="020B0609020204030204" pitchFamily="49" charset="0"/>
-              </a:rPr>
-              <a:t>객체 </a:t>
-            </a:r>
-            <a:r>
-              <a:rPr lang="en-US" altLang="ko-KR" b="1" dirty="0">
-                <a:solidFill>
-                  <a:schemeClr val="tx1"/>
-                </a:solidFill>
-                <a:latin typeface="Consolas" panose="020B0609020204030204" pitchFamily="49" charset="0"/>
-              </a:rPr>
-              <a:t>2</a:t>
-            </a:r>
-            <a:endParaRPr lang="ko-KR" altLang="en-US" b="1" dirty="0">
-              <a:solidFill>
-                <a:schemeClr val="tx1"/>
-              </a:solidFill>
-              <a:latin typeface="Consolas" panose="020B0609020204030204" pitchFamily="49" charset="0"/>
-            </a:endParaRPr>
-          </a:p>
-        </p:txBody>
-      </p:sp>
-      <p:sp>
-        <p:nvSpPr>
-          <p:cNvPr id="7" name="직사각형 6"/>
-          <p:cNvSpPr/>
-          <p:nvPr/>
-        </p:nvSpPr>
-        <p:spPr>
-          <a:xfrm>
-            <a:off x="5491610" y="5037619"/>
-            <a:ext cx="1208782" cy="556054"/>
-          </a:xfrm>
-          <a:prstGeom prst="rect">
-            <a:avLst/>
-          </a:prstGeom>
-          <a:noFill/>
-          <a:ln w="38100">
-            <a:solidFill>
-              <a:schemeClr val="tx1"/>
-            </a:solidFill>
-          </a:ln>
-        </p:spPr>
-        <p:style>
-          <a:lnRef idx="2">
-            <a:schemeClr val="accent1">
-              <a:shade val="50000"/>
-            </a:schemeClr>
-          </a:lnRef>
-          <a:fillRef idx="1">
-            <a:schemeClr val="accent1"/>
-          </a:fillRef>
-          <a:effectRef idx="0">
-            <a:schemeClr val="accent1"/>
-          </a:effectRef>
-          <a:fontRef idx="minor">
-            <a:schemeClr val="lt1"/>
-          </a:fontRef>
-        </p:style>
-        <p:txBody>
-          <a:bodyPr rtlCol="0" anchor="ctr"/>
-          <a:lstStyle/>
-          <a:p>
-            <a:pPr algn="ctr"/>
-            <a:r>
-              <a:rPr lang="ko-KR" altLang="en-US" b="1" dirty="0" smtClean="0">
-                <a:solidFill>
-                  <a:schemeClr val="tx1"/>
-                </a:solidFill>
-                <a:latin typeface="Consolas" panose="020B0609020204030204" pitchFamily="49" charset="0"/>
-              </a:rPr>
-              <a:t>객체 </a:t>
-            </a:r>
-            <a:r>
-              <a:rPr lang="en-US" altLang="ko-KR" b="1" dirty="0">
-                <a:solidFill>
-                  <a:schemeClr val="tx1"/>
-                </a:solidFill>
-                <a:latin typeface="Consolas" panose="020B0609020204030204" pitchFamily="49" charset="0"/>
-              </a:rPr>
-              <a:t>3</a:t>
-            </a:r>
-            <a:endParaRPr lang="ko-KR" altLang="en-US" b="1" dirty="0">
-              <a:solidFill>
-                <a:schemeClr val="tx1"/>
-              </a:solidFill>
-              <a:latin typeface="Consolas" panose="020B0609020204030204" pitchFamily="49" charset="0"/>
-            </a:endParaRPr>
-          </a:p>
-        </p:txBody>
-      </p:sp>
-      <p:sp>
-        <p:nvSpPr>
-          <p:cNvPr id="8" name="직사각형 7"/>
-          <p:cNvSpPr/>
-          <p:nvPr/>
-        </p:nvSpPr>
-        <p:spPr>
-          <a:xfrm>
-            <a:off x="7366001" y="5037619"/>
-            <a:ext cx="1208782" cy="556054"/>
-          </a:xfrm>
-          <a:prstGeom prst="rect">
-            <a:avLst/>
-          </a:prstGeom>
-          <a:noFill/>
-          <a:ln w="38100">
-            <a:solidFill>
-              <a:schemeClr val="tx1"/>
-            </a:solidFill>
-          </a:ln>
-        </p:spPr>
-        <p:style>
-          <a:lnRef idx="2">
-            <a:schemeClr val="accent1">
-              <a:shade val="50000"/>
-            </a:schemeClr>
-          </a:lnRef>
-          <a:fillRef idx="1">
-            <a:schemeClr val="accent1"/>
-          </a:fillRef>
-          <a:effectRef idx="0">
-            <a:schemeClr val="accent1"/>
-          </a:effectRef>
-          <a:fontRef idx="minor">
-            <a:schemeClr val="lt1"/>
-          </a:fontRef>
-        </p:style>
-        <p:txBody>
-          <a:bodyPr rtlCol="0" anchor="ctr"/>
-          <a:lstStyle/>
-          <a:p>
-            <a:pPr algn="ctr"/>
-            <a:r>
-              <a:rPr lang="ko-KR" altLang="en-US" b="1" dirty="0" smtClean="0">
-                <a:solidFill>
-                  <a:schemeClr val="tx1"/>
-                </a:solidFill>
-                <a:latin typeface="Consolas" panose="020B0609020204030204" pitchFamily="49" charset="0"/>
-              </a:rPr>
-              <a:t>객체 </a:t>
-            </a:r>
-            <a:r>
-              <a:rPr lang="en-US" altLang="ko-KR" b="1" dirty="0">
-                <a:solidFill>
-                  <a:schemeClr val="tx1"/>
-                </a:solidFill>
-                <a:latin typeface="Consolas" panose="020B0609020204030204" pitchFamily="49" charset="0"/>
-              </a:rPr>
-              <a:t>4</a:t>
-            </a:r>
-            <a:endParaRPr lang="ko-KR" altLang="en-US" b="1" dirty="0">
-              <a:solidFill>
-                <a:schemeClr val="tx1"/>
-              </a:solidFill>
-              <a:latin typeface="Consolas" panose="020B0609020204030204" pitchFamily="49" charset="0"/>
-            </a:endParaRPr>
-          </a:p>
-        </p:txBody>
-      </p:sp>
-      <p:sp>
-        <p:nvSpPr>
-          <p:cNvPr id="9" name="타원 8"/>
-          <p:cNvSpPr/>
-          <p:nvPr/>
-        </p:nvSpPr>
-        <p:spPr>
-          <a:xfrm>
-            <a:off x="1155700" y="4381500"/>
-            <a:ext cx="8089900" cy="1866900"/>
-          </a:xfrm>
-          <a:prstGeom prst="ellipse">
-            <a:avLst/>
-          </a:prstGeom>
-          <a:noFill/>
-          <a:ln w="57150">
-            <a:solidFill>
-              <a:schemeClr val="accent4"/>
-            </a:solidFill>
-          </a:ln>
-        </p:spPr>
-        <p:style>
-          <a:lnRef idx="2">
-            <a:schemeClr val="accent1">
-              <a:shade val="50000"/>
-            </a:schemeClr>
-          </a:lnRef>
-          <a:fillRef idx="1">
-            <a:schemeClr val="accent1"/>
-          </a:fillRef>
-          <a:effectRef idx="0">
-            <a:schemeClr val="accent1"/>
-          </a:effectRef>
-          <a:fontRef idx="minor">
-            <a:schemeClr val="lt1"/>
-          </a:fontRef>
-        </p:style>
-        <p:txBody>
-          <a:bodyPr rtlCol="0" anchor="ctr"/>
-          <a:lstStyle/>
-          <a:p>
-            <a:pPr algn="ctr"/>
             <a:endParaRPr lang="ko-KR" altLang="en-US"/>
-          </a:p>
-        </p:txBody>
-      </p:sp>
-      <p:cxnSp>
-        <p:nvCxnSpPr>
-          <p:cNvPr id="11" name="직선 화살표 연결선 10"/>
-          <p:cNvCxnSpPr/>
-          <p:nvPr/>
-        </p:nvCxnSpPr>
-        <p:spPr>
-          <a:xfrm flipH="1">
-            <a:off x="9042400" y="4686300"/>
-            <a:ext cx="546100" cy="351319"/>
-          </a:xfrm>
-          <a:prstGeom prst="straightConnector1">
-            <a:avLst/>
-          </a:prstGeom>
-          <a:ln w="57150">
-            <a:solidFill>
-              <a:schemeClr val="accent4"/>
-            </a:solidFill>
-            <a:tailEnd type="triangle"/>
-          </a:ln>
-        </p:spPr>
-        <p:style>
-          <a:lnRef idx="1">
-            <a:schemeClr val="accent1"/>
-          </a:lnRef>
-          <a:fillRef idx="0">
-            <a:schemeClr val="accent1"/>
-          </a:fillRef>
-          <a:effectRef idx="0">
-            <a:schemeClr val="accent1"/>
-          </a:effectRef>
-          <a:fontRef idx="minor">
-            <a:schemeClr val="tx1"/>
-          </a:fontRef>
-        </p:style>
-      </p:cxnSp>
-      <p:sp>
-        <p:nvSpPr>
-          <p:cNvPr id="12" name="TextBox 11"/>
-          <p:cNvSpPr txBox="1"/>
-          <p:nvPr/>
-        </p:nvSpPr>
-        <p:spPr>
-          <a:xfrm>
-            <a:off x="9695308" y="4316968"/>
-            <a:ext cx="1892300" cy="369332"/>
-          </a:xfrm>
-          <a:prstGeom prst="rect">
-            <a:avLst/>
-          </a:prstGeom>
-          <a:noFill/>
-        </p:spPr>
-        <p:txBody>
-          <a:bodyPr wrap="square" rtlCol="0">
-            <a:spAutoFit/>
-          </a:bodyPr>
-          <a:lstStyle/>
-          <a:p>
-            <a:r>
-              <a:rPr lang="en-US" altLang="ko-KR" b="1" dirty="0" smtClean="0"/>
-              <a:t>Object(</a:t>
-            </a:r>
-            <a:r>
-              <a:rPr lang="ko-KR" altLang="en-US" b="1" dirty="0" smtClean="0"/>
-              <a:t>객체</a:t>
-            </a:r>
-            <a:r>
-              <a:rPr lang="en-US" altLang="ko-KR" b="1" dirty="0" smtClean="0"/>
-              <a:t>)</a:t>
-            </a:r>
-            <a:endParaRPr lang="ko-KR" altLang="en-US" b="1" dirty="0"/>
-          </a:p>
-        </p:txBody>
-      </p:sp>
-      <p:sp>
-        <p:nvSpPr>
-          <p:cNvPr id="13" name="TextBox 12"/>
-          <p:cNvSpPr txBox="1"/>
-          <p:nvPr/>
-        </p:nvSpPr>
-        <p:spPr>
-          <a:xfrm>
-            <a:off x="3546378" y="3129884"/>
-            <a:ext cx="5315879" cy="369332"/>
-          </a:xfrm>
-          <a:prstGeom prst="rect">
-            <a:avLst/>
-          </a:prstGeom>
-          <a:noFill/>
-        </p:spPr>
-        <p:txBody>
-          <a:bodyPr wrap="none" rtlCol="0">
-            <a:spAutoFit/>
-          </a:bodyPr>
-          <a:lstStyle/>
-          <a:p>
-            <a:r>
-              <a:rPr lang="en-US" altLang="ko-KR" dirty="0" smtClean="0"/>
-              <a:t>Object =&gt; </a:t>
-            </a:r>
-            <a:r>
-              <a:rPr lang="ko-KR" altLang="en-US" dirty="0" smtClean="0"/>
-              <a:t>이 세상의 모든 객체를 </a:t>
-            </a:r>
-            <a:r>
-              <a:rPr lang="ko-KR" altLang="en-US" dirty="0" smtClean="0">
-                <a:solidFill>
-                  <a:srgbClr val="FFC000"/>
-                </a:solidFill>
-              </a:rPr>
-              <a:t>통칭</a:t>
-            </a:r>
-            <a:r>
-              <a:rPr lang="ko-KR" altLang="en-US" dirty="0" smtClean="0"/>
-              <a:t>하는 말</a:t>
-            </a:r>
-            <a:endParaRPr lang="ko-KR" altLang="en-US" dirty="0"/>
-          </a:p>
-        </p:txBody>
-      </p:sp>
-      <p:cxnSp>
-        <p:nvCxnSpPr>
-          <p:cNvPr id="16" name="직선 화살표 연결선 15"/>
-          <p:cNvCxnSpPr>
-            <a:endCxn id="8" idx="0"/>
-          </p:cNvCxnSpPr>
-          <p:nvPr/>
-        </p:nvCxnSpPr>
-        <p:spPr>
-          <a:xfrm flipH="1">
-            <a:off x="7970392" y="4316968"/>
-            <a:ext cx="604391" cy="720651"/>
-          </a:xfrm>
-          <a:prstGeom prst="straightConnector1">
-            <a:avLst/>
-          </a:prstGeom>
-          <a:ln w="57150">
-            <a:solidFill>
-              <a:srgbClr val="00B0F0"/>
-            </a:solidFill>
-            <a:tailEnd type="triangle"/>
-          </a:ln>
-        </p:spPr>
-        <p:style>
-          <a:lnRef idx="1">
-            <a:schemeClr val="accent1"/>
-          </a:lnRef>
-          <a:fillRef idx="0">
-            <a:schemeClr val="accent1"/>
-          </a:fillRef>
-          <a:effectRef idx="0">
-            <a:schemeClr val="accent1"/>
-          </a:effectRef>
-          <a:fontRef idx="minor">
-            <a:schemeClr val="tx1"/>
-          </a:fontRef>
-        </p:style>
-      </p:cxnSp>
-      <p:sp>
-        <p:nvSpPr>
-          <p:cNvPr id="17" name="TextBox 16"/>
-          <p:cNvSpPr txBox="1"/>
-          <p:nvPr/>
-        </p:nvSpPr>
-        <p:spPr>
-          <a:xfrm>
-            <a:off x="8531635" y="4018032"/>
-            <a:ext cx="1206821" cy="369332"/>
-          </a:xfrm>
-          <a:prstGeom prst="rect">
-            <a:avLst/>
-          </a:prstGeom>
-          <a:noFill/>
-        </p:spPr>
-        <p:txBody>
-          <a:bodyPr wrap="square" rtlCol="0">
-            <a:spAutoFit/>
-          </a:bodyPr>
-          <a:lstStyle/>
-          <a:p>
-            <a:r>
-              <a:rPr lang="ko-KR" altLang="en-US" b="1" dirty="0" smtClean="0"/>
-              <a:t>인스턴스</a:t>
-            </a:r>
-            <a:endParaRPr lang="ko-KR" altLang="en-US" b="1" dirty="0"/>
           </a:p>
         </p:txBody>
       </p:sp>
     </p:spTree>
     <p:extLst>
       <p:ext uri="{BB962C8B-B14F-4D97-AF65-F5344CB8AC3E}">
-        <p14:creationId xmlns:p14="http://schemas.microsoft.com/office/powerpoint/2010/main" val="2808134594"/>
+        <p14:creationId xmlns:p14="http://schemas.microsoft.com/office/powerpoint/2010/main" val="183589612"/>
       </p:ext>
     </p:extLst>
   </p:cSld>
@@ -9913,8 +9304,8 @@
         </p:nvSpPr>
         <p:spPr>
           <a:xfrm>
-            <a:off x="3214445" y="548640"/>
-            <a:ext cx="5763117" cy="1107996"/>
+            <a:off x="1819829" y="519395"/>
+            <a:ext cx="8552341" cy="1107996"/>
           </a:xfrm>
           <a:prstGeom prst="rect">
             <a:avLst/>
@@ -9934,11 +9325,19 @@
                   <a:srgbClr val="FFC000"/>
                 </a:solidFill>
               </a:rPr>
-              <a:t>Constructor</a:t>
-            </a:r>
-            <a:r>
-              <a:rPr lang="en-US" altLang="ko-KR" sz="6600" dirty="0" smtClean="0"/>
-              <a:t>?</a:t>
+              <a:t>Instance </a:t>
+            </a:r>
+            <a:r>
+              <a:rPr lang="en-US" altLang="ko-KR" sz="6600" b="1" dirty="0" smtClean="0"/>
+              <a:t>vs</a:t>
+            </a:r>
+            <a:r>
+              <a:rPr lang="en-US" altLang="ko-KR" sz="6600" b="1" dirty="0" smtClean="0">
+                <a:solidFill>
+                  <a:srgbClr val="FFC000"/>
+                </a:solidFill>
+              </a:rPr>
+              <a:t> Object</a:t>
             </a:r>
             <a:endParaRPr lang="ko-KR" altLang="en-US" sz="6600" dirty="0"/>
           </a:p>
@@ -9952,8 +9351,8 @@
         </p:nvSpPr>
         <p:spPr>
           <a:xfrm>
-            <a:off x="4619959" y="2388776"/>
-            <a:ext cx="3031599" cy="400110"/>
+            <a:off x="4089680" y="1806193"/>
+            <a:ext cx="4012637" cy="369332"/>
           </a:xfrm>
           <a:prstGeom prst="rect">
             <a:avLst/>
@@ -9968,14 +9367,34 @@
           <a:p>
             <a:pPr algn="ctr"/>
             <a:r>
-              <a:rPr lang="ko-KR" altLang="en-US" sz="2000" dirty="0" smtClean="0"/>
-              <a:t>객체를 생성하는 </a:t>
-            </a:r>
-            <a:r>
-              <a:rPr lang="ko-KR" altLang="en-US" sz="2000" dirty="0" err="1" smtClean="0"/>
-              <a:t>생성자</a:t>
-            </a:r>
-            <a:endParaRPr lang="en-US" altLang="ko-KR" sz="2000" dirty="0" smtClean="0">
+              <a:rPr lang="en-US" altLang="ko-KR" dirty="0" smtClean="0"/>
+              <a:t>Object =&gt; </a:t>
+            </a:r>
+            <a:r>
+              <a:rPr lang="ko-KR" altLang="en-US" dirty="0" smtClean="0"/>
+              <a:t>객체를 </a:t>
+            </a:r>
+            <a:r>
+              <a:rPr lang="ko-KR" altLang="en-US" dirty="0" smtClean="0">
+                <a:solidFill>
+                  <a:srgbClr val="FFC000"/>
+                </a:solidFill>
+              </a:rPr>
+              <a:t>통칭</a:t>
+            </a:r>
+            <a:r>
+              <a:rPr lang="ko-KR" altLang="en-US" dirty="0" smtClean="0"/>
+              <a:t>하는 </a:t>
+            </a:r>
+            <a:r>
+              <a:rPr lang="ko-KR" altLang="en-US" dirty="0" smtClean="0">
+                <a:solidFill>
+                  <a:srgbClr val="FFC000"/>
+                </a:solidFill>
+              </a:rPr>
+              <a:t>대명사</a:t>
+            </a:r>
+            <a:endParaRPr lang="ko-KR" altLang="en-US" dirty="0">
               <a:solidFill>
                 <a:srgbClr val="FFC000"/>
               </a:solidFill>
@@ -9991,8 +9410,8 @@
         </p:nvSpPr>
         <p:spPr>
           <a:xfrm>
-            <a:off x="2715597" y="3294466"/>
-            <a:ext cx="6840334" cy="400110"/>
+            <a:off x="4015141" y="2570582"/>
+            <a:ext cx="4161717" cy="369332"/>
           </a:xfrm>
           <a:prstGeom prst="rect">
             <a:avLst/>
@@ -10007,14 +9426,360 @@
           <a:p>
             <a:pPr algn="ctr"/>
             <a:r>
-              <a:rPr lang="ko-KR" altLang="en-US" sz="2000" dirty="0" smtClean="0"/>
-              <a:t>필드의 변수를 해당 객체가 가질 수 있도록 선언해 줌</a:t>
-            </a:r>
-            <a:r>
-              <a:rPr lang="en-US" altLang="ko-KR" sz="2000" dirty="0" smtClean="0"/>
-              <a:t>.</a:t>
-            </a:r>
-            <a:endParaRPr lang="en-US" altLang="ko-KR" sz="2000" dirty="0" smtClean="0">
+              <a:rPr lang="en-US" altLang="ko-KR" dirty="0" smtClean="0"/>
+              <a:t>Instance =&gt; </a:t>
+            </a:r>
+            <a:r>
+              <a:rPr lang="ko-KR" altLang="en-US" dirty="0" smtClean="0"/>
+              <a:t>객체 딱 하나만을 의미</a:t>
+            </a:r>
+            <a:endParaRPr lang="ko-KR" altLang="en-US" dirty="0"/>
+          </a:p>
+        </p:txBody>
+      </p:sp>
+      <p:sp>
+        <p:nvSpPr>
+          <p:cNvPr id="5" name="직사각형 4"/>
+          <p:cNvSpPr/>
+          <p:nvPr/>
+        </p:nvSpPr>
+        <p:spPr>
+          <a:xfrm>
+            <a:off x="1742828" y="5037619"/>
+            <a:ext cx="1208782" cy="556054"/>
+          </a:xfrm>
+          <a:prstGeom prst="rect">
+            <a:avLst/>
+          </a:prstGeom>
+          <a:noFill/>
+          <a:ln w="38100">
+            <a:solidFill>
+              <a:schemeClr val="tx1"/>
+            </a:solidFill>
+          </a:ln>
+        </p:spPr>
+        <p:style>
+          <a:lnRef idx="2">
+            <a:schemeClr val="accent1">
+              <a:shade val="50000"/>
+            </a:schemeClr>
+          </a:lnRef>
+          <a:fillRef idx="1">
+            <a:schemeClr val="accent1"/>
+          </a:fillRef>
+          <a:effectRef idx="0">
+            <a:schemeClr val="accent1"/>
+          </a:effectRef>
+          <a:fontRef idx="minor">
+            <a:schemeClr val="lt1"/>
+          </a:fontRef>
+        </p:style>
+        <p:txBody>
+          <a:bodyPr rtlCol="0" anchor="ctr"/>
+          <a:lstStyle/>
+          <a:p>
+            <a:pPr algn="ctr"/>
+            <a:r>
+              <a:rPr lang="ko-KR" altLang="en-US" b="1" dirty="0" smtClean="0">
+                <a:solidFill>
+                  <a:schemeClr val="tx1"/>
+                </a:solidFill>
+                <a:latin typeface="Consolas" panose="020B0609020204030204" pitchFamily="49" charset="0"/>
+              </a:rPr>
+              <a:t>객체 </a:t>
+            </a:r>
+            <a:r>
+              <a:rPr lang="en-US" altLang="ko-KR" b="1" dirty="0" smtClean="0">
+                <a:solidFill>
+                  <a:schemeClr val="tx1"/>
+                </a:solidFill>
+                <a:latin typeface="Consolas" panose="020B0609020204030204" pitchFamily="49" charset="0"/>
+              </a:rPr>
+              <a:t>1</a:t>
+            </a:r>
+            <a:endParaRPr lang="ko-KR" altLang="en-US" b="1" dirty="0">
+              <a:solidFill>
+                <a:schemeClr val="tx1"/>
+              </a:solidFill>
+              <a:latin typeface="Consolas" panose="020B0609020204030204" pitchFamily="49" charset="0"/>
+            </a:endParaRPr>
+          </a:p>
+        </p:txBody>
+      </p:sp>
+      <p:sp>
+        <p:nvSpPr>
+          <p:cNvPr id="6" name="직사각형 5"/>
+          <p:cNvSpPr/>
+          <p:nvPr/>
+        </p:nvSpPr>
+        <p:spPr>
+          <a:xfrm>
+            <a:off x="3617219" y="5037619"/>
+            <a:ext cx="1208782" cy="556054"/>
+          </a:xfrm>
+          <a:prstGeom prst="rect">
+            <a:avLst/>
+          </a:prstGeom>
+          <a:noFill/>
+          <a:ln w="38100">
+            <a:solidFill>
+              <a:schemeClr val="tx1"/>
+            </a:solidFill>
+          </a:ln>
+        </p:spPr>
+        <p:style>
+          <a:lnRef idx="2">
+            <a:schemeClr val="accent1">
+              <a:shade val="50000"/>
+            </a:schemeClr>
+          </a:lnRef>
+          <a:fillRef idx="1">
+            <a:schemeClr val="accent1"/>
+          </a:fillRef>
+          <a:effectRef idx="0">
+            <a:schemeClr val="accent1"/>
+          </a:effectRef>
+          <a:fontRef idx="minor">
+            <a:schemeClr val="lt1"/>
+          </a:fontRef>
+        </p:style>
+        <p:txBody>
+          <a:bodyPr rtlCol="0" anchor="ctr"/>
+          <a:lstStyle/>
+          <a:p>
+            <a:pPr algn="ctr"/>
+            <a:r>
+              <a:rPr lang="ko-KR" altLang="en-US" b="1" dirty="0" smtClean="0">
+                <a:solidFill>
+                  <a:schemeClr val="tx1"/>
+                </a:solidFill>
+                <a:latin typeface="Consolas" panose="020B0609020204030204" pitchFamily="49" charset="0"/>
+              </a:rPr>
+              <a:t>객체 </a:t>
+            </a:r>
+            <a:r>
+              <a:rPr lang="en-US" altLang="ko-KR" b="1" dirty="0">
+                <a:solidFill>
+                  <a:schemeClr val="tx1"/>
+                </a:solidFill>
+                <a:latin typeface="Consolas" panose="020B0609020204030204" pitchFamily="49" charset="0"/>
+              </a:rPr>
+              <a:t>2</a:t>
+            </a:r>
+            <a:endParaRPr lang="ko-KR" altLang="en-US" b="1" dirty="0">
+              <a:solidFill>
+                <a:schemeClr val="tx1"/>
+              </a:solidFill>
+              <a:latin typeface="Consolas" panose="020B0609020204030204" pitchFamily="49" charset="0"/>
+            </a:endParaRPr>
+          </a:p>
+        </p:txBody>
+      </p:sp>
+      <p:sp>
+        <p:nvSpPr>
+          <p:cNvPr id="7" name="직사각형 6"/>
+          <p:cNvSpPr/>
+          <p:nvPr/>
+        </p:nvSpPr>
+        <p:spPr>
+          <a:xfrm>
+            <a:off x="5491610" y="5037619"/>
+            <a:ext cx="1208782" cy="556054"/>
+          </a:xfrm>
+          <a:prstGeom prst="rect">
+            <a:avLst/>
+          </a:prstGeom>
+          <a:noFill/>
+          <a:ln w="38100">
+            <a:solidFill>
+              <a:schemeClr val="tx1"/>
+            </a:solidFill>
+          </a:ln>
+        </p:spPr>
+        <p:style>
+          <a:lnRef idx="2">
+            <a:schemeClr val="accent1">
+              <a:shade val="50000"/>
+            </a:schemeClr>
+          </a:lnRef>
+          <a:fillRef idx="1">
+            <a:schemeClr val="accent1"/>
+          </a:fillRef>
+          <a:effectRef idx="0">
+            <a:schemeClr val="accent1"/>
+          </a:effectRef>
+          <a:fontRef idx="minor">
+            <a:schemeClr val="lt1"/>
+          </a:fontRef>
+        </p:style>
+        <p:txBody>
+          <a:bodyPr rtlCol="0" anchor="ctr"/>
+          <a:lstStyle/>
+          <a:p>
+            <a:pPr algn="ctr"/>
+            <a:r>
+              <a:rPr lang="ko-KR" altLang="en-US" b="1" dirty="0" smtClean="0">
+                <a:solidFill>
+                  <a:schemeClr val="tx1"/>
+                </a:solidFill>
+                <a:latin typeface="Consolas" panose="020B0609020204030204" pitchFamily="49" charset="0"/>
+              </a:rPr>
+              <a:t>객체 </a:t>
+            </a:r>
+            <a:r>
+              <a:rPr lang="en-US" altLang="ko-KR" b="1" dirty="0">
+                <a:solidFill>
+                  <a:schemeClr val="tx1"/>
+                </a:solidFill>
+                <a:latin typeface="Consolas" panose="020B0609020204030204" pitchFamily="49" charset="0"/>
+              </a:rPr>
+              <a:t>3</a:t>
+            </a:r>
+            <a:endParaRPr lang="ko-KR" altLang="en-US" b="1" dirty="0">
+              <a:solidFill>
+                <a:schemeClr val="tx1"/>
+              </a:solidFill>
+              <a:latin typeface="Consolas" panose="020B0609020204030204" pitchFamily="49" charset="0"/>
+            </a:endParaRPr>
+          </a:p>
+        </p:txBody>
+      </p:sp>
+      <p:sp>
+        <p:nvSpPr>
+          <p:cNvPr id="8" name="직사각형 7"/>
+          <p:cNvSpPr/>
+          <p:nvPr/>
+        </p:nvSpPr>
+        <p:spPr>
+          <a:xfrm>
+            <a:off x="7366001" y="5037619"/>
+            <a:ext cx="1208782" cy="556054"/>
+          </a:xfrm>
+          <a:prstGeom prst="rect">
+            <a:avLst/>
+          </a:prstGeom>
+          <a:noFill/>
+          <a:ln w="38100">
+            <a:solidFill>
+              <a:schemeClr val="tx1"/>
+            </a:solidFill>
+          </a:ln>
+        </p:spPr>
+        <p:style>
+          <a:lnRef idx="2">
+            <a:schemeClr val="accent1">
+              <a:shade val="50000"/>
+            </a:schemeClr>
+          </a:lnRef>
+          <a:fillRef idx="1">
+            <a:schemeClr val="accent1"/>
+          </a:fillRef>
+          <a:effectRef idx="0">
+            <a:schemeClr val="accent1"/>
+          </a:effectRef>
+          <a:fontRef idx="minor">
+            <a:schemeClr val="lt1"/>
+          </a:fontRef>
+        </p:style>
+        <p:txBody>
+          <a:bodyPr rtlCol="0" anchor="ctr"/>
+          <a:lstStyle/>
+          <a:p>
+            <a:pPr algn="ctr"/>
+            <a:r>
+              <a:rPr lang="ko-KR" altLang="en-US" b="1" dirty="0" smtClean="0">
+                <a:solidFill>
+                  <a:schemeClr val="tx1"/>
+                </a:solidFill>
+                <a:latin typeface="Consolas" panose="020B0609020204030204" pitchFamily="49" charset="0"/>
+              </a:rPr>
+              <a:t>객체 </a:t>
+            </a:r>
+            <a:r>
+              <a:rPr lang="en-US" altLang="ko-KR" b="1" dirty="0">
+                <a:solidFill>
+                  <a:schemeClr val="tx1"/>
+                </a:solidFill>
+                <a:latin typeface="Consolas" panose="020B0609020204030204" pitchFamily="49" charset="0"/>
+              </a:rPr>
+              <a:t>4</a:t>
+            </a:r>
+            <a:endParaRPr lang="ko-KR" altLang="en-US" b="1" dirty="0">
+              <a:solidFill>
+                <a:schemeClr val="tx1"/>
+              </a:solidFill>
+              <a:latin typeface="Consolas" panose="020B0609020204030204" pitchFamily="49" charset="0"/>
+            </a:endParaRPr>
+          </a:p>
+        </p:txBody>
+      </p:sp>
+      <p:cxnSp>
+        <p:nvCxnSpPr>
+          <p:cNvPr id="11" name="직선 화살표 연결선 10"/>
+          <p:cNvCxnSpPr/>
+          <p:nvPr/>
+        </p:nvCxnSpPr>
+        <p:spPr>
+          <a:xfrm flipH="1">
+            <a:off x="8366697" y="4361173"/>
+            <a:ext cx="574103" cy="680766"/>
+          </a:xfrm>
+          <a:prstGeom prst="straightConnector1">
+            <a:avLst/>
+          </a:prstGeom>
+          <a:ln w="57150">
+            <a:solidFill>
+              <a:schemeClr val="accent4"/>
+            </a:solidFill>
+            <a:tailEnd type="triangle"/>
+          </a:ln>
+        </p:spPr>
+        <p:style>
+          <a:lnRef idx="1">
+            <a:schemeClr val="accent1"/>
+          </a:lnRef>
+          <a:fillRef idx="0">
+            <a:schemeClr val="accent1"/>
+          </a:fillRef>
+          <a:effectRef idx="0">
+            <a:schemeClr val="accent1"/>
+          </a:effectRef>
+          <a:fontRef idx="minor">
+            <a:schemeClr val="tx1"/>
+          </a:fontRef>
+        </p:style>
+      </p:cxnSp>
+      <p:sp>
+        <p:nvSpPr>
+          <p:cNvPr id="12" name="TextBox 11"/>
+          <p:cNvSpPr txBox="1"/>
+          <p:nvPr/>
+        </p:nvSpPr>
+        <p:spPr>
+          <a:xfrm>
+            <a:off x="10074846" y="4817083"/>
+            <a:ext cx="1938866" cy="523220"/>
+          </a:xfrm>
+          <a:prstGeom prst="rect">
+            <a:avLst/>
+          </a:prstGeom>
+          <a:noFill/>
+        </p:spPr>
+        <p:txBody>
+          <a:bodyPr wrap="square" rtlCol="0">
+            <a:spAutoFit/>
+          </a:bodyPr>
+          <a:lstStyle/>
+          <a:p>
+            <a:r>
+              <a:rPr lang="en-US" altLang="ko-KR" sz="2800" b="1" dirty="0" smtClean="0">
+                <a:solidFill>
+                  <a:srgbClr val="FFC000"/>
+                </a:solidFill>
+              </a:rPr>
+              <a:t>Object</a:t>
+            </a:r>
+            <a:endParaRPr lang="ko-KR" altLang="en-US" sz="2800" b="1" dirty="0">
               <a:solidFill>
                 <a:srgbClr val="FFC000"/>
               </a:solidFill>
@@ -10024,14 +9789,14 @@
       </p:sp>
       <p:sp>
         <p:nvSpPr>
-          <p:cNvPr id="5" name="TextBox 4"/>
+          <p:cNvPr id="17" name="TextBox 16"/>
           <p:cNvSpPr txBox="1"/>
           <p:nvPr/>
         </p:nvSpPr>
         <p:spPr>
           <a:xfrm>
-            <a:off x="2074390" y="4200156"/>
-            <a:ext cx="8122736" cy="964110"/>
+            <a:off x="8922892" y="4047076"/>
+            <a:ext cx="2303908" cy="523220"/>
           </a:xfrm>
           <a:prstGeom prst="rect">
             <a:avLst/>
@@ -10039,92 +9804,129 @@
           <a:noFill/>
         </p:spPr>
         <p:txBody>
-          <a:bodyPr wrap="none" rtlCol="0">
+          <a:bodyPr wrap="square" rtlCol="0">
             <a:spAutoFit/>
           </a:bodyPr>
           <a:lstStyle/>
           <a:p>
-            <a:pPr algn="ctr">
-              <a:lnSpc>
-                <a:spcPct val="150000"/>
-              </a:lnSpc>
-            </a:pPr>
-            <a:r>
-              <a:rPr lang="ko-KR" altLang="en-US" sz="2000" dirty="0" smtClean="0"/>
-              <a:t>임의로 </a:t>
-            </a:r>
-            <a:r>
-              <a:rPr lang="ko-KR" altLang="en-US" sz="2000" dirty="0" err="1" smtClean="0"/>
-              <a:t>생성자를</a:t>
-            </a:r>
-            <a:r>
-              <a:rPr lang="ko-KR" altLang="en-US" sz="2000" dirty="0" smtClean="0"/>
-              <a:t> 만들면</a:t>
-            </a:r>
-            <a:r>
-              <a:rPr lang="en-US" altLang="ko-KR" sz="2000" dirty="0" smtClean="0"/>
-              <a:t>, </a:t>
-            </a:r>
-            <a:r>
-              <a:rPr lang="ko-KR" altLang="en-US" sz="2000" dirty="0" smtClean="0"/>
-              <a:t>기본 </a:t>
-            </a:r>
-            <a:r>
-              <a:rPr lang="ko-KR" altLang="en-US" sz="2000" dirty="0" err="1" smtClean="0"/>
-              <a:t>생성자는</a:t>
-            </a:r>
-            <a:r>
-              <a:rPr lang="ko-KR" altLang="en-US" sz="2000" dirty="0" smtClean="0"/>
-              <a:t> </a:t>
-            </a:r>
-            <a:r>
-              <a:rPr lang="ko-KR" altLang="en-US" sz="2000" b="1" dirty="0" smtClean="0">
-                <a:solidFill>
-                  <a:srgbClr val="FFC000"/>
-                </a:solidFill>
-              </a:rPr>
-              <a:t>자동으로</a:t>
-            </a:r>
-            <a:r>
-              <a:rPr lang="ko-KR" altLang="en-US" sz="2000" dirty="0" smtClean="0"/>
-              <a:t> 생성되지 않음</a:t>
-            </a:r>
-            <a:r>
-              <a:rPr lang="en-US" altLang="ko-KR" sz="2000" dirty="0" smtClean="0"/>
-              <a:t>.</a:t>
-            </a:r>
-          </a:p>
-          <a:p>
-            <a:pPr algn="ctr">
-              <a:lnSpc>
-                <a:spcPct val="150000"/>
-              </a:lnSpc>
-            </a:pPr>
-            <a:r>
-              <a:rPr lang="en-US" altLang="ko-KR" sz="2000" dirty="0" smtClean="0"/>
-              <a:t>(</a:t>
-            </a:r>
-            <a:r>
-              <a:rPr lang="ko-KR" altLang="en-US" sz="2000" dirty="0" smtClean="0"/>
-              <a:t>안 만들면 자동으로 생성됨</a:t>
-            </a:r>
-            <a:r>
-              <a:rPr lang="en-US" altLang="ko-KR" sz="2000" dirty="0" smtClean="0"/>
-              <a:t>)</a:t>
-            </a:r>
-          </a:p>
-        </p:txBody>
-      </p:sp>
+            <a:r>
+              <a:rPr lang="en-US" altLang="ko-KR" sz="2800" b="1" dirty="0" smtClean="0">
+                <a:solidFill>
+                  <a:srgbClr val="00B0F0"/>
+                </a:solidFill>
+              </a:rPr>
+              <a:t>Instance</a:t>
+            </a:r>
+            <a:endParaRPr lang="ko-KR" altLang="en-US" sz="2800" b="1" dirty="0">
+              <a:solidFill>
+                <a:srgbClr val="00B0F0"/>
+              </a:solidFill>
+            </a:endParaRPr>
+          </a:p>
+        </p:txBody>
+      </p:sp>
+      <p:sp>
+        <p:nvSpPr>
+          <p:cNvPr id="10" name="직사각형 9"/>
+          <p:cNvSpPr/>
+          <p:nvPr/>
+        </p:nvSpPr>
+        <p:spPr>
+          <a:xfrm>
+            <a:off x="1066800" y="4686301"/>
+            <a:ext cx="8068245" cy="1257300"/>
+          </a:xfrm>
+          <a:prstGeom prst="rect">
+            <a:avLst/>
+          </a:prstGeom>
+          <a:noFill/>
+          <a:ln w="76200">
+            <a:solidFill>
+              <a:srgbClr val="FFC000"/>
+            </a:solidFill>
+          </a:ln>
+        </p:spPr>
+        <p:style>
+          <a:lnRef idx="2">
+            <a:schemeClr val="accent1">
+              <a:shade val="50000"/>
+            </a:schemeClr>
+          </a:lnRef>
+          <a:fillRef idx="1">
+            <a:schemeClr val="accent1"/>
+          </a:fillRef>
+          <a:effectRef idx="0">
+            <a:schemeClr val="accent1"/>
+          </a:effectRef>
+          <a:fontRef idx="minor">
+            <a:schemeClr val="lt1"/>
+          </a:fontRef>
+        </p:style>
+        <p:txBody>
+          <a:bodyPr rtlCol="0" anchor="ctr"/>
+          <a:lstStyle/>
+          <a:p>
+            <a:pPr algn="ctr"/>
+            <a:endParaRPr lang="ko-KR" altLang="en-US"/>
+          </a:p>
+        </p:txBody>
+      </p:sp>
+      <p:cxnSp>
+        <p:nvCxnSpPr>
+          <p:cNvPr id="16" name="직선 화살표 연결선 15"/>
+          <p:cNvCxnSpPr>
+            <a:stCxn id="12" idx="1"/>
+            <a:endCxn id="10" idx="3"/>
+          </p:cNvCxnSpPr>
+          <p:nvPr/>
+        </p:nvCxnSpPr>
+        <p:spPr>
+          <a:xfrm flipH="1">
+            <a:off x="9135045" y="5078693"/>
+            <a:ext cx="939801" cy="236258"/>
+          </a:xfrm>
+          <a:prstGeom prst="straightConnector1">
+            <a:avLst/>
+          </a:prstGeom>
+          <a:ln w="57150">
+            <a:solidFill>
+              <a:srgbClr val="00B0F0"/>
+            </a:solidFill>
+            <a:tailEnd type="triangle"/>
+          </a:ln>
+        </p:spPr>
+        <p:style>
+          <a:lnRef idx="1">
+            <a:schemeClr val="accent1"/>
+          </a:lnRef>
+          <a:fillRef idx="0">
+            <a:schemeClr val="accent1"/>
+          </a:fillRef>
+          <a:effectRef idx="0">
+            <a:schemeClr val="accent1"/>
+          </a:effectRef>
+          <a:fontRef idx="minor">
+            <a:schemeClr val="tx1"/>
+          </a:fontRef>
+        </p:style>
+      </p:cxnSp>
     </p:spTree>
     <p:extLst>
       <p:ext uri="{BB962C8B-B14F-4D97-AF65-F5344CB8AC3E}">
-        <p14:creationId xmlns:p14="http://schemas.microsoft.com/office/powerpoint/2010/main" val="687295568"/>
+        <p14:creationId xmlns:p14="http://schemas.microsoft.com/office/powerpoint/2010/main" val="2808134594"/>
       </p:ext>
     </p:extLst>
   </p:cSld>
   <p:clrMapOvr>
     <a:masterClrMapping/>
   </p:clrMapOvr>
+  <p:timing>
+    <p:tnLst>
+      <p:par>
+        <p:cTn id="1" dur="indefinite" restart="never" nodeType="tmRoot"/>
+      </p:par>
+    </p:tnLst>
+  </p:timing>
 </p:sld>
 </file>
 
@@ -10153,8 +9955,8 @@
         </p:nvSpPr>
         <p:spPr>
           <a:xfrm>
-            <a:off x="744819" y="2264229"/>
-            <a:ext cx="10900741" cy="2246769"/>
+            <a:off x="3214445" y="548640"/>
+            <a:ext cx="5763117" cy="1107996"/>
           </a:xfrm>
           <a:prstGeom prst="rect">
             <a:avLst/>
@@ -10169,101 +9971,18 @@
           <a:p>
             <a:pPr algn="ctr"/>
             <a:r>
-              <a:rPr lang="ko-KR" altLang="en-US" sz="2800" dirty="0" smtClean="0">
-                <a:solidFill>
-                  <a:srgbClr val="FFC000"/>
-                </a:solidFill>
-              </a:rPr>
-              <a:t>초기화 되지 않은 인스턴스는 사용할 수 없다</a:t>
-            </a:r>
-            <a:r>
-              <a:rPr lang="en-US" altLang="ko-KR" sz="2800" dirty="0" smtClean="0">
-                <a:solidFill>
-                  <a:srgbClr val="FFC000"/>
-                </a:solidFill>
-              </a:rPr>
-              <a:t>!</a:t>
-            </a:r>
-          </a:p>
-          <a:p>
-            <a:pPr algn="ctr"/>
-            <a:endParaRPr lang="en-US" altLang="ko-KR" sz="2800" dirty="0"/>
-          </a:p>
-          <a:p>
-            <a:pPr algn="ctr"/>
-            <a:r>
-              <a:rPr lang="ko-KR" altLang="en-US" sz="2800" dirty="0" smtClean="0"/>
-              <a:t>사용하려고 할 경우 </a:t>
-            </a:r>
-            <a:r>
-              <a:rPr lang="en-US" altLang="ko-KR" sz="2800" dirty="0" smtClean="0"/>
-              <a:t>Null Pointer</a:t>
-            </a:r>
-            <a:r>
-              <a:rPr lang="ko-KR" altLang="en-US" sz="2800" dirty="0" smtClean="0"/>
-              <a:t>에러가 뜸</a:t>
-            </a:r>
-            <a:endParaRPr lang="en-US" altLang="ko-KR" sz="2800" dirty="0" smtClean="0"/>
-          </a:p>
-          <a:p>
-            <a:pPr algn="ctr"/>
-            <a:endParaRPr lang="en-US" altLang="ko-KR" sz="2800" b="1" dirty="0"/>
-          </a:p>
-          <a:p>
-            <a:pPr algn="ctr"/>
-            <a:r>
-              <a:rPr lang="ko-KR" altLang="en-US" sz="2800" b="1" dirty="0" err="1" smtClean="0">
-                <a:solidFill>
-                  <a:srgbClr val="FF5050"/>
-                </a:solidFill>
-              </a:rPr>
-              <a:t>생성자로</a:t>
-            </a:r>
-            <a:r>
-              <a:rPr lang="ko-KR" altLang="en-US" sz="2800" b="1" dirty="0" smtClean="0">
-                <a:solidFill>
-                  <a:srgbClr val="FF5050"/>
-                </a:solidFill>
-              </a:rPr>
-              <a:t> 초기화를 해주거나</a:t>
-            </a:r>
-            <a:r>
-              <a:rPr lang="en-US" altLang="ko-KR" sz="2800" b="1" dirty="0" smtClean="0">
-                <a:solidFill>
-                  <a:srgbClr val="FF5050"/>
-                </a:solidFill>
-              </a:rPr>
-              <a:t>, </a:t>
-            </a:r>
-            <a:r>
-              <a:rPr lang="ko-KR" altLang="en-US" sz="2800" b="1" dirty="0" err="1" smtClean="0">
-                <a:solidFill>
-                  <a:srgbClr val="FF5050"/>
-                </a:solidFill>
-              </a:rPr>
-              <a:t>메인메소드에서의</a:t>
-            </a:r>
-            <a:r>
-              <a:rPr lang="ko-KR" altLang="en-US" sz="2800" b="1" dirty="0" smtClean="0">
-                <a:solidFill>
-                  <a:srgbClr val="FF5050"/>
-                </a:solidFill>
-              </a:rPr>
-              <a:t> 초기화가 필수</a:t>
-            </a:r>
-            <a:r>
-              <a:rPr lang="en-US" altLang="ko-KR" sz="2800" b="1" dirty="0" smtClean="0">
-                <a:solidFill>
-                  <a:srgbClr val="FF5050"/>
-                </a:solidFill>
-              </a:rPr>
-              <a:t>!</a:t>
-            </a:r>
-            <a:endParaRPr lang="ko-KR" altLang="en-US" sz="2800" b="1" dirty="0">
-              <a:solidFill>
-                <a:srgbClr val="FF5050"/>
-              </a:solidFill>
-            </a:endParaRPr>
+              <a:rPr lang="en-US" altLang="ko-KR" sz="6600" b="1" dirty="0" smtClean="0">
+                <a:solidFill>
+                  <a:srgbClr val="FFC000"/>
+                </a:solidFill>
+              </a:rPr>
+              <a:t>Constructor</a:t>
+            </a:r>
+            <a:r>
+              <a:rPr lang="en-US" altLang="ko-KR" sz="6600" dirty="0" smtClean="0"/>
+              <a:t>?</a:t>
+            </a:r>
+            <a:endParaRPr lang="ko-KR" altLang="en-US" sz="6600" dirty="0"/>
           </a:p>
         </p:txBody>
       </p:sp>
@@ -10275,8 +9994,8 @@
         </p:nvSpPr>
         <p:spPr>
           <a:xfrm>
-            <a:off x="8041689" y="5900057"/>
-            <a:ext cx="3653564" cy="523220"/>
+            <a:off x="4619959" y="2388776"/>
+            <a:ext cx="3031599" cy="400110"/>
           </a:xfrm>
           <a:prstGeom prst="rect">
             <a:avLst/>
@@ -10291,62 +10010,53 @@
           <a:p>
             <a:pPr algn="ctr"/>
             <a:r>
-              <a:rPr lang="ko-KR" altLang="en-US" sz="1400" b="1" dirty="0" smtClean="0">
-                <a:solidFill>
-                  <a:srgbClr val="FFC000"/>
-                </a:solidFill>
-              </a:rPr>
-              <a:t>이거 실수 진짜 많이 하니까 꼭 인지하기</a:t>
-            </a:r>
-            <a:endParaRPr lang="en-US" altLang="ko-KR" sz="1400" b="1" dirty="0" smtClean="0">
+              <a:rPr lang="ko-KR" altLang="en-US" sz="2000" dirty="0" smtClean="0"/>
+              <a:t>객체를 생성하는 </a:t>
+            </a:r>
+            <a:r>
+              <a:rPr lang="ko-KR" altLang="en-US" sz="2000" dirty="0" err="1" smtClean="0"/>
+              <a:t>생성자</a:t>
+            </a:r>
+            <a:endParaRPr lang="en-US" altLang="ko-KR" sz="2000" dirty="0" smtClean="0">
               <a:solidFill>
                 <a:srgbClr val="FFC000"/>
               </a:solidFill>
             </a:endParaRPr>
           </a:p>
+        </p:txBody>
+      </p:sp>
+      <p:sp>
+        <p:nvSpPr>
+          <p:cNvPr id="4" name="TextBox 3"/>
+          <p:cNvSpPr txBox="1"/>
+          <p:nvPr/>
+        </p:nvSpPr>
+        <p:spPr>
+          <a:xfrm>
+            <a:off x="2715597" y="3294466"/>
+            <a:ext cx="6840334" cy="400110"/>
+          </a:xfrm>
+          <a:prstGeom prst="rect">
+            <a:avLst/>
+          </a:prstGeom>
+          <a:noFill/>
+        </p:spPr>
+        <p:txBody>
+          <a:bodyPr wrap="none" rtlCol="0">
+            <a:spAutoFit/>
+          </a:bodyPr>
+          <a:lstStyle/>
           <a:p>
             <a:pPr algn="ctr"/>
             <a:r>
-              <a:rPr lang="ko-KR" altLang="en-US" sz="1400" b="1" dirty="0" smtClean="0">
-                <a:solidFill>
-                  <a:srgbClr val="FFC000"/>
-                </a:solidFill>
-              </a:rPr>
-              <a:t>객체에서 </a:t>
-            </a:r>
-            <a:r>
-              <a:rPr lang="ko-KR" altLang="en-US" sz="1400" b="1" dirty="0" err="1" smtClean="0">
-                <a:solidFill>
-                  <a:srgbClr val="FFC000"/>
-                </a:solidFill>
-              </a:rPr>
-              <a:t>에러나면</a:t>
-            </a:r>
-            <a:r>
-              <a:rPr lang="ko-KR" altLang="en-US" sz="1400" b="1" dirty="0" smtClean="0">
-                <a:solidFill>
-                  <a:srgbClr val="FFC000"/>
-                </a:solidFill>
-              </a:rPr>
-              <a:t> </a:t>
-            </a:r>
-            <a:r>
-              <a:rPr lang="en-US" altLang="ko-KR" sz="1400" b="1" dirty="0" smtClean="0">
-                <a:solidFill>
-                  <a:srgbClr val="FFC000"/>
-                </a:solidFill>
-              </a:rPr>
-              <a:t>80%</a:t>
-            </a:r>
-            <a:r>
-              <a:rPr lang="ko-KR" altLang="en-US" sz="1400" b="1" dirty="0" smtClean="0">
-                <a:solidFill>
-                  <a:srgbClr val="FFC000"/>
-                </a:solidFill>
-              </a:rPr>
-              <a:t>는 이 이유</a:t>
-            </a:r>
-            <a:endParaRPr lang="ko-KR" altLang="en-US" sz="1400" b="1" dirty="0">
+              <a:rPr lang="ko-KR" altLang="en-US" sz="2000" dirty="0" smtClean="0"/>
+              <a:t>필드의 변수를 해당 객체가 가질 수 있도록 선언해 줌</a:t>
+            </a:r>
+            <a:r>
+              <a:rPr lang="en-US" altLang="ko-KR" sz="2000" dirty="0" smtClean="0"/>
+              <a:t>.</a:t>
+            </a:r>
+            <a:endParaRPr lang="en-US" altLang="ko-KR" sz="2000" dirty="0" smtClean="0">
               <a:solidFill>
                 <a:srgbClr val="FFC000"/>
               </a:solidFill>
@@ -10354,10 +10064,103 @@
           </a:p>
         </p:txBody>
       </p:sp>
+      <p:sp>
+        <p:nvSpPr>
+          <p:cNvPr id="5" name="TextBox 4"/>
+          <p:cNvSpPr txBox="1"/>
+          <p:nvPr/>
+        </p:nvSpPr>
+        <p:spPr>
+          <a:xfrm>
+            <a:off x="2074390" y="4200156"/>
+            <a:ext cx="8122736" cy="964110"/>
+          </a:xfrm>
+          <a:prstGeom prst="rect">
+            <a:avLst/>
+          </a:prstGeom>
+          <a:noFill/>
+        </p:spPr>
+        <p:txBody>
+          <a:bodyPr wrap="none" rtlCol="0">
+            <a:spAutoFit/>
+          </a:bodyPr>
+          <a:lstStyle/>
+          <a:p>
+            <a:pPr algn="ctr">
+              <a:lnSpc>
+                <a:spcPct val="150000"/>
+              </a:lnSpc>
+            </a:pPr>
+            <a:r>
+              <a:rPr lang="ko-KR" altLang="en-US" sz="2000" dirty="0" smtClean="0"/>
+              <a:t>임의로 </a:t>
+            </a:r>
+            <a:r>
+              <a:rPr lang="ko-KR" altLang="en-US" sz="2000" dirty="0" err="1" smtClean="0"/>
+              <a:t>생성자를</a:t>
+            </a:r>
+            <a:r>
+              <a:rPr lang="ko-KR" altLang="en-US" sz="2000" dirty="0" smtClean="0"/>
+              <a:t> 만들면</a:t>
+            </a:r>
+            <a:r>
+              <a:rPr lang="en-US" altLang="ko-KR" sz="2000" dirty="0" smtClean="0"/>
+              <a:t>, </a:t>
+            </a:r>
+            <a:r>
+              <a:rPr lang="ko-KR" altLang="en-US" sz="2000" dirty="0" smtClean="0"/>
+              <a:t>기본 </a:t>
+            </a:r>
+            <a:r>
+              <a:rPr lang="ko-KR" altLang="en-US" sz="2000" dirty="0" err="1" smtClean="0"/>
+              <a:t>생성자는</a:t>
+            </a:r>
+            <a:r>
+              <a:rPr lang="ko-KR" altLang="en-US" sz="2000" dirty="0" smtClean="0"/>
+              <a:t> </a:t>
+            </a:r>
+            <a:r>
+              <a:rPr lang="ko-KR" altLang="en-US" sz="2000" b="1" dirty="0" smtClean="0">
+                <a:solidFill>
+                  <a:srgbClr val="FFC000"/>
+                </a:solidFill>
+              </a:rPr>
+              <a:t>자동으로</a:t>
+            </a:r>
+            <a:r>
+              <a:rPr lang="ko-KR" altLang="en-US" sz="2000" dirty="0" smtClean="0"/>
+              <a:t> 생성되지 않음</a:t>
+            </a:r>
+            <a:r>
+              <a:rPr lang="en-US" altLang="ko-KR" sz="2000" dirty="0" smtClean="0"/>
+              <a:t>.</a:t>
+            </a:r>
+          </a:p>
+          <a:p>
+            <a:pPr algn="ctr">
+              <a:lnSpc>
+                <a:spcPct val="150000"/>
+              </a:lnSpc>
+            </a:pPr>
+            <a:r>
+              <a:rPr lang="en-US" altLang="ko-KR" sz="2000" dirty="0" smtClean="0"/>
+              <a:t>(</a:t>
+            </a:r>
+            <a:r>
+              <a:rPr lang="ko-KR" altLang="en-US" sz="2000" dirty="0" smtClean="0"/>
+              <a:t>안 만들면 자동으로 생성됨</a:t>
+            </a:r>
+            <a:r>
+              <a:rPr lang="en-US" altLang="ko-KR" sz="2000" dirty="0" smtClean="0"/>
+              <a:t>)</a:t>
+            </a:r>
+          </a:p>
+        </p:txBody>
+      </p:sp>
     </p:spTree>
     <p:extLst>
       <p:ext uri="{BB962C8B-B14F-4D97-AF65-F5344CB8AC3E}">
-        <p14:creationId xmlns:p14="http://schemas.microsoft.com/office/powerpoint/2010/main" val="3061512155"/>
+        <p14:creationId xmlns:p14="http://schemas.microsoft.com/office/powerpoint/2010/main" val="687295568"/>
       </p:ext>
     </p:extLst>
   </p:cSld>
